--- a/arduino/AnalogInput.pptx
+++ b/arduino/AnalogInput.pptx
@@ -8,8 +8,10 @@
     <p:sldId id="256" r:id="rId2"/>
     <p:sldId id="257" r:id="rId3"/>
     <p:sldId id="260" r:id="rId4"/>
-    <p:sldId id="259" r:id="rId5"/>
-    <p:sldId id="258" r:id="rId6"/>
+    <p:sldId id="258" r:id="rId5"/>
+    <p:sldId id="261" r:id="rId6"/>
+    <p:sldId id="262" r:id="rId7"/>
+    <p:sldId id="263" r:id="rId8"/>
   </p:sldIdLst>
   <p:sldSz cx="12192000" cy="6858000"/>
   <p:notesSz cx="6858000" cy="9144000"/>
@@ -108,6 +110,11 @@
       </a:defRPr>
     </a:lvl9pPr>
   </p:defaultTextStyle>
+  <p:extLst>
+    <p:ext uri="{EFAFB233-063F-42B5-8137-9DF3F51BA10A}">
+      <p15:sldGuideLst xmlns:p15="http://schemas.microsoft.com/office/powerpoint/2012/main"/>
+    </p:ext>
+  </p:extLst>
 </p:presentation>
 </file>
 
@@ -258,7 +265,7 @@
           <a:p>
             <a:fld id="{E0C3C978-33D8-4BA4-9FFF-CFEC90841711}" type="datetimeFigureOut">
               <a:rPr lang="en-US" smtClean="0"/>
-              <a:t>4/26/2021</a:t>
+              <a:t>4/10/2024</a:t>
             </a:fld>
             <a:endParaRPr lang="en-US"/>
           </a:p>
@@ -456,7 +463,7 @@
           <a:p>
             <a:fld id="{E0C3C978-33D8-4BA4-9FFF-CFEC90841711}" type="datetimeFigureOut">
               <a:rPr lang="en-US" smtClean="0"/>
-              <a:t>4/26/2021</a:t>
+              <a:t>4/10/2024</a:t>
             </a:fld>
             <a:endParaRPr lang="en-US"/>
           </a:p>
@@ -664,7 +671,7 @@
           <a:p>
             <a:fld id="{E0C3C978-33D8-4BA4-9FFF-CFEC90841711}" type="datetimeFigureOut">
               <a:rPr lang="en-US" smtClean="0"/>
-              <a:t>4/26/2021</a:t>
+              <a:t>4/10/2024</a:t>
             </a:fld>
             <a:endParaRPr lang="en-US"/>
           </a:p>
@@ -862,7 +869,7 @@
           <a:p>
             <a:fld id="{E0C3C978-33D8-4BA4-9FFF-CFEC90841711}" type="datetimeFigureOut">
               <a:rPr lang="en-US" smtClean="0"/>
-              <a:t>4/26/2021</a:t>
+              <a:t>4/10/2024</a:t>
             </a:fld>
             <a:endParaRPr lang="en-US"/>
           </a:p>
@@ -1137,7 +1144,7 @@
           <a:p>
             <a:fld id="{E0C3C978-33D8-4BA4-9FFF-CFEC90841711}" type="datetimeFigureOut">
               <a:rPr lang="en-US" smtClean="0"/>
-              <a:t>4/26/2021</a:t>
+              <a:t>4/10/2024</a:t>
             </a:fld>
             <a:endParaRPr lang="en-US"/>
           </a:p>
@@ -1402,7 +1409,7 @@
           <a:p>
             <a:fld id="{E0C3C978-33D8-4BA4-9FFF-CFEC90841711}" type="datetimeFigureOut">
               <a:rPr lang="en-US" smtClean="0"/>
-              <a:t>4/26/2021</a:t>
+              <a:t>4/10/2024</a:t>
             </a:fld>
             <a:endParaRPr lang="en-US"/>
           </a:p>
@@ -1814,7 +1821,7 @@
           <a:p>
             <a:fld id="{E0C3C978-33D8-4BA4-9FFF-CFEC90841711}" type="datetimeFigureOut">
               <a:rPr lang="en-US" smtClean="0"/>
-              <a:t>4/26/2021</a:t>
+              <a:t>4/10/2024</a:t>
             </a:fld>
             <a:endParaRPr lang="en-US"/>
           </a:p>
@@ -1955,7 +1962,7 @@
           <a:p>
             <a:fld id="{E0C3C978-33D8-4BA4-9FFF-CFEC90841711}" type="datetimeFigureOut">
               <a:rPr lang="en-US" smtClean="0"/>
-              <a:t>4/26/2021</a:t>
+              <a:t>4/10/2024</a:t>
             </a:fld>
             <a:endParaRPr lang="en-US"/>
           </a:p>
@@ -2068,7 +2075,7 @@
           <a:p>
             <a:fld id="{E0C3C978-33D8-4BA4-9FFF-CFEC90841711}" type="datetimeFigureOut">
               <a:rPr lang="en-US" smtClean="0"/>
-              <a:t>4/26/2021</a:t>
+              <a:t>4/10/2024</a:t>
             </a:fld>
             <a:endParaRPr lang="en-US"/>
           </a:p>
@@ -2379,7 +2386,7 @@
           <a:p>
             <a:fld id="{E0C3C978-33D8-4BA4-9FFF-CFEC90841711}" type="datetimeFigureOut">
               <a:rPr lang="en-US" smtClean="0"/>
-              <a:t>4/26/2021</a:t>
+              <a:t>4/10/2024</a:t>
             </a:fld>
             <a:endParaRPr lang="en-US"/>
           </a:p>
@@ -2667,7 +2674,7 @@
           <a:p>
             <a:fld id="{E0C3C978-33D8-4BA4-9FFF-CFEC90841711}" type="datetimeFigureOut">
               <a:rPr lang="en-US" smtClean="0"/>
-              <a:t>4/26/2021</a:t>
+              <a:t>4/10/2024</a:t>
             </a:fld>
             <a:endParaRPr lang="en-US"/>
           </a:p>
@@ -2908,7 +2915,7 @@
           <a:p>
             <a:fld id="{E0C3C978-33D8-4BA4-9FFF-CFEC90841711}" type="datetimeFigureOut">
               <a:rPr lang="en-US" smtClean="0"/>
-              <a:t>4/26/2021</a:t>
+              <a:t>4/10/2024</a:t>
             </a:fld>
             <a:endParaRPr lang="en-US"/>
           </a:p>
@@ -5577,7 +5584,7 @@
         </p:blipFill>
         <p:spPr>
           <a:xfrm>
-            <a:off x="79840" y="4665058"/>
+            <a:off x="79840" y="4051211"/>
             <a:ext cx="12192000" cy="1628248"/>
           </a:xfrm>
           <a:prstGeom prst="rect">
@@ -5585,6 +5592,1104 @@
           </a:prstGeom>
         </p:spPr>
       </p:pic>
+      <p:sp>
+        <p:nvSpPr>
+          <p:cNvPr id="6" name="TextBox 5">
+            <a:extLst>
+              <a:ext uri="{FF2B5EF4-FFF2-40B4-BE49-F238E27FC236}">
+                <a16:creationId xmlns:a16="http://schemas.microsoft.com/office/drawing/2014/main" id="{4F9A4A56-09B9-4FF7-B4BE-F8940CF75A50}"/>
+              </a:ext>
+            </a:extLst>
+          </p:cNvPr>
+          <p:cNvSpPr txBox="1"/>
+          <p:nvPr/>
+        </p:nvSpPr>
+        <p:spPr>
+          <a:xfrm>
+            <a:off x="2184850" y="1466886"/>
+            <a:ext cx="542166" cy="369332"/>
+          </a:xfrm>
+          <a:prstGeom prst="rect">
+            <a:avLst/>
+          </a:prstGeom>
+          <a:noFill/>
+        </p:spPr>
+        <p:txBody>
+          <a:bodyPr wrap="square" rtlCol="0">
+            <a:spAutoFit/>
+          </a:bodyPr>
+          <a:lstStyle/>
+          <a:p>
+            <a:pPr algn="ctr"/>
+            <a:r>
+              <a:rPr lang="en-US" b="1" dirty="0">
+                <a:solidFill>
+                  <a:schemeClr val="accent5">
+                    <a:lumMod val="50000"/>
+                  </a:schemeClr>
+                </a:solidFill>
+                <a:latin typeface="Segoe Condensed" panose="020B0606040200020203" pitchFamily="34" charset="0"/>
+                <a:cs typeface="Times New Roman" panose="02020603050405020304" pitchFamily="18" charset="0"/>
+              </a:rPr>
+              <a:t>0V</a:t>
+            </a:r>
+          </a:p>
+        </p:txBody>
+      </p:sp>
+      <p:cxnSp>
+        <p:nvCxnSpPr>
+          <p:cNvPr id="8" name="Straight Connector 7">
+            <a:extLst>
+              <a:ext uri="{FF2B5EF4-FFF2-40B4-BE49-F238E27FC236}">
+                <a16:creationId xmlns:a16="http://schemas.microsoft.com/office/drawing/2014/main" id="{0DBBD6B5-0E53-45D7-9285-9AB3D82BC1EA}"/>
+              </a:ext>
+            </a:extLst>
+          </p:cNvPr>
+          <p:cNvCxnSpPr>
+            <a:cxnSpLocks/>
+          </p:cNvCxnSpPr>
+          <p:nvPr/>
+        </p:nvCxnSpPr>
+        <p:spPr>
+          <a:xfrm>
+            <a:off x="2455933" y="1782945"/>
+            <a:ext cx="0" cy="801111"/>
+          </a:xfrm>
+          <a:prstGeom prst="line">
+            <a:avLst/>
+          </a:prstGeom>
+          <a:ln>
+            <a:solidFill>
+              <a:schemeClr val="accent5">
+                <a:lumMod val="50000"/>
+              </a:schemeClr>
+            </a:solidFill>
+          </a:ln>
+        </p:spPr>
+        <p:style>
+          <a:lnRef idx="1">
+            <a:schemeClr val="accent1"/>
+          </a:lnRef>
+          <a:fillRef idx="0">
+            <a:schemeClr val="accent1"/>
+          </a:fillRef>
+          <a:effectRef idx="0">
+            <a:schemeClr val="accent1"/>
+          </a:effectRef>
+          <a:fontRef idx="minor">
+            <a:schemeClr val="tx1"/>
+          </a:fontRef>
+        </p:style>
+      </p:cxnSp>
+      <p:cxnSp>
+        <p:nvCxnSpPr>
+          <p:cNvPr id="9" name="Straight Connector 8">
+            <a:extLst>
+              <a:ext uri="{FF2B5EF4-FFF2-40B4-BE49-F238E27FC236}">
+                <a16:creationId xmlns:a16="http://schemas.microsoft.com/office/drawing/2014/main" id="{992C42C4-0E24-4AE9-98B3-4968D1D16413}"/>
+              </a:ext>
+            </a:extLst>
+          </p:cNvPr>
+          <p:cNvCxnSpPr>
+            <a:cxnSpLocks/>
+          </p:cNvCxnSpPr>
+          <p:nvPr/>
+        </p:nvCxnSpPr>
+        <p:spPr>
+          <a:xfrm>
+            <a:off x="3786264" y="1782945"/>
+            <a:ext cx="0" cy="801111"/>
+          </a:xfrm>
+          <a:prstGeom prst="line">
+            <a:avLst/>
+          </a:prstGeom>
+          <a:ln>
+            <a:solidFill>
+              <a:schemeClr val="accent5">
+                <a:lumMod val="50000"/>
+              </a:schemeClr>
+            </a:solidFill>
+          </a:ln>
+        </p:spPr>
+        <p:style>
+          <a:lnRef idx="1">
+            <a:schemeClr val="accent1"/>
+          </a:lnRef>
+          <a:fillRef idx="0">
+            <a:schemeClr val="accent1"/>
+          </a:fillRef>
+          <a:effectRef idx="0">
+            <a:schemeClr val="accent1"/>
+          </a:effectRef>
+          <a:fontRef idx="minor">
+            <a:schemeClr val="tx1"/>
+          </a:fontRef>
+        </p:style>
+      </p:cxnSp>
+      <p:cxnSp>
+        <p:nvCxnSpPr>
+          <p:cNvPr id="10" name="Straight Connector 9">
+            <a:extLst>
+              <a:ext uri="{FF2B5EF4-FFF2-40B4-BE49-F238E27FC236}">
+                <a16:creationId xmlns:a16="http://schemas.microsoft.com/office/drawing/2014/main" id="{E57FFB12-F3FB-4DC2-AF62-590C543FF62E}"/>
+              </a:ext>
+            </a:extLst>
+          </p:cNvPr>
+          <p:cNvCxnSpPr>
+            <a:cxnSpLocks/>
+          </p:cNvCxnSpPr>
+          <p:nvPr/>
+        </p:nvCxnSpPr>
+        <p:spPr>
+          <a:xfrm>
+            <a:off x="5116595" y="1782945"/>
+            <a:ext cx="0" cy="801111"/>
+          </a:xfrm>
+          <a:prstGeom prst="line">
+            <a:avLst/>
+          </a:prstGeom>
+          <a:ln>
+            <a:solidFill>
+              <a:schemeClr val="accent5">
+                <a:lumMod val="50000"/>
+              </a:schemeClr>
+            </a:solidFill>
+          </a:ln>
+        </p:spPr>
+        <p:style>
+          <a:lnRef idx="1">
+            <a:schemeClr val="accent1"/>
+          </a:lnRef>
+          <a:fillRef idx="0">
+            <a:schemeClr val="accent1"/>
+          </a:fillRef>
+          <a:effectRef idx="0">
+            <a:schemeClr val="accent1"/>
+          </a:effectRef>
+          <a:fontRef idx="minor">
+            <a:schemeClr val="tx1"/>
+          </a:fontRef>
+        </p:style>
+      </p:cxnSp>
+      <p:cxnSp>
+        <p:nvCxnSpPr>
+          <p:cNvPr id="11" name="Straight Connector 10">
+            <a:extLst>
+              <a:ext uri="{FF2B5EF4-FFF2-40B4-BE49-F238E27FC236}">
+                <a16:creationId xmlns:a16="http://schemas.microsoft.com/office/drawing/2014/main" id="{C8804349-5C66-4C54-8AE5-003E0A9FEDBD}"/>
+              </a:ext>
+            </a:extLst>
+          </p:cNvPr>
+          <p:cNvCxnSpPr>
+            <a:cxnSpLocks/>
+          </p:cNvCxnSpPr>
+          <p:nvPr/>
+        </p:nvCxnSpPr>
+        <p:spPr>
+          <a:xfrm>
+            <a:off x="6446926" y="1782945"/>
+            <a:ext cx="0" cy="801111"/>
+          </a:xfrm>
+          <a:prstGeom prst="line">
+            <a:avLst/>
+          </a:prstGeom>
+          <a:ln>
+            <a:solidFill>
+              <a:schemeClr val="accent5">
+                <a:lumMod val="50000"/>
+              </a:schemeClr>
+            </a:solidFill>
+          </a:ln>
+        </p:spPr>
+        <p:style>
+          <a:lnRef idx="1">
+            <a:schemeClr val="accent1"/>
+          </a:lnRef>
+          <a:fillRef idx="0">
+            <a:schemeClr val="accent1"/>
+          </a:fillRef>
+          <a:effectRef idx="0">
+            <a:schemeClr val="accent1"/>
+          </a:effectRef>
+          <a:fontRef idx="minor">
+            <a:schemeClr val="tx1"/>
+          </a:fontRef>
+        </p:style>
+      </p:cxnSp>
+      <p:cxnSp>
+        <p:nvCxnSpPr>
+          <p:cNvPr id="12" name="Straight Connector 11">
+            <a:extLst>
+              <a:ext uri="{FF2B5EF4-FFF2-40B4-BE49-F238E27FC236}">
+                <a16:creationId xmlns:a16="http://schemas.microsoft.com/office/drawing/2014/main" id="{1BB029D0-DD78-47DA-84B2-267B70EDCABD}"/>
+              </a:ext>
+            </a:extLst>
+          </p:cNvPr>
+          <p:cNvCxnSpPr>
+            <a:cxnSpLocks/>
+          </p:cNvCxnSpPr>
+          <p:nvPr/>
+        </p:nvCxnSpPr>
+        <p:spPr>
+          <a:xfrm>
+            <a:off x="9107586" y="1782945"/>
+            <a:ext cx="0" cy="801111"/>
+          </a:xfrm>
+          <a:prstGeom prst="line">
+            <a:avLst/>
+          </a:prstGeom>
+          <a:ln>
+            <a:solidFill>
+              <a:schemeClr val="accent5">
+                <a:lumMod val="50000"/>
+              </a:schemeClr>
+            </a:solidFill>
+          </a:ln>
+        </p:spPr>
+        <p:style>
+          <a:lnRef idx="1">
+            <a:schemeClr val="accent1"/>
+          </a:lnRef>
+          <a:fillRef idx="0">
+            <a:schemeClr val="accent1"/>
+          </a:fillRef>
+          <a:effectRef idx="0">
+            <a:schemeClr val="accent1"/>
+          </a:effectRef>
+          <a:fontRef idx="minor">
+            <a:schemeClr val="tx1"/>
+          </a:fontRef>
+        </p:style>
+      </p:cxnSp>
+      <p:cxnSp>
+        <p:nvCxnSpPr>
+          <p:cNvPr id="13" name="Straight Connector 12">
+            <a:extLst>
+              <a:ext uri="{FF2B5EF4-FFF2-40B4-BE49-F238E27FC236}">
+                <a16:creationId xmlns:a16="http://schemas.microsoft.com/office/drawing/2014/main" id="{FC4C4129-3823-4940-87B4-643A227C4E9B}"/>
+              </a:ext>
+            </a:extLst>
+          </p:cNvPr>
+          <p:cNvCxnSpPr>
+            <a:cxnSpLocks/>
+          </p:cNvCxnSpPr>
+          <p:nvPr/>
+        </p:nvCxnSpPr>
+        <p:spPr>
+          <a:xfrm>
+            <a:off x="7777257" y="1782945"/>
+            <a:ext cx="0" cy="801111"/>
+          </a:xfrm>
+          <a:prstGeom prst="line">
+            <a:avLst/>
+          </a:prstGeom>
+          <a:ln>
+            <a:solidFill>
+              <a:schemeClr val="accent5">
+                <a:lumMod val="50000"/>
+              </a:schemeClr>
+            </a:solidFill>
+          </a:ln>
+        </p:spPr>
+        <p:style>
+          <a:lnRef idx="1">
+            <a:schemeClr val="accent1"/>
+          </a:lnRef>
+          <a:fillRef idx="0">
+            <a:schemeClr val="accent1"/>
+          </a:fillRef>
+          <a:effectRef idx="0">
+            <a:schemeClr val="accent1"/>
+          </a:effectRef>
+          <a:fontRef idx="minor">
+            <a:schemeClr val="tx1"/>
+          </a:fontRef>
+        </p:style>
+      </p:cxnSp>
+      <p:sp>
+        <p:nvSpPr>
+          <p:cNvPr id="14" name="TextBox 13">
+            <a:extLst>
+              <a:ext uri="{FF2B5EF4-FFF2-40B4-BE49-F238E27FC236}">
+                <a16:creationId xmlns:a16="http://schemas.microsoft.com/office/drawing/2014/main" id="{B3895A3D-3891-4700-9384-0C3D1253554C}"/>
+              </a:ext>
+            </a:extLst>
+          </p:cNvPr>
+          <p:cNvSpPr txBox="1"/>
+          <p:nvPr/>
+        </p:nvSpPr>
+        <p:spPr>
+          <a:xfrm>
+            <a:off x="8836503" y="1466886"/>
+            <a:ext cx="542166" cy="369332"/>
+          </a:xfrm>
+          <a:prstGeom prst="rect">
+            <a:avLst/>
+          </a:prstGeom>
+          <a:noFill/>
+        </p:spPr>
+        <p:txBody>
+          <a:bodyPr wrap="square" rtlCol="0">
+            <a:spAutoFit/>
+          </a:bodyPr>
+          <a:lstStyle/>
+          <a:p>
+            <a:pPr algn="ctr"/>
+            <a:r>
+              <a:rPr lang="en-US" b="1" dirty="0">
+                <a:solidFill>
+                  <a:schemeClr val="accent5">
+                    <a:lumMod val="50000"/>
+                  </a:schemeClr>
+                </a:solidFill>
+                <a:latin typeface="Segoe Condensed" panose="020B0606040200020203" pitchFamily="34" charset="0"/>
+                <a:cs typeface="Times New Roman" panose="02020603050405020304" pitchFamily="18" charset="0"/>
+              </a:rPr>
+              <a:t>5V</a:t>
+            </a:r>
+          </a:p>
+        </p:txBody>
+      </p:sp>
+      <p:sp>
+        <p:nvSpPr>
+          <p:cNvPr id="15" name="TextBox 14">
+            <a:extLst>
+              <a:ext uri="{FF2B5EF4-FFF2-40B4-BE49-F238E27FC236}">
+                <a16:creationId xmlns:a16="http://schemas.microsoft.com/office/drawing/2014/main" id="{6ABED08B-B644-49EB-B8E9-0C6B483539A2}"/>
+              </a:ext>
+            </a:extLst>
+          </p:cNvPr>
+          <p:cNvSpPr txBox="1"/>
+          <p:nvPr/>
+        </p:nvSpPr>
+        <p:spPr>
+          <a:xfrm>
+            <a:off x="7506172" y="1466886"/>
+            <a:ext cx="542166" cy="369332"/>
+          </a:xfrm>
+          <a:prstGeom prst="rect">
+            <a:avLst/>
+          </a:prstGeom>
+          <a:noFill/>
+        </p:spPr>
+        <p:txBody>
+          <a:bodyPr wrap="square" rtlCol="0">
+            <a:spAutoFit/>
+          </a:bodyPr>
+          <a:lstStyle/>
+          <a:p>
+            <a:pPr algn="ctr"/>
+            <a:r>
+              <a:rPr lang="en-US" b="1" dirty="0">
+                <a:solidFill>
+                  <a:schemeClr val="accent5">
+                    <a:lumMod val="50000"/>
+                  </a:schemeClr>
+                </a:solidFill>
+                <a:latin typeface="Segoe Condensed" panose="020B0606040200020203" pitchFamily="34" charset="0"/>
+                <a:cs typeface="Times New Roman" panose="02020603050405020304" pitchFamily="18" charset="0"/>
+              </a:rPr>
+              <a:t>4V</a:t>
+            </a:r>
+          </a:p>
+        </p:txBody>
+      </p:sp>
+      <p:sp>
+        <p:nvSpPr>
+          <p:cNvPr id="16" name="TextBox 15">
+            <a:extLst>
+              <a:ext uri="{FF2B5EF4-FFF2-40B4-BE49-F238E27FC236}">
+                <a16:creationId xmlns:a16="http://schemas.microsoft.com/office/drawing/2014/main" id="{1713331E-3EAB-4207-81ED-5ADA8B30414C}"/>
+              </a:ext>
+            </a:extLst>
+          </p:cNvPr>
+          <p:cNvSpPr txBox="1"/>
+          <p:nvPr/>
+        </p:nvSpPr>
+        <p:spPr>
+          <a:xfrm>
+            <a:off x="6175840" y="1466886"/>
+            <a:ext cx="542166" cy="369332"/>
+          </a:xfrm>
+          <a:prstGeom prst="rect">
+            <a:avLst/>
+          </a:prstGeom>
+          <a:noFill/>
+        </p:spPr>
+        <p:txBody>
+          <a:bodyPr wrap="square" rtlCol="0">
+            <a:spAutoFit/>
+          </a:bodyPr>
+          <a:lstStyle/>
+          <a:p>
+            <a:pPr algn="ctr"/>
+            <a:r>
+              <a:rPr lang="en-US" b="1" dirty="0">
+                <a:solidFill>
+                  <a:schemeClr val="accent5">
+                    <a:lumMod val="50000"/>
+                  </a:schemeClr>
+                </a:solidFill>
+                <a:latin typeface="Segoe Condensed" panose="020B0606040200020203" pitchFamily="34" charset="0"/>
+                <a:cs typeface="Times New Roman" panose="02020603050405020304" pitchFamily="18" charset="0"/>
+              </a:rPr>
+              <a:t>3V</a:t>
+            </a:r>
+          </a:p>
+        </p:txBody>
+      </p:sp>
+      <p:sp>
+        <p:nvSpPr>
+          <p:cNvPr id="17" name="TextBox 16">
+            <a:extLst>
+              <a:ext uri="{FF2B5EF4-FFF2-40B4-BE49-F238E27FC236}">
+                <a16:creationId xmlns:a16="http://schemas.microsoft.com/office/drawing/2014/main" id="{548D51C8-8075-472F-924D-9B0420FF5B13}"/>
+              </a:ext>
+            </a:extLst>
+          </p:cNvPr>
+          <p:cNvSpPr txBox="1"/>
+          <p:nvPr/>
+        </p:nvSpPr>
+        <p:spPr>
+          <a:xfrm>
+            <a:off x="4832967" y="1466886"/>
+            <a:ext cx="542166" cy="369332"/>
+          </a:xfrm>
+          <a:prstGeom prst="rect">
+            <a:avLst/>
+          </a:prstGeom>
+          <a:noFill/>
+        </p:spPr>
+        <p:txBody>
+          <a:bodyPr wrap="square" rtlCol="0">
+            <a:spAutoFit/>
+          </a:bodyPr>
+          <a:lstStyle/>
+          <a:p>
+            <a:pPr algn="ctr"/>
+            <a:r>
+              <a:rPr lang="en-US" b="1" dirty="0">
+                <a:solidFill>
+                  <a:schemeClr val="accent5">
+                    <a:lumMod val="50000"/>
+                  </a:schemeClr>
+                </a:solidFill>
+                <a:latin typeface="Segoe Condensed" panose="020B0606040200020203" pitchFamily="34" charset="0"/>
+                <a:cs typeface="Times New Roman" panose="02020603050405020304" pitchFamily="18" charset="0"/>
+              </a:rPr>
+              <a:t>2V</a:t>
+            </a:r>
+          </a:p>
+        </p:txBody>
+      </p:sp>
+      <p:sp>
+        <p:nvSpPr>
+          <p:cNvPr id="18" name="TextBox 17">
+            <a:extLst>
+              <a:ext uri="{FF2B5EF4-FFF2-40B4-BE49-F238E27FC236}">
+                <a16:creationId xmlns:a16="http://schemas.microsoft.com/office/drawing/2014/main" id="{F0B9B988-257E-4719-9493-71F245E59455}"/>
+              </a:ext>
+            </a:extLst>
+          </p:cNvPr>
+          <p:cNvSpPr txBox="1"/>
+          <p:nvPr/>
+        </p:nvSpPr>
+        <p:spPr>
+          <a:xfrm>
+            <a:off x="3515179" y="1466886"/>
+            <a:ext cx="542166" cy="369332"/>
+          </a:xfrm>
+          <a:prstGeom prst="rect">
+            <a:avLst/>
+          </a:prstGeom>
+          <a:noFill/>
+        </p:spPr>
+        <p:txBody>
+          <a:bodyPr wrap="square" rtlCol="0">
+            <a:spAutoFit/>
+          </a:bodyPr>
+          <a:lstStyle/>
+          <a:p>
+            <a:pPr algn="ctr"/>
+            <a:r>
+              <a:rPr lang="en-US" b="1" dirty="0">
+                <a:solidFill>
+                  <a:schemeClr val="accent5">
+                    <a:lumMod val="50000"/>
+                  </a:schemeClr>
+                </a:solidFill>
+                <a:latin typeface="Segoe Condensed" panose="020B0606040200020203" pitchFamily="34" charset="0"/>
+                <a:cs typeface="Times New Roman" panose="02020603050405020304" pitchFamily="18" charset="0"/>
+              </a:rPr>
+              <a:t>1V</a:t>
+            </a:r>
+          </a:p>
+        </p:txBody>
+      </p:sp>
+      <p:sp>
+        <p:nvSpPr>
+          <p:cNvPr id="19" name="TextBox 18">
+            <a:extLst>
+              <a:ext uri="{FF2B5EF4-FFF2-40B4-BE49-F238E27FC236}">
+                <a16:creationId xmlns:a16="http://schemas.microsoft.com/office/drawing/2014/main" id="{EF2648C4-5492-46AF-9BD2-63474E02D460}"/>
+              </a:ext>
+            </a:extLst>
+          </p:cNvPr>
+          <p:cNvSpPr txBox="1"/>
+          <p:nvPr/>
+        </p:nvSpPr>
+        <p:spPr>
+          <a:xfrm>
+            <a:off x="2184850" y="2577988"/>
+            <a:ext cx="542166" cy="369332"/>
+          </a:xfrm>
+          <a:prstGeom prst="rect">
+            <a:avLst/>
+          </a:prstGeom>
+          <a:noFill/>
+        </p:spPr>
+        <p:txBody>
+          <a:bodyPr wrap="square" rtlCol="0">
+            <a:spAutoFit/>
+          </a:bodyPr>
+          <a:lstStyle/>
+          <a:p>
+            <a:pPr algn="ctr"/>
+            <a:r>
+              <a:rPr lang="en-US" b="1" dirty="0">
+                <a:solidFill>
+                  <a:schemeClr val="accent5">
+                    <a:lumMod val="50000"/>
+                  </a:schemeClr>
+                </a:solidFill>
+                <a:latin typeface="Segoe Condensed" panose="020B0606040200020203" pitchFamily="34" charset="0"/>
+                <a:cs typeface="Times New Roman" panose="02020603050405020304" pitchFamily="18" charset="0"/>
+              </a:rPr>
+              <a:t>0</a:t>
+            </a:r>
+          </a:p>
+        </p:txBody>
+      </p:sp>
+      <p:sp>
+        <p:nvSpPr>
+          <p:cNvPr id="20" name="TextBox 19">
+            <a:extLst>
+              <a:ext uri="{FF2B5EF4-FFF2-40B4-BE49-F238E27FC236}">
+                <a16:creationId xmlns:a16="http://schemas.microsoft.com/office/drawing/2014/main" id="{6AAD7ED5-CE57-4A5E-82E5-502E4520CA1C}"/>
+              </a:ext>
+            </a:extLst>
+          </p:cNvPr>
+          <p:cNvSpPr txBox="1"/>
+          <p:nvPr/>
+        </p:nvSpPr>
+        <p:spPr>
+          <a:xfrm>
+            <a:off x="8787950" y="2577988"/>
+            <a:ext cx="639271" cy="369332"/>
+          </a:xfrm>
+          <a:prstGeom prst="rect">
+            <a:avLst/>
+          </a:prstGeom>
+          <a:noFill/>
+        </p:spPr>
+        <p:txBody>
+          <a:bodyPr wrap="square" rtlCol="0">
+            <a:spAutoFit/>
+          </a:bodyPr>
+          <a:lstStyle/>
+          <a:p>
+            <a:pPr algn="ctr"/>
+            <a:r>
+              <a:rPr lang="en-US" b="1" dirty="0">
+                <a:solidFill>
+                  <a:schemeClr val="accent5">
+                    <a:lumMod val="50000"/>
+                  </a:schemeClr>
+                </a:solidFill>
+                <a:latin typeface="Segoe Condensed" panose="020B0606040200020203" pitchFamily="34" charset="0"/>
+                <a:cs typeface="Times New Roman" panose="02020603050405020304" pitchFamily="18" charset="0"/>
+              </a:rPr>
+              <a:t>1023</a:t>
+            </a:r>
+          </a:p>
+        </p:txBody>
+      </p:sp>
+      <p:sp>
+        <p:nvSpPr>
+          <p:cNvPr id="21" name="TextBox 20">
+            <a:extLst>
+              <a:ext uri="{FF2B5EF4-FFF2-40B4-BE49-F238E27FC236}">
+                <a16:creationId xmlns:a16="http://schemas.microsoft.com/office/drawing/2014/main" id="{F10C3695-24F6-44E3-9764-72F40F04F2CA}"/>
+              </a:ext>
+            </a:extLst>
+          </p:cNvPr>
+          <p:cNvSpPr txBox="1"/>
+          <p:nvPr/>
+        </p:nvSpPr>
+        <p:spPr>
+          <a:xfrm>
+            <a:off x="7434961" y="2577988"/>
+            <a:ext cx="684586" cy="369332"/>
+          </a:xfrm>
+          <a:prstGeom prst="rect">
+            <a:avLst/>
+          </a:prstGeom>
+          <a:noFill/>
+        </p:spPr>
+        <p:txBody>
+          <a:bodyPr wrap="square" rtlCol="0">
+            <a:spAutoFit/>
+          </a:bodyPr>
+          <a:lstStyle/>
+          <a:p>
+            <a:pPr algn="ctr"/>
+            <a:r>
+              <a:rPr lang="en-US" b="1" dirty="0">
+                <a:solidFill>
+                  <a:schemeClr val="accent5">
+                    <a:lumMod val="50000"/>
+                  </a:schemeClr>
+                </a:solidFill>
+                <a:latin typeface="Segoe Condensed" panose="020B0606040200020203" pitchFamily="34" charset="0"/>
+                <a:cs typeface="Times New Roman" panose="02020603050405020304" pitchFamily="18" charset="0"/>
+              </a:rPr>
+              <a:t>818</a:t>
+            </a:r>
+          </a:p>
+        </p:txBody>
+      </p:sp>
+      <p:sp>
+        <p:nvSpPr>
+          <p:cNvPr id="22" name="TextBox 21">
+            <a:extLst>
+              <a:ext uri="{FF2B5EF4-FFF2-40B4-BE49-F238E27FC236}">
+                <a16:creationId xmlns:a16="http://schemas.microsoft.com/office/drawing/2014/main" id="{ACCF4D3B-1DC8-4820-B5B5-324F8680B264}"/>
+              </a:ext>
+            </a:extLst>
+          </p:cNvPr>
+          <p:cNvSpPr txBox="1"/>
+          <p:nvPr/>
+        </p:nvSpPr>
+        <p:spPr>
+          <a:xfrm>
+            <a:off x="6175840" y="2577988"/>
+            <a:ext cx="542166" cy="369332"/>
+          </a:xfrm>
+          <a:prstGeom prst="rect">
+            <a:avLst/>
+          </a:prstGeom>
+          <a:noFill/>
+        </p:spPr>
+        <p:txBody>
+          <a:bodyPr wrap="square" rtlCol="0">
+            <a:spAutoFit/>
+          </a:bodyPr>
+          <a:lstStyle/>
+          <a:p>
+            <a:pPr algn="ctr"/>
+            <a:r>
+              <a:rPr lang="en-US" b="1" dirty="0">
+                <a:solidFill>
+                  <a:schemeClr val="accent5">
+                    <a:lumMod val="50000"/>
+                  </a:schemeClr>
+                </a:solidFill>
+                <a:latin typeface="Segoe Condensed" panose="020B0606040200020203" pitchFamily="34" charset="0"/>
+                <a:cs typeface="Times New Roman" panose="02020603050405020304" pitchFamily="18" charset="0"/>
+              </a:rPr>
+              <a:t>614</a:t>
+            </a:r>
+          </a:p>
+        </p:txBody>
+      </p:sp>
+      <p:sp>
+        <p:nvSpPr>
+          <p:cNvPr id="23" name="TextBox 22">
+            <a:extLst>
+              <a:ext uri="{FF2B5EF4-FFF2-40B4-BE49-F238E27FC236}">
+                <a16:creationId xmlns:a16="http://schemas.microsoft.com/office/drawing/2014/main" id="{5BB5C6AA-1633-40EC-A0F0-2858E068EF46}"/>
+              </a:ext>
+            </a:extLst>
+          </p:cNvPr>
+          <p:cNvSpPr txBox="1"/>
+          <p:nvPr/>
+        </p:nvSpPr>
+        <p:spPr>
+          <a:xfrm>
+            <a:off x="4832967" y="2577988"/>
+            <a:ext cx="542166" cy="369332"/>
+          </a:xfrm>
+          <a:prstGeom prst="rect">
+            <a:avLst/>
+          </a:prstGeom>
+          <a:noFill/>
+        </p:spPr>
+        <p:txBody>
+          <a:bodyPr wrap="square" rtlCol="0">
+            <a:spAutoFit/>
+          </a:bodyPr>
+          <a:lstStyle/>
+          <a:p>
+            <a:pPr algn="ctr"/>
+            <a:r>
+              <a:rPr lang="en-US" b="1" dirty="0">
+                <a:solidFill>
+                  <a:schemeClr val="accent5">
+                    <a:lumMod val="50000"/>
+                  </a:schemeClr>
+                </a:solidFill>
+                <a:latin typeface="Segoe Condensed" panose="020B0606040200020203" pitchFamily="34" charset="0"/>
+                <a:cs typeface="Times New Roman" panose="02020603050405020304" pitchFamily="18" charset="0"/>
+              </a:rPr>
+              <a:t>409</a:t>
+            </a:r>
+          </a:p>
+        </p:txBody>
+      </p:sp>
+      <p:sp>
+        <p:nvSpPr>
+          <p:cNvPr id="24" name="TextBox 23">
+            <a:extLst>
+              <a:ext uri="{FF2B5EF4-FFF2-40B4-BE49-F238E27FC236}">
+                <a16:creationId xmlns:a16="http://schemas.microsoft.com/office/drawing/2014/main" id="{8C3C36BA-26BC-4479-B69E-EDF2F41E4C0D}"/>
+              </a:ext>
+            </a:extLst>
+          </p:cNvPr>
+          <p:cNvSpPr txBox="1"/>
+          <p:nvPr/>
+        </p:nvSpPr>
+        <p:spPr>
+          <a:xfrm>
+            <a:off x="3515179" y="2577988"/>
+            <a:ext cx="542166" cy="369332"/>
+          </a:xfrm>
+          <a:prstGeom prst="rect">
+            <a:avLst/>
+          </a:prstGeom>
+          <a:noFill/>
+        </p:spPr>
+        <p:txBody>
+          <a:bodyPr wrap="square" rtlCol="0">
+            <a:spAutoFit/>
+          </a:bodyPr>
+          <a:lstStyle/>
+          <a:p>
+            <a:pPr algn="ctr"/>
+            <a:r>
+              <a:rPr lang="en-US" b="1" dirty="0">
+                <a:solidFill>
+                  <a:schemeClr val="accent5">
+                    <a:lumMod val="50000"/>
+                  </a:schemeClr>
+                </a:solidFill>
+                <a:latin typeface="Segoe Condensed" panose="020B0606040200020203" pitchFamily="34" charset="0"/>
+                <a:cs typeface="Times New Roman" panose="02020603050405020304" pitchFamily="18" charset="0"/>
+              </a:rPr>
+              <a:t>205</a:t>
+            </a:r>
+          </a:p>
+        </p:txBody>
+      </p:sp>
+      <p:sp>
+        <p:nvSpPr>
+          <p:cNvPr id="25" name="TextBox 24">
+            <a:extLst>
+              <a:ext uri="{FF2B5EF4-FFF2-40B4-BE49-F238E27FC236}">
+                <a16:creationId xmlns:a16="http://schemas.microsoft.com/office/drawing/2014/main" id="{B6A9660D-6B8E-4047-8E51-FEACA69D8B52}"/>
+              </a:ext>
+            </a:extLst>
+          </p:cNvPr>
+          <p:cNvSpPr txBox="1"/>
+          <p:nvPr/>
+        </p:nvSpPr>
+        <p:spPr>
+          <a:xfrm>
+            <a:off x="1018571" y="1449525"/>
+            <a:ext cx="1295547" cy="830997"/>
+          </a:xfrm>
+          <a:prstGeom prst="rect">
+            <a:avLst/>
+          </a:prstGeom>
+          <a:noFill/>
+        </p:spPr>
+        <p:txBody>
+          <a:bodyPr wrap="square" rtlCol="0">
+            <a:spAutoFit/>
+          </a:bodyPr>
+          <a:lstStyle/>
+          <a:p>
+            <a:pPr algn="r"/>
+            <a:r>
+              <a:rPr lang="en-US" sz="2400" dirty="0">
+                <a:solidFill>
+                  <a:schemeClr val="tx1">
+                    <a:lumMod val="75000"/>
+                    <a:lumOff val="25000"/>
+                  </a:schemeClr>
+                </a:solidFill>
+                <a:latin typeface="Bebas Neue" panose="020B0606020202050201" pitchFamily="34" charset="0"/>
+              </a:rPr>
+              <a:t>Voltage </a:t>
+            </a:r>
+            <a:br>
+              <a:rPr lang="en-US" sz="2400" dirty="0">
+                <a:solidFill>
+                  <a:schemeClr val="tx1">
+                    <a:lumMod val="75000"/>
+                    <a:lumOff val="25000"/>
+                  </a:schemeClr>
+                </a:solidFill>
+                <a:latin typeface="Bebas Neue" panose="020B0606020202050201" pitchFamily="34" charset="0"/>
+              </a:rPr>
+            </a:br>
+            <a:r>
+              <a:rPr lang="en-US" sz="2400" dirty="0">
+                <a:solidFill>
+                  <a:schemeClr val="tx1">
+                    <a:lumMod val="75000"/>
+                    <a:lumOff val="25000"/>
+                  </a:schemeClr>
+                </a:solidFill>
+                <a:latin typeface="Bebas Neue" panose="020B0606020202050201" pitchFamily="34" charset="0"/>
+              </a:rPr>
+              <a:t>Values</a:t>
+            </a:r>
+          </a:p>
+        </p:txBody>
+      </p:sp>
+      <p:sp>
+        <p:nvSpPr>
+          <p:cNvPr id="28" name="TextBox 27">
+            <a:extLst>
+              <a:ext uri="{FF2B5EF4-FFF2-40B4-BE49-F238E27FC236}">
+                <a16:creationId xmlns:a16="http://schemas.microsoft.com/office/drawing/2014/main" id="{6CEC3878-2873-4EB5-BD60-DB6A91A306FA}"/>
+              </a:ext>
+            </a:extLst>
+          </p:cNvPr>
+          <p:cNvSpPr txBox="1"/>
+          <p:nvPr/>
+        </p:nvSpPr>
+        <p:spPr>
+          <a:xfrm>
+            <a:off x="902867" y="2162489"/>
+            <a:ext cx="1411252" cy="830997"/>
+          </a:xfrm>
+          <a:prstGeom prst="rect">
+            <a:avLst/>
+          </a:prstGeom>
+          <a:noFill/>
+        </p:spPr>
+        <p:txBody>
+          <a:bodyPr wrap="square" rtlCol="0">
+            <a:spAutoFit/>
+          </a:bodyPr>
+          <a:lstStyle>
+            <a:defPPr>
+              <a:defRPr lang="en-US"/>
+            </a:defPPr>
+            <a:lvl1pPr algn="r">
+              <a:defRPr sz="2400">
+                <a:solidFill>
+                  <a:schemeClr val="tx1">
+                    <a:lumMod val="75000"/>
+                    <a:lumOff val="25000"/>
+                  </a:schemeClr>
+                </a:solidFill>
+                <a:latin typeface="Bebas Neue" panose="020B0606020202050201" pitchFamily="34" charset="0"/>
+              </a:defRPr>
+            </a:lvl1pPr>
+          </a:lstStyle>
+          <a:p>
+            <a:r>
+              <a:rPr lang="en-US" dirty="0"/>
+              <a:t>analog Values</a:t>
+            </a:r>
+          </a:p>
+        </p:txBody>
+      </p:sp>
+      <p:cxnSp>
+        <p:nvCxnSpPr>
+          <p:cNvPr id="30" name="Straight Connector 29">
+            <a:extLst>
+              <a:ext uri="{FF2B5EF4-FFF2-40B4-BE49-F238E27FC236}">
+                <a16:creationId xmlns:a16="http://schemas.microsoft.com/office/drawing/2014/main" id="{76E02C33-BAF6-4784-9E4C-5EAA0968F606}"/>
+              </a:ext>
+            </a:extLst>
+          </p:cNvPr>
+          <p:cNvCxnSpPr>
+            <a:cxnSpLocks/>
+          </p:cNvCxnSpPr>
+          <p:nvPr/>
+        </p:nvCxnSpPr>
+        <p:spPr>
+          <a:xfrm>
+            <a:off x="2112021" y="2192942"/>
+            <a:ext cx="7214050" cy="0"/>
+          </a:xfrm>
+          <a:prstGeom prst="line">
+            <a:avLst/>
+          </a:prstGeom>
+        </p:spPr>
+        <p:style>
+          <a:lnRef idx="1">
+            <a:schemeClr val="accent1"/>
+          </a:lnRef>
+          <a:fillRef idx="0">
+            <a:schemeClr val="accent1"/>
+          </a:fillRef>
+          <a:effectRef idx="0">
+            <a:schemeClr val="accent1"/>
+          </a:effectRef>
+          <a:fontRef idx="minor">
+            <a:schemeClr val="tx1"/>
+          </a:fontRef>
+        </p:style>
+      </p:cxnSp>
+    </p:spTree>
+    <p:extLst>
+      <p:ext uri="{BB962C8B-B14F-4D97-AF65-F5344CB8AC3E}">
+        <p14:creationId xmlns:p14="http://schemas.microsoft.com/office/powerpoint/2010/main" val="842815892"/>
+      </p:ext>
+    </p:extLst>
+  </p:cSld>
+  <p:clrMapOvr>
+    <a:masterClrMapping/>
+  </p:clrMapOvr>
+</p:sld>
+</file>
+
+<file path=ppt/slides/slide5.xml><?xml version="1.0" encoding="utf-8"?>
+<p:sld xmlns:a="http://schemas.openxmlformats.org/drawingml/2006/main" xmlns:r="http://schemas.openxmlformats.org/officeDocument/2006/relationships" xmlns:p="http://schemas.openxmlformats.org/presentationml/2006/main">
+  <p:cSld>
+    <p:spTree>
+      <p:nvGrpSpPr>
+        <p:cNvPr id="1" name=""/>
+        <p:cNvGrpSpPr/>
+        <p:nvPr/>
+      </p:nvGrpSpPr>
+      <p:grpSpPr>
+        <a:xfrm>
+          <a:off x="0" y="0"/>
+          <a:ext cx="0" cy="0"/>
+          <a:chOff x="0" y="0"/>
+          <a:chExt cx="0" cy="0"/>
+        </a:xfrm>
+      </p:grpSpPr>
+      <p:sp>
+        <p:nvSpPr>
+          <p:cNvPr id="33" name="Rectangle: Rounded Corners 32">
+            <a:extLst>
+              <a:ext uri="{FF2B5EF4-FFF2-40B4-BE49-F238E27FC236}">
+                <a16:creationId xmlns:a16="http://schemas.microsoft.com/office/drawing/2014/main" id="{43E54758-96F0-7E78-46E1-B4C1E0877028}"/>
+              </a:ext>
+            </a:extLst>
+          </p:cNvPr>
+          <p:cNvSpPr/>
+          <p:nvPr/>
+        </p:nvSpPr>
+        <p:spPr>
+          <a:xfrm>
+            <a:off x="9721780" y="1245997"/>
+            <a:ext cx="1969477" cy="1912552"/>
+          </a:xfrm>
+          <a:prstGeom prst="roundRect">
+            <a:avLst>
+              <a:gd name="adj" fmla="val 5736"/>
+            </a:avLst>
+          </a:prstGeom>
+          <a:solidFill>
+            <a:schemeClr val="bg1">
+              <a:lumMod val="95000"/>
+            </a:schemeClr>
+          </a:solidFill>
+          <a:ln w="6350">
+            <a:solidFill>
+              <a:schemeClr val="bg1">
+                <a:lumMod val="50000"/>
+              </a:schemeClr>
+            </a:solidFill>
+          </a:ln>
+        </p:spPr>
+        <p:style>
+          <a:lnRef idx="2">
+            <a:schemeClr val="accent1">
+              <a:shade val="15000"/>
+            </a:schemeClr>
+          </a:lnRef>
+          <a:fillRef idx="1">
+            <a:schemeClr val="accent1"/>
+          </a:fillRef>
+          <a:effectRef idx="0">
+            <a:schemeClr val="accent1"/>
+          </a:effectRef>
+          <a:fontRef idx="minor">
+            <a:schemeClr val="lt1"/>
+          </a:fontRef>
+        </p:style>
+        <p:txBody>
+          <a:bodyPr rtlCol="0" anchor="ctr"/>
+          <a:lstStyle/>
+          <a:p>
+            <a:pPr algn="ctr"/>
+            <a:endParaRPr lang="en-US"/>
+          </a:p>
+        </p:txBody>
+      </p:sp>
+      <p:sp>
+        <p:nvSpPr>
+          <p:cNvPr id="4" name="Rectangle 3">
+            <a:extLst>
+              <a:ext uri="{FF2B5EF4-FFF2-40B4-BE49-F238E27FC236}">
+                <a16:creationId xmlns:a16="http://schemas.microsoft.com/office/drawing/2014/main" id="{17409999-D099-4160-BBB0-D515F0C09B0D}"/>
+              </a:ext>
+            </a:extLst>
+          </p:cNvPr>
+          <p:cNvSpPr/>
+          <p:nvPr/>
+        </p:nvSpPr>
+        <p:spPr>
+          <a:xfrm>
+            <a:off x="2455933" y="2006825"/>
+            <a:ext cx="6651653" cy="400556"/>
+          </a:xfrm>
+          <a:prstGeom prst="rect">
+            <a:avLst/>
+          </a:prstGeom>
+          <a:solidFill>
+            <a:schemeClr val="accent5">
+              <a:lumMod val="60000"/>
+              <a:lumOff val="40000"/>
+            </a:schemeClr>
+          </a:solidFill>
+          <a:ln>
+            <a:noFill/>
+          </a:ln>
+        </p:spPr>
+        <p:style>
+          <a:lnRef idx="2">
+            <a:schemeClr val="accent1">
+              <a:shade val="50000"/>
+            </a:schemeClr>
+          </a:lnRef>
+          <a:fillRef idx="1">
+            <a:schemeClr val="accent1"/>
+          </a:fillRef>
+          <a:effectRef idx="0">
+            <a:schemeClr val="accent1"/>
+          </a:effectRef>
+          <a:fontRef idx="minor">
+            <a:schemeClr val="lt1"/>
+          </a:fontRef>
+        </p:style>
+        <p:txBody>
+          <a:bodyPr rtlCol="0" anchor="ctr"/>
+          <a:lstStyle/>
+          <a:p>
+            <a:pPr algn="ctr"/>
+            <a:endParaRPr lang="en-US"/>
+          </a:p>
+        </p:txBody>
+      </p:sp>
       <p:sp>
         <p:nvSpPr>
           <p:cNvPr id="6" name="TextBox 5">
@@ -6863,8 +7968,8 @@
             </p:nvSpPr>
             <p:spPr>
               <a:xfrm>
-                <a:off x="9207533" y="3209974"/>
-                <a:ext cx="1988493" cy="1079976"/>
+                <a:off x="9787753" y="1797745"/>
+                <a:ext cx="1714984" cy="1664751"/>
               </a:xfrm>
               <a:prstGeom prst="rect">
                 <a:avLst/>
@@ -6872,24 +7977,22 @@
               <a:noFill/>
             </p:spPr>
             <p:txBody>
-              <a:bodyPr wrap="none" lIns="0" tIns="0" rIns="0" bIns="0" rtlCol="0">
+              <a:bodyPr wrap="square" lIns="0" tIns="0" rIns="0" bIns="0" rtlCol="0">
                 <a:spAutoFit/>
               </a:bodyPr>
               <a:lstStyle/>
               <a:p>
-                <a:pPr algn="r"/>
+                <a:pPr algn="r">
+                  <a:spcAft>
+                    <a:spcPts val="800"/>
+                  </a:spcAft>
+                </a:pPr>
                 <a14:m>
                   <m:oMathPara xmlns:m="http://schemas.openxmlformats.org/officeDocument/2006/math">
                     <m:oMathParaPr>
-                      <m:jc m:val="centerGroup"/>
+                      <m:jc m:val="left"/>
                     </m:oMathParaPr>
                     <m:oMath xmlns:m="http://schemas.openxmlformats.org/officeDocument/2006/math">
-                      <m:r>
-                        <a:rPr lang="en-US" b="0" i="1" smtClean="0">
-                          <a:latin typeface="Cambria Math" panose="02040503050406030204" pitchFamily="18" charset="0"/>
-                        </a:rPr>
-                        <m:t>𝑅𝑒𝑠𝑜𝑙𝑢𝑡𝑖𝑜𝑛</m:t>
-                      </m:r>
                       <m:r>
                         <a:rPr lang="en-US" i="1" smtClean="0">
                           <a:latin typeface="Cambria Math" panose="02040503050406030204" pitchFamily="18" charset="0"/>
@@ -6935,11 +8038,15 @@
                 </a:endParaRPr>
               </a:p>
               <a:p>
-                <a:pPr algn="r"/>
+                <a:pPr algn="r">
+                  <a:spcAft>
+                    <a:spcPts val="800"/>
+                  </a:spcAft>
+                </a:pPr>
                 <a14:m>
                   <m:oMathPara xmlns:m="http://schemas.openxmlformats.org/officeDocument/2006/math">
                     <m:oMathParaPr>
-                      <m:jc m:val="centerGroup"/>
+                      <m:jc m:val="left"/>
                     </m:oMathParaPr>
                     <m:oMath xmlns:m="http://schemas.openxmlformats.org/officeDocument/2006/math">
                       <m:r>
@@ -6962,11 +8069,15 @@
                 </a:endParaRPr>
               </a:p>
               <a:p>
-                <a:pPr algn="r"/>
+                <a:pPr algn="r">
+                  <a:spcAft>
+                    <a:spcPts val="800"/>
+                  </a:spcAft>
+                </a:pPr>
                 <a14:m>
                   <m:oMathPara xmlns:m="http://schemas.openxmlformats.org/officeDocument/2006/math">
                     <m:oMathParaPr>
-                      <m:jc m:val="centerGroup"/>
+                      <m:jc m:val="left"/>
                     </m:oMathParaPr>
                     <m:oMath xmlns:m="http://schemas.openxmlformats.org/officeDocument/2006/math">
                       <m:r>
@@ -6984,7 +8095,15 @@
                     </m:oMath>
                   </m:oMathPara>
                 </a14:m>
-                <a:endParaRPr lang="en-US" dirty="0"/>
+                <a:endParaRPr lang="en-US" b="0" dirty="0"/>
+              </a:p>
+              <a:p>
+                <a:pPr algn="r">
+                  <a:spcAft>
+                    <a:spcPts val="1400"/>
+                  </a:spcAft>
+                </a:pPr>
+                <a:endParaRPr lang="en-US" b="0" dirty="0"/>
               </a:p>
             </p:txBody>
           </p:sp>
@@ -7006,16 +8125,16 @@
             </p:nvSpPr>
             <p:spPr>
               <a:xfrm>
-                <a:off x="9207533" y="3209974"/>
-                <a:ext cx="1988493" cy="1079976"/>
+                <a:off x="9787753" y="1797745"/>
+                <a:ext cx="1714984" cy="1664751"/>
               </a:xfrm>
               <a:prstGeom prst="rect">
                 <a:avLst/>
               </a:prstGeom>
               <a:blipFill>
-                <a:blip r:embed="rId3"/>
+                <a:blip r:embed="rId2"/>
                 <a:stretch>
-                  <a:fillRect b="-1130"/>
+                  <a:fillRect/>
                 </a:stretch>
               </a:blipFill>
             </p:spPr>
@@ -7034,10 +8153,222 @@
           </p:sp>
         </mc:Fallback>
       </mc:AlternateContent>
+      <mc:AlternateContent xmlns:mc="http://schemas.openxmlformats.org/markup-compatibility/2006">
+        <mc:Choice xmlns:a14="http://schemas.microsoft.com/office/drawing/2010/main" Requires="a14">
+          <p:sp>
+            <p:nvSpPr>
+              <p:cNvPr id="31" name="TextBox 30">
+                <a:extLst>
+                  <a:ext uri="{FF2B5EF4-FFF2-40B4-BE49-F238E27FC236}">
+                    <a16:creationId xmlns:a16="http://schemas.microsoft.com/office/drawing/2014/main" id="{88B2EC01-5785-4010-9C33-65956F3E17DE}"/>
+                  </a:ext>
+                </a:extLst>
+              </p:cNvPr>
+              <p:cNvSpPr txBox="1"/>
+              <p:nvPr/>
+            </p:nvSpPr>
+            <p:spPr>
+              <a:xfrm>
+                <a:off x="8029084" y="117433"/>
+                <a:ext cx="2593973" cy="369332"/>
+              </a:xfrm>
+              <a:prstGeom prst="rect">
+                <a:avLst/>
+              </a:prstGeom>
+              <a:noFill/>
+            </p:spPr>
+            <p:txBody>
+              <a:bodyPr wrap="square">
+                <a:spAutoFit/>
+              </a:bodyPr>
+              <a:lstStyle/>
+              <a:p>
+                <a:pPr/>
+                <a14:m>
+                  <m:oMathPara xmlns:m="http://schemas.openxmlformats.org/officeDocument/2006/math">
+                    <m:oMathParaPr>
+                      <m:jc m:val="left"/>
+                    </m:oMathParaPr>
+                    <m:oMath xmlns:m="http://schemas.openxmlformats.org/officeDocument/2006/math">
+                      <m:r>
+                        <a:rPr lang="en-US" b="0" i="1" smtClean="0">
+                          <a:latin typeface="Cambria Math" panose="02040503050406030204" pitchFamily="18" charset="0"/>
+                        </a:rPr>
+                        <m:t>𝐴𝑛𝑎𝑙𝑜𝑔</m:t>
+                      </m:r>
+                      <m:r>
+                        <a:rPr lang="en-US" b="0" i="1" smtClean="0">
+                          <a:latin typeface="Cambria Math" panose="02040503050406030204" pitchFamily="18" charset="0"/>
+                        </a:rPr>
+                        <m:t> </m:t>
+                      </m:r>
+                      <m:r>
+                        <a:rPr lang="en-US" b="0" i="1" smtClean="0">
+                          <a:latin typeface="Cambria Math" panose="02040503050406030204" pitchFamily="18" charset="0"/>
+                        </a:rPr>
+                        <m:t>𝑅𝑒𝑎𝑑</m:t>
+                      </m:r>
+                      <m:r>
+                        <a:rPr lang="en-US" b="0" i="1" smtClean="0">
+                          <a:latin typeface="Cambria Math" panose="02040503050406030204" pitchFamily="18" charset="0"/>
+                        </a:rPr>
+                        <m:t> </m:t>
+                      </m:r>
+                      <m:r>
+                        <a:rPr lang="en-US" b="0" i="1" smtClean="0">
+                          <a:latin typeface="Cambria Math" panose="02040503050406030204" pitchFamily="18" charset="0"/>
+                        </a:rPr>
+                        <m:t>𝑅𝑒𝑠𝑜𝑙𝑢𝑡𝑖𝑜𝑛</m:t>
+                      </m:r>
+                    </m:oMath>
+                  </m:oMathPara>
+                </a14:m>
+                <a:endParaRPr lang="en-US" dirty="0"/>
+              </a:p>
+            </p:txBody>
+          </p:sp>
+        </mc:Choice>
+        <mc:Fallback>
+          <p:sp>
+            <p:nvSpPr>
+              <p:cNvPr id="31" name="TextBox 30">
+                <a:extLst>
+                  <a:ext uri="{FF2B5EF4-FFF2-40B4-BE49-F238E27FC236}">
+                    <a16:creationId xmlns:a16="http://schemas.microsoft.com/office/drawing/2014/main" id="{88B2EC01-5785-4010-9C33-65956F3E17DE}"/>
+                  </a:ext>
+                </a:extLst>
+              </p:cNvPr>
+              <p:cNvSpPr txBox="1">
+                <a:spLocks noRot="1" noChangeAspect="1" noMove="1" noResize="1" noEditPoints="1" noAdjustHandles="1" noChangeArrowheads="1" noChangeShapeType="1" noTextEdit="1"/>
+              </p:cNvSpPr>
+              <p:nvPr/>
+            </p:nvSpPr>
+            <p:spPr>
+              <a:xfrm>
+                <a:off x="8029084" y="117433"/>
+                <a:ext cx="2593973" cy="369332"/>
+              </a:xfrm>
+              <a:prstGeom prst="rect">
+                <a:avLst/>
+              </a:prstGeom>
+              <a:blipFill>
+                <a:blip r:embed="rId3"/>
+                <a:stretch>
+                  <a:fillRect l="-704" r="-2347" b="-13115"/>
+                </a:stretch>
+              </a:blipFill>
+            </p:spPr>
+            <p:txBody>
+              <a:bodyPr/>
+              <a:lstStyle/>
+              <a:p>
+                <a:r>
+                  <a:rPr lang="en-US">
+                    <a:noFill/>
+                  </a:rPr>
+                  <a:t> </a:t>
+                </a:r>
+              </a:p>
+            </p:txBody>
+          </p:sp>
+        </mc:Fallback>
+      </mc:AlternateContent>
+      <p:sp>
+        <p:nvSpPr>
+          <p:cNvPr id="32" name="TextBox 31">
+            <a:extLst>
+              <a:ext uri="{FF2B5EF4-FFF2-40B4-BE49-F238E27FC236}">
+                <a16:creationId xmlns:a16="http://schemas.microsoft.com/office/drawing/2014/main" id="{F6D3D8EC-CC2A-E4D2-9080-444A8D6D18E6}"/>
+              </a:ext>
+            </a:extLst>
+          </p:cNvPr>
+          <p:cNvSpPr txBox="1"/>
+          <p:nvPr/>
+        </p:nvSpPr>
+        <p:spPr>
+          <a:xfrm>
+            <a:off x="9721532" y="1226370"/>
+            <a:ext cx="2446773" cy="523220"/>
+          </a:xfrm>
+          <a:prstGeom prst="rect">
+            <a:avLst/>
+          </a:prstGeom>
+          <a:noFill/>
+        </p:spPr>
+        <p:txBody>
+          <a:bodyPr wrap="square" rtlCol="0">
+            <a:spAutoFit/>
+          </a:bodyPr>
+          <a:lstStyle/>
+          <a:p>
+            <a:r>
+              <a:rPr lang="en-US" sz="1600" b="1" dirty="0">
+                <a:latin typeface="Segoe Condensed" panose="020B0606040200020203" pitchFamily="34" charset="0"/>
+              </a:rPr>
+              <a:t>Analog Read Resolution</a:t>
+            </a:r>
+          </a:p>
+          <a:p>
+            <a:r>
+              <a:rPr lang="en-US" sz="1200" dirty="0">
+                <a:latin typeface="Segoe Condensed" panose="020B0606040200020203" pitchFamily="34" charset="0"/>
+              </a:rPr>
+              <a:t>5V, 10-bit ADC</a:t>
+            </a:r>
+          </a:p>
+        </p:txBody>
+      </p:sp>
+      <p:sp>
+        <p:nvSpPr>
+          <p:cNvPr id="34" name="TextBox 33">
+            <a:extLst>
+              <a:ext uri="{FF2B5EF4-FFF2-40B4-BE49-F238E27FC236}">
+                <a16:creationId xmlns:a16="http://schemas.microsoft.com/office/drawing/2014/main" id="{3EEB3D2E-F245-08DA-1B3B-7251329EDA3F}"/>
+              </a:ext>
+            </a:extLst>
+          </p:cNvPr>
+          <p:cNvSpPr txBox="1"/>
+          <p:nvPr/>
+        </p:nvSpPr>
+        <p:spPr>
+          <a:xfrm>
+            <a:off x="10602479" y="2741468"/>
+            <a:ext cx="1391697" cy="369332"/>
+          </a:xfrm>
+          <a:prstGeom prst="rect">
+            <a:avLst/>
+          </a:prstGeom>
+          <a:noFill/>
+        </p:spPr>
+        <p:txBody>
+          <a:bodyPr wrap="square" rtlCol="0">
+            <a:spAutoFit/>
+          </a:bodyPr>
+          <a:lstStyle/>
+          <a:p>
+            <a:r>
+              <a:rPr lang="en-US" sz="1400" dirty="0">
+                <a:latin typeface="Segoe Condensed" panose="020B0606040200020203" pitchFamily="34" charset="0"/>
+              </a:rPr>
+              <a:t>per</a:t>
+            </a:r>
+            <a:r>
+              <a:rPr lang="en-US" dirty="0"/>
+              <a:t> </a:t>
+            </a:r>
+            <a:r>
+              <a:rPr lang="en-US" sz="1400" dirty="0">
+                <a:latin typeface="Segoe Condensed" panose="020B0606040200020203" pitchFamily="34" charset="0"/>
+              </a:rPr>
+              <a:t>value</a:t>
+            </a:r>
+          </a:p>
+        </p:txBody>
+      </p:sp>
     </p:spTree>
     <p:extLst>
       <p:ext uri="{BB962C8B-B14F-4D97-AF65-F5344CB8AC3E}">
-        <p14:creationId xmlns:p14="http://schemas.microsoft.com/office/powerpoint/2010/main" val="1054790011"/>
+        <p14:creationId xmlns:p14="http://schemas.microsoft.com/office/powerpoint/2010/main" val="1827926057"/>
       </p:ext>
     </p:extLst>
   </p:cSld>
@@ -7047,7 +8378,7 @@
 </p:sld>
 </file>
 
-<file path=ppt/slides/slide5.xml><?xml version="1.0" encoding="utf-8"?>
+<file path=ppt/slides/slide6.xml><?xml version="1.0" encoding="utf-8"?>
 <p:sld xmlns:a="http://schemas.openxmlformats.org/drawingml/2006/main" xmlns:r="http://schemas.openxmlformats.org/officeDocument/2006/relationships" xmlns:p="http://schemas.openxmlformats.org/presentationml/2006/main">
   <p:cSld>
     <p:spTree>
@@ -7066,6 +8397,66 @@
       </p:grpSpPr>
       <p:sp>
         <p:nvSpPr>
+          <p:cNvPr id="33" name="Rectangle: Rounded Corners 32">
+            <a:extLst>
+              <a:ext uri="{FF2B5EF4-FFF2-40B4-BE49-F238E27FC236}">
+                <a16:creationId xmlns:a16="http://schemas.microsoft.com/office/drawing/2014/main" id="{43E54758-96F0-7E78-46E1-B4C1E0877028}"/>
+              </a:ext>
+            </a:extLst>
+          </p:cNvPr>
+          <p:cNvSpPr/>
+          <p:nvPr/>
+        </p:nvSpPr>
+        <p:spPr>
+          <a:xfrm>
+            <a:off x="9721780" y="1245997"/>
+            <a:ext cx="1969477" cy="1912552"/>
+          </a:xfrm>
+          <a:prstGeom prst="roundRect">
+            <a:avLst>
+              <a:gd name="adj" fmla="val 5736"/>
+            </a:avLst>
+          </a:prstGeom>
+          <a:solidFill>
+            <a:schemeClr val="bg1">
+              <a:lumMod val="95000"/>
+            </a:schemeClr>
+          </a:solidFill>
+          <a:ln w="6350">
+            <a:solidFill>
+              <a:schemeClr val="bg1">
+                <a:lumMod val="50000"/>
+              </a:schemeClr>
+            </a:solidFill>
+          </a:ln>
+        </p:spPr>
+        <p:style>
+          <a:lnRef idx="2">
+            <a:schemeClr val="accent1">
+              <a:shade val="15000"/>
+            </a:schemeClr>
+          </a:lnRef>
+          <a:fillRef idx="1">
+            <a:schemeClr val="accent1"/>
+          </a:fillRef>
+          <a:effectRef idx="0">
+            <a:schemeClr val="accent1"/>
+          </a:effectRef>
+          <a:fontRef idx="minor">
+            <a:schemeClr val="lt1"/>
+          </a:fontRef>
+        </p:style>
+        <p:txBody>
+          <a:bodyPr rtlCol="0" anchor="ctr"/>
+          <a:lstStyle/>
+          <a:p>
+            <a:pPr algn="ctr"/>
+            <a:endParaRPr lang="en-US"/>
+          </a:p>
+        </p:txBody>
+      </p:sp>
+      <p:sp>
+        <p:nvSpPr>
           <p:cNvPr id="4" name="Rectangle 3">
             <a:extLst>
               <a:ext uri="{FF2B5EF4-FFF2-40B4-BE49-F238E27FC236}">
@@ -7119,36 +8510,6 @@
           </a:p>
         </p:txBody>
       </p:sp>
-      <p:pic>
-        <p:nvPicPr>
-          <p:cNvPr id="5" name="Picture 4">
-            <a:extLst>
-              <a:ext uri="{FF2B5EF4-FFF2-40B4-BE49-F238E27FC236}">
-                <a16:creationId xmlns:a16="http://schemas.microsoft.com/office/drawing/2014/main" id="{1E91432F-0C3F-41D8-9D4F-B1DD6A7CAF15}"/>
-              </a:ext>
-            </a:extLst>
-          </p:cNvPr>
-          <p:cNvPicPr>
-            <a:picLocks noChangeAspect="1"/>
-          </p:cNvPicPr>
-          <p:nvPr/>
-        </p:nvPicPr>
-        <p:blipFill>
-          <a:blip r:embed="rId2"/>
-          <a:stretch>
-            <a:fillRect/>
-          </a:stretch>
-        </p:blipFill>
-        <p:spPr>
-          <a:xfrm>
-            <a:off x="79840" y="4051211"/>
-            <a:ext cx="12192000" cy="1628248"/>
-          </a:xfrm>
-          <a:prstGeom prst="rect">
-            <a:avLst/>
-          </a:prstGeom>
-        </p:spPr>
-      </p:pic>
       <p:sp>
         <p:nvSpPr>
           <p:cNvPr id="6" name="TextBox 5">
@@ -7961,8 +9322,8 @@
         </p:nvSpPr>
         <p:spPr>
           <a:xfrm>
-            <a:off x="1018571" y="1449525"/>
-            <a:ext cx="1295547" cy="830997"/>
+            <a:off x="2375012" y="1145986"/>
+            <a:ext cx="6813494" cy="369332"/>
           </a:xfrm>
           <a:prstGeom prst="rect">
             <a:avLst/>
@@ -7975,90 +9336,55 @@
           </a:bodyPr>
           <a:lstStyle/>
           <a:p>
-            <a:pPr algn="r"/>
-            <a:r>
-              <a:rPr lang="en-US" sz="2400" dirty="0">
+            <a:pPr algn="ctr"/>
+            <a:r>
+              <a:rPr lang="en-US" dirty="0">
                 <a:solidFill>
-                  <a:schemeClr val="tx1">
-                    <a:lumMod val="75000"/>
-                    <a:lumOff val="25000"/>
-                  </a:schemeClr>
+                  <a:srgbClr val="002060"/>
                 </a:solidFill>
                 <a:latin typeface="Bebas Neue" panose="020B0606020202050201" pitchFamily="34" charset="0"/>
               </a:rPr>
-              <a:t>Voltage </a:t>
-            </a:r>
-            <a:br>
-              <a:rPr lang="en-US" sz="2400" dirty="0">
+              <a:t>Voltage Values</a:t>
+            </a:r>
+          </a:p>
+        </p:txBody>
+      </p:sp>
+      <p:sp>
+        <p:nvSpPr>
+          <p:cNvPr id="28" name="TextBox 27">
+            <a:extLst>
+              <a:ext uri="{FF2B5EF4-FFF2-40B4-BE49-F238E27FC236}">
+                <a16:creationId xmlns:a16="http://schemas.microsoft.com/office/drawing/2014/main" id="{6CEC3878-2873-4EB5-BD60-DB6A91A306FA}"/>
+              </a:ext>
+            </a:extLst>
+          </p:cNvPr>
+          <p:cNvSpPr txBox="1"/>
+          <p:nvPr/>
+        </p:nvSpPr>
+        <p:spPr>
+          <a:xfrm>
+            <a:off x="2375012" y="2930710"/>
+            <a:ext cx="6813494" cy="369332"/>
+          </a:xfrm>
+          <a:prstGeom prst="rect">
+            <a:avLst/>
+          </a:prstGeom>
+          <a:noFill/>
+        </p:spPr>
+        <p:txBody>
+          <a:bodyPr wrap="square" rtlCol="0">
+            <a:spAutoFit/>
+          </a:bodyPr>
+          <a:lstStyle/>
+          <a:p>
+            <a:pPr algn="ctr"/>
+            <a:r>
+              <a:rPr lang="en-US" dirty="0">
                 <a:solidFill>
-                  <a:schemeClr val="tx1">
-                    <a:lumMod val="75000"/>
-                    <a:lumOff val="25000"/>
-                  </a:schemeClr>
+                  <a:srgbClr val="002060"/>
                 </a:solidFill>
                 <a:latin typeface="Bebas Neue" panose="020B0606020202050201" pitchFamily="34" charset="0"/>
               </a:rPr>
-            </a:br>
-            <a:r>
-              <a:rPr lang="en-US" sz="2400" dirty="0">
-                <a:solidFill>
-                  <a:schemeClr val="tx1">
-                    <a:lumMod val="75000"/>
-                    <a:lumOff val="25000"/>
-                  </a:schemeClr>
-                </a:solidFill>
-                <a:latin typeface="Bebas Neue" panose="020B0606020202050201" pitchFamily="34" charset="0"/>
-              </a:rPr>
-              <a:t>Values</a:t>
-            </a:r>
-          </a:p>
-        </p:txBody>
-      </p:sp>
-      <p:sp>
-        <p:nvSpPr>
-          <p:cNvPr id="28" name="TextBox 27">
-            <a:extLst>
-              <a:ext uri="{FF2B5EF4-FFF2-40B4-BE49-F238E27FC236}">
-                <a16:creationId xmlns:a16="http://schemas.microsoft.com/office/drawing/2014/main" id="{6CEC3878-2873-4EB5-BD60-DB6A91A306FA}"/>
-              </a:ext>
-            </a:extLst>
-          </p:cNvPr>
-          <p:cNvSpPr txBox="1"/>
-          <p:nvPr/>
-        </p:nvSpPr>
-        <p:spPr>
-          <a:xfrm>
-            <a:off x="902867" y="2162489"/>
-            <a:ext cx="1411252" cy="830997"/>
-          </a:xfrm>
-          <a:prstGeom prst="rect">
-            <a:avLst/>
-          </a:prstGeom>
-          <a:noFill/>
-        </p:spPr>
-        <p:txBody>
-          <a:bodyPr wrap="square" rtlCol="0">
-            <a:spAutoFit/>
-          </a:bodyPr>
-          <a:lstStyle>
-            <a:defPPr>
-              <a:defRPr lang="en-US"/>
-            </a:defPPr>
-            <a:lvl1pPr algn="r">
-              <a:defRPr sz="2400">
-                <a:solidFill>
-                  <a:schemeClr val="tx1">
-                    <a:lumMod val="75000"/>
-                    <a:lumOff val="25000"/>
-                  </a:schemeClr>
-                </a:solidFill>
-                <a:latin typeface="Bebas Neue" panose="020B0606020202050201" pitchFamily="34" charset="0"/>
-              </a:defRPr>
-            </a:lvl1pPr>
-          </a:lstStyle>
-          <a:p>
-            <a:r>
-              <a:rPr lang="en-US" dirty="0"/>
               <a:t>analog Values</a:t>
             </a:r>
           </a:p>
@@ -8080,8 +9406,8 @@
         </p:nvCxnSpPr>
         <p:spPr>
           <a:xfrm>
-            <a:off x="2112021" y="2192942"/>
-            <a:ext cx="7214050" cy="0"/>
+            <a:off x="2184850" y="2192942"/>
+            <a:ext cx="7141221" cy="0"/>
           </a:xfrm>
           <a:prstGeom prst="line">
             <a:avLst/>
@@ -8102,10 +9428,5762 @@
           </a:fontRef>
         </p:style>
       </p:cxnSp>
+      <p:sp>
+        <p:nvSpPr>
+          <p:cNvPr id="2" name="Freeform: Shape 1">
+            <a:extLst>
+              <a:ext uri="{FF2B5EF4-FFF2-40B4-BE49-F238E27FC236}">
+                <a16:creationId xmlns:a16="http://schemas.microsoft.com/office/drawing/2014/main" id="{245416B4-38C8-4948-9C89-8EF28C9C00BB}"/>
+              </a:ext>
+            </a:extLst>
+          </p:cNvPr>
+          <p:cNvSpPr/>
+          <p:nvPr/>
+        </p:nvSpPr>
+        <p:spPr>
+          <a:xfrm>
+            <a:off x="2450681" y="1296279"/>
+            <a:ext cx="2560320" cy="127321"/>
+          </a:xfrm>
+          <a:custGeom>
+            <a:avLst/>
+            <a:gdLst>
+              <a:gd name="connsiteX0" fmla="*/ 0 w 2494344"/>
+              <a:gd name="connsiteY0" fmla="*/ 127321 h 127321"/>
+              <a:gd name="connsiteX1" fmla="*/ 0 w 2494344"/>
+              <a:gd name="connsiteY1" fmla="*/ 0 h 127321"/>
+              <a:gd name="connsiteX2" fmla="*/ 2494344 w 2494344"/>
+              <a:gd name="connsiteY2" fmla="*/ 0 h 127321"/>
+            </a:gdLst>
+            <a:ahLst/>
+            <a:cxnLst>
+              <a:cxn ang="0">
+                <a:pos x="connsiteX0" y="connsiteY0"/>
+              </a:cxn>
+              <a:cxn ang="0">
+                <a:pos x="connsiteX1" y="connsiteY1"/>
+              </a:cxn>
+              <a:cxn ang="0">
+                <a:pos x="connsiteX2" y="connsiteY2"/>
+              </a:cxn>
+            </a:cxnLst>
+            <a:rect l="l" t="t" r="r" b="b"/>
+            <a:pathLst>
+              <a:path w="2494344" h="127321">
+                <a:moveTo>
+                  <a:pt x="0" y="127321"/>
+                </a:moveTo>
+                <a:lnTo>
+                  <a:pt x="0" y="0"/>
+                </a:lnTo>
+                <a:lnTo>
+                  <a:pt x="2494344" y="0"/>
+                </a:lnTo>
+              </a:path>
+            </a:pathLst>
+          </a:custGeom>
+          <a:noFill/>
+          <a:ln>
+            <a:solidFill>
+              <a:srgbClr val="002060"/>
+            </a:solidFill>
+          </a:ln>
+        </p:spPr>
+        <p:style>
+          <a:lnRef idx="2">
+            <a:schemeClr val="accent1">
+              <a:shade val="50000"/>
+            </a:schemeClr>
+          </a:lnRef>
+          <a:fillRef idx="1">
+            <a:schemeClr val="accent1"/>
+          </a:fillRef>
+          <a:effectRef idx="0">
+            <a:schemeClr val="accent1"/>
+          </a:effectRef>
+          <a:fontRef idx="minor">
+            <a:schemeClr val="lt1"/>
+          </a:fontRef>
+        </p:style>
+        <p:txBody>
+          <a:bodyPr rtlCol="0" anchor="ctr"/>
+          <a:lstStyle/>
+          <a:p>
+            <a:pPr algn="ctr"/>
+            <a:endParaRPr lang="en-US"/>
+          </a:p>
+        </p:txBody>
+      </p:sp>
+      <p:sp>
+        <p:nvSpPr>
+          <p:cNvPr id="26" name="Freeform: Shape 25">
+            <a:extLst>
+              <a:ext uri="{FF2B5EF4-FFF2-40B4-BE49-F238E27FC236}">
+                <a16:creationId xmlns:a16="http://schemas.microsoft.com/office/drawing/2014/main" id="{893FDC0A-F33D-484A-900F-DBDD8E16DF11}"/>
+              </a:ext>
+            </a:extLst>
+          </p:cNvPr>
+          <p:cNvSpPr/>
+          <p:nvPr/>
+        </p:nvSpPr>
+        <p:spPr>
+          <a:xfrm flipH="1">
+            <a:off x="6547265" y="1296279"/>
+            <a:ext cx="2560320" cy="127321"/>
+          </a:xfrm>
+          <a:custGeom>
+            <a:avLst/>
+            <a:gdLst>
+              <a:gd name="connsiteX0" fmla="*/ 0 w 2494344"/>
+              <a:gd name="connsiteY0" fmla="*/ 127321 h 127321"/>
+              <a:gd name="connsiteX1" fmla="*/ 0 w 2494344"/>
+              <a:gd name="connsiteY1" fmla="*/ 0 h 127321"/>
+              <a:gd name="connsiteX2" fmla="*/ 2494344 w 2494344"/>
+              <a:gd name="connsiteY2" fmla="*/ 0 h 127321"/>
+            </a:gdLst>
+            <a:ahLst/>
+            <a:cxnLst>
+              <a:cxn ang="0">
+                <a:pos x="connsiteX0" y="connsiteY0"/>
+              </a:cxn>
+              <a:cxn ang="0">
+                <a:pos x="connsiteX1" y="connsiteY1"/>
+              </a:cxn>
+              <a:cxn ang="0">
+                <a:pos x="connsiteX2" y="connsiteY2"/>
+              </a:cxn>
+            </a:cxnLst>
+            <a:rect l="l" t="t" r="r" b="b"/>
+            <a:pathLst>
+              <a:path w="2494344" h="127321">
+                <a:moveTo>
+                  <a:pt x="0" y="127321"/>
+                </a:moveTo>
+                <a:lnTo>
+                  <a:pt x="0" y="0"/>
+                </a:lnTo>
+                <a:lnTo>
+                  <a:pt x="2494344" y="0"/>
+                </a:lnTo>
+              </a:path>
+            </a:pathLst>
+          </a:custGeom>
+          <a:noFill/>
+          <a:ln>
+            <a:solidFill>
+              <a:srgbClr val="002060"/>
+            </a:solidFill>
+          </a:ln>
+        </p:spPr>
+        <p:style>
+          <a:lnRef idx="2">
+            <a:schemeClr val="accent1">
+              <a:shade val="50000"/>
+            </a:schemeClr>
+          </a:lnRef>
+          <a:fillRef idx="1">
+            <a:schemeClr val="accent1"/>
+          </a:fillRef>
+          <a:effectRef idx="0">
+            <a:schemeClr val="accent1"/>
+          </a:effectRef>
+          <a:fontRef idx="minor">
+            <a:schemeClr val="lt1"/>
+          </a:fontRef>
+        </p:style>
+        <p:txBody>
+          <a:bodyPr rtlCol="0" anchor="ctr"/>
+          <a:lstStyle/>
+          <a:p>
+            <a:pPr algn="ctr"/>
+            <a:endParaRPr lang="en-US"/>
+          </a:p>
+        </p:txBody>
+      </p:sp>
+      <p:sp>
+        <p:nvSpPr>
+          <p:cNvPr id="27" name="Freeform: Shape 26">
+            <a:extLst>
+              <a:ext uri="{FF2B5EF4-FFF2-40B4-BE49-F238E27FC236}">
+                <a16:creationId xmlns:a16="http://schemas.microsoft.com/office/drawing/2014/main" id="{40E9932A-3E0A-44B3-98AA-97D1529636A1}"/>
+              </a:ext>
+            </a:extLst>
+          </p:cNvPr>
+          <p:cNvSpPr/>
+          <p:nvPr/>
+        </p:nvSpPr>
+        <p:spPr>
+          <a:xfrm flipV="1">
+            <a:off x="2450681" y="3031229"/>
+            <a:ext cx="2560320" cy="127321"/>
+          </a:xfrm>
+          <a:custGeom>
+            <a:avLst/>
+            <a:gdLst>
+              <a:gd name="connsiteX0" fmla="*/ 0 w 2494344"/>
+              <a:gd name="connsiteY0" fmla="*/ 127321 h 127321"/>
+              <a:gd name="connsiteX1" fmla="*/ 0 w 2494344"/>
+              <a:gd name="connsiteY1" fmla="*/ 0 h 127321"/>
+              <a:gd name="connsiteX2" fmla="*/ 2494344 w 2494344"/>
+              <a:gd name="connsiteY2" fmla="*/ 0 h 127321"/>
+            </a:gdLst>
+            <a:ahLst/>
+            <a:cxnLst>
+              <a:cxn ang="0">
+                <a:pos x="connsiteX0" y="connsiteY0"/>
+              </a:cxn>
+              <a:cxn ang="0">
+                <a:pos x="connsiteX1" y="connsiteY1"/>
+              </a:cxn>
+              <a:cxn ang="0">
+                <a:pos x="connsiteX2" y="connsiteY2"/>
+              </a:cxn>
+            </a:cxnLst>
+            <a:rect l="l" t="t" r="r" b="b"/>
+            <a:pathLst>
+              <a:path w="2494344" h="127321">
+                <a:moveTo>
+                  <a:pt x="0" y="127321"/>
+                </a:moveTo>
+                <a:lnTo>
+                  <a:pt x="0" y="0"/>
+                </a:lnTo>
+                <a:lnTo>
+                  <a:pt x="2494344" y="0"/>
+                </a:lnTo>
+              </a:path>
+            </a:pathLst>
+          </a:custGeom>
+          <a:noFill/>
+          <a:ln>
+            <a:solidFill>
+              <a:srgbClr val="002060"/>
+            </a:solidFill>
+          </a:ln>
+        </p:spPr>
+        <p:style>
+          <a:lnRef idx="2">
+            <a:schemeClr val="accent1">
+              <a:shade val="50000"/>
+            </a:schemeClr>
+          </a:lnRef>
+          <a:fillRef idx="1">
+            <a:schemeClr val="accent1"/>
+          </a:fillRef>
+          <a:effectRef idx="0">
+            <a:schemeClr val="accent1"/>
+          </a:effectRef>
+          <a:fontRef idx="minor">
+            <a:schemeClr val="lt1"/>
+          </a:fontRef>
+        </p:style>
+        <p:txBody>
+          <a:bodyPr rtlCol="0" anchor="ctr"/>
+          <a:lstStyle/>
+          <a:p>
+            <a:pPr algn="ctr"/>
+            <a:endParaRPr lang="en-US"/>
+          </a:p>
+        </p:txBody>
+      </p:sp>
+      <p:sp>
+        <p:nvSpPr>
+          <p:cNvPr id="29" name="Freeform: Shape 28">
+            <a:extLst>
+              <a:ext uri="{FF2B5EF4-FFF2-40B4-BE49-F238E27FC236}">
+                <a16:creationId xmlns:a16="http://schemas.microsoft.com/office/drawing/2014/main" id="{03BB80D2-8983-4A18-A94A-9726D63614F0}"/>
+              </a:ext>
+            </a:extLst>
+          </p:cNvPr>
+          <p:cNvSpPr/>
+          <p:nvPr/>
+        </p:nvSpPr>
+        <p:spPr>
+          <a:xfrm flipH="1" flipV="1">
+            <a:off x="6547265" y="3031229"/>
+            <a:ext cx="2560320" cy="127321"/>
+          </a:xfrm>
+          <a:custGeom>
+            <a:avLst/>
+            <a:gdLst>
+              <a:gd name="connsiteX0" fmla="*/ 0 w 2494344"/>
+              <a:gd name="connsiteY0" fmla="*/ 127321 h 127321"/>
+              <a:gd name="connsiteX1" fmla="*/ 0 w 2494344"/>
+              <a:gd name="connsiteY1" fmla="*/ 0 h 127321"/>
+              <a:gd name="connsiteX2" fmla="*/ 2494344 w 2494344"/>
+              <a:gd name="connsiteY2" fmla="*/ 0 h 127321"/>
+            </a:gdLst>
+            <a:ahLst/>
+            <a:cxnLst>
+              <a:cxn ang="0">
+                <a:pos x="connsiteX0" y="connsiteY0"/>
+              </a:cxn>
+              <a:cxn ang="0">
+                <a:pos x="connsiteX1" y="connsiteY1"/>
+              </a:cxn>
+              <a:cxn ang="0">
+                <a:pos x="connsiteX2" y="connsiteY2"/>
+              </a:cxn>
+            </a:cxnLst>
+            <a:rect l="l" t="t" r="r" b="b"/>
+            <a:pathLst>
+              <a:path w="2494344" h="127321">
+                <a:moveTo>
+                  <a:pt x="0" y="127321"/>
+                </a:moveTo>
+                <a:lnTo>
+                  <a:pt x="0" y="0"/>
+                </a:lnTo>
+                <a:lnTo>
+                  <a:pt x="2494344" y="0"/>
+                </a:lnTo>
+              </a:path>
+            </a:pathLst>
+          </a:custGeom>
+          <a:noFill/>
+          <a:ln>
+            <a:solidFill>
+              <a:srgbClr val="002060"/>
+            </a:solidFill>
+          </a:ln>
+        </p:spPr>
+        <p:style>
+          <a:lnRef idx="2">
+            <a:schemeClr val="accent1">
+              <a:shade val="50000"/>
+            </a:schemeClr>
+          </a:lnRef>
+          <a:fillRef idx="1">
+            <a:schemeClr val="accent1"/>
+          </a:fillRef>
+          <a:effectRef idx="0">
+            <a:schemeClr val="accent1"/>
+          </a:effectRef>
+          <a:fontRef idx="minor">
+            <a:schemeClr val="lt1"/>
+          </a:fontRef>
+        </p:style>
+        <p:txBody>
+          <a:bodyPr rtlCol="0" anchor="ctr"/>
+          <a:lstStyle/>
+          <a:p>
+            <a:pPr algn="ctr"/>
+            <a:endParaRPr lang="en-US"/>
+          </a:p>
+        </p:txBody>
+      </p:sp>
+      <mc:AlternateContent xmlns:mc="http://schemas.openxmlformats.org/markup-compatibility/2006">
+        <mc:Choice xmlns:a14="http://schemas.microsoft.com/office/drawing/2010/main" Requires="a14">
+          <p:sp>
+            <p:nvSpPr>
+              <p:cNvPr id="7" name="TextBox 6">
+                <a:extLst>
+                  <a:ext uri="{FF2B5EF4-FFF2-40B4-BE49-F238E27FC236}">
+                    <a16:creationId xmlns:a16="http://schemas.microsoft.com/office/drawing/2014/main" id="{E10317A4-95A7-452B-87AE-90AF6A920EE1}"/>
+                  </a:ext>
+                </a:extLst>
+              </p:cNvPr>
+              <p:cNvSpPr txBox="1"/>
+              <p:nvPr/>
+            </p:nvSpPr>
+            <p:spPr>
+              <a:xfrm>
+                <a:off x="9787753" y="1797745"/>
+                <a:ext cx="1714984" cy="1664751"/>
+              </a:xfrm>
+              <a:prstGeom prst="rect">
+                <a:avLst/>
+              </a:prstGeom>
+              <a:noFill/>
+            </p:spPr>
+            <p:txBody>
+              <a:bodyPr wrap="square" lIns="0" tIns="0" rIns="0" bIns="0" rtlCol="0">
+                <a:spAutoFit/>
+              </a:bodyPr>
+              <a:lstStyle/>
+              <a:p>
+                <a:pPr algn="r">
+                  <a:spcAft>
+                    <a:spcPts val="800"/>
+                  </a:spcAft>
+                </a:pPr>
+                <a14:m>
+                  <m:oMathPara xmlns:m="http://schemas.openxmlformats.org/officeDocument/2006/math">
+                    <m:oMathParaPr>
+                      <m:jc m:val="left"/>
+                    </m:oMathParaPr>
+                    <m:oMath xmlns:m="http://schemas.openxmlformats.org/officeDocument/2006/math">
+                      <m:r>
+                        <a:rPr lang="en-US" i="1" smtClean="0">
+                          <a:latin typeface="Cambria Math" panose="02040503050406030204" pitchFamily="18" charset="0"/>
+                        </a:rPr>
+                        <m:t>=</m:t>
+                      </m:r>
+                      <m:f>
+                        <m:fPr>
+                          <m:ctrlPr>
+                            <a:rPr lang="en-US" i="1" smtClean="0">
+                              <a:latin typeface="Cambria Math" panose="02040503050406030204" pitchFamily="18" charset="0"/>
+                            </a:rPr>
+                          </m:ctrlPr>
+                        </m:fPr>
+                        <m:num>
+                          <m:r>
+                            <a:rPr lang="en-US" b="0" i="1" smtClean="0">
+                              <a:latin typeface="Cambria Math" panose="02040503050406030204" pitchFamily="18" charset="0"/>
+                            </a:rPr>
+                            <m:t>5</m:t>
+                          </m:r>
+                          <m:r>
+                            <a:rPr lang="en-US" b="0" i="1" smtClean="0">
+                              <a:latin typeface="Cambria Math" panose="02040503050406030204" pitchFamily="18" charset="0"/>
+                            </a:rPr>
+                            <m:t>𝑉</m:t>
+                          </m:r>
+                        </m:num>
+                        <m:den>
+                          <m:r>
+                            <a:rPr lang="en-US" b="0" i="1" smtClean="0">
+                              <a:latin typeface="Cambria Math" panose="02040503050406030204" pitchFamily="18" charset="0"/>
+                            </a:rPr>
+                            <m:t>1023</m:t>
+                          </m:r>
+                        </m:den>
+                      </m:f>
+                    </m:oMath>
+                  </m:oMathPara>
+                </a14:m>
+                <a:endParaRPr lang="en-US" i="1" dirty="0">
+                  <a:latin typeface="Cambria Math" panose="02040503050406030204" pitchFamily="18" charset="0"/>
+                </a:endParaRPr>
+              </a:p>
+              <a:p>
+                <a:pPr algn="r">
+                  <a:spcAft>
+                    <a:spcPts val="800"/>
+                  </a:spcAft>
+                </a:pPr>
+                <a14:m>
+                  <m:oMathPara xmlns:m="http://schemas.openxmlformats.org/officeDocument/2006/math">
+                    <m:oMathParaPr>
+                      <m:jc m:val="left"/>
+                    </m:oMathParaPr>
+                    <m:oMath xmlns:m="http://schemas.openxmlformats.org/officeDocument/2006/math">
+                      <m:r>
+                        <a:rPr lang="en-US" b="0" i="1" smtClean="0">
+                          <a:latin typeface="Cambria Math" panose="02040503050406030204" pitchFamily="18" charset="0"/>
+                        </a:rPr>
+                        <m:t>=0.0049</m:t>
+                      </m:r>
+                      <m:r>
+                        <a:rPr lang="en-US" b="0" i="1" smtClean="0">
+                          <a:latin typeface="Cambria Math" panose="02040503050406030204" pitchFamily="18" charset="0"/>
+                        </a:rPr>
+                        <m:t>𝑉</m:t>
+                      </m:r>
+                    </m:oMath>
+                  </m:oMathPara>
+                </a14:m>
+                <a:endParaRPr lang="en-US" b="0" i="1" dirty="0">
+                  <a:latin typeface="Cambria Math" panose="02040503050406030204" pitchFamily="18" charset="0"/>
+                </a:endParaRPr>
+              </a:p>
+              <a:p>
+                <a:pPr algn="r">
+                  <a:spcAft>
+                    <a:spcPts val="800"/>
+                  </a:spcAft>
+                </a:pPr>
+                <a14:m>
+                  <m:oMathPara xmlns:m="http://schemas.openxmlformats.org/officeDocument/2006/math">
+                    <m:oMathParaPr>
+                      <m:jc m:val="left"/>
+                    </m:oMathParaPr>
+                    <m:oMath xmlns:m="http://schemas.openxmlformats.org/officeDocument/2006/math">
+                      <m:r>
+                        <a:rPr lang="en-US" b="0" i="1" smtClean="0">
+                          <a:latin typeface="Cambria Math" panose="02040503050406030204" pitchFamily="18" charset="0"/>
+                        </a:rPr>
+                        <m:t>=4.9</m:t>
+                      </m:r>
+                      <m:r>
+                        <a:rPr lang="en-US" b="0" i="1" smtClean="0">
+                          <a:latin typeface="Cambria Math" panose="02040503050406030204" pitchFamily="18" charset="0"/>
+                        </a:rPr>
+                        <m:t>𝑚𝑉</m:t>
+                      </m:r>
+                    </m:oMath>
+                  </m:oMathPara>
+                </a14:m>
+                <a:endParaRPr lang="en-US" b="0" dirty="0"/>
+              </a:p>
+              <a:p>
+                <a:pPr algn="r">
+                  <a:spcAft>
+                    <a:spcPts val="1400"/>
+                  </a:spcAft>
+                </a:pPr>
+                <a:endParaRPr lang="en-US" b="0" dirty="0"/>
+              </a:p>
+            </p:txBody>
+          </p:sp>
+        </mc:Choice>
+        <mc:Fallback>
+          <p:sp>
+            <p:nvSpPr>
+              <p:cNvPr id="7" name="TextBox 6">
+                <a:extLst>
+                  <a:ext uri="{FF2B5EF4-FFF2-40B4-BE49-F238E27FC236}">
+                    <a16:creationId xmlns:a16="http://schemas.microsoft.com/office/drawing/2014/main" id="{E10317A4-95A7-452B-87AE-90AF6A920EE1}"/>
+                  </a:ext>
+                </a:extLst>
+              </p:cNvPr>
+              <p:cNvSpPr txBox="1">
+                <a:spLocks noRot="1" noChangeAspect="1" noMove="1" noResize="1" noEditPoints="1" noAdjustHandles="1" noChangeArrowheads="1" noChangeShapeType="1" noTextEdit="1"/>
+              </p:cNvSpPr>
+              <p:nvPr/>
+            </p:nvSpPr>
+            <p:spPr>
+              <a:xfrm>
+                <a:off x="9787753" y="1797745"/>
+                <a:ext cx="1714984" cy="1664751"/>
+              </a:xfrm>
+              <a:prstGeom prst="rect">
+                <a:avLst/>
+              </a:prstGeom>
+              <a:blipFill>
+                <a:blip r:embed="rId2"/>
+                <a:stretch>
+                  <a:fillRect/>
+                </a:stretch>
+              </a:blipFill>
+            </p:spPr>
+            <p:txBody>
+              <a:bodyPr/>
+              <a:lstStyle/>
+              <a:p>
+                <a:r>
+                  <a:rPr lang="en-US">
+                    <a:noFill/>
+                  </a:rPr>
+                  <a:t> </a:t>
+                </a:r>
+              </a:p>
+            </p:txBody>
+          </p:sp>
+        </mc:Fallback>
+      </mc:AlternateContent>
+      <p:sp>
+        <p:nvSpPr>
+          <p:cNvPr id="32" name="TextBox 31">
+            <a:extLst>
+              <a:ext uri="{FF2B5EF4-FFF2-40B4-BE49-F238E27FC236}">
+                <a16:creationId xmlns:a16="http://schemas.microsoft.com/office/drawing/2014/main" id="{F6D3D8EC-CC2A-E4D2-9080-444A8D6D18E6}"/>
+              </a:ext>
+            </a:extLst>
+          </p:cNvPr>
+          <p:cNvSpPr txBox="1"/>
+          <p:nvPr/>
+        </p:nvSpPr>
+        <p:spPr>
+          <a:xfrm>
+            <a:off x="9721532" y="1226370"/>
+            <a:ext cx="2446773" cy="523220"/>
+          </a:xfrm>
+          <a:prstGeom prst="rect">
+            <a:avLst/>
+          </a:prstGeom>
+          <a:noFill/>
+        </p:spPr>
+        <p:txBody>
+          <a:bodyPr wrap="square" rtlCol="0">
+            <a:spAutoFit/>
+          </a:bodyPr>
+          <a:lstStyle/>
+          <a:p>
+            <a:r>
+              <a:rPr lang="en-US" sz="1600" b="1" dirty="0">
+                <a:latin typeface="Segoe Condensed" panose="020B0606040200020203" pitchFamily="34" charset="0"/>
+              </a:rPr>
+              <a:t>Analog Read Resolution</a:t>
+            </a:r>
+          </a:p>
+          <a:p>
+            <a:r>
+              <a:rPr lang="en-US" sz="1200" dirty="0">
+                <a:latin typeface="Segoe Condensed" panose="020B0606040200020203" pitchFamily="34" charset="0"/>
+              </a:rPr>
+              <a:t>5V, 10-bit ADC</a:t>
+            </a:r>
+          </a:p>
+        </p:txBody>
+      </p:sp>
+      <p:sp>
+        <p:nvSpPr>
+          <p:cNvPr id="34" name="TextBox 33">
+            <a:extLst>
+              <a:ext uri="{FF2B5EF4-FFF2-40B4-BE49-F238E27FC236}">
+                <a16:creationId xmlns:a16="http://schemas.microsoft.com/office/drawing/2014/main" id="{3EEB3D2E-F245-08DA-1B3B-7251329EDA3F}"/>
+              </a:ext>
+            </a:extLst>
+          </p:cNvPr>
+          <p:cNvSpPr txBox="1"/>
+          <p:nvPr/>
+        </p:nvSpPr>
+        <p:spPr>
+          <a:xfrm>
+            <a:off x="10602479" y="2741468"/>
+            <a:ext cx="1391697" cy="369332"/>
+          </a:xfrm>
+          <a:prstGeom prst="rect">
+            <a:avLst/>
+          </a:prstGeom>
+          <a:noFill/>
+        </p:spPr>
+        <p:txBody>
+          <a:bodyPr wrap="square" rtlCol="0">
+            <a:spAutoFit/>
+          </a:bodyPr>
+          <a:lstStyle/>
+          <a:p>
+            <a:r>
+              <a:rPr lang="en-US" sz="1400" dirty="0">
+                <a:latin typeface="Segoe Condensed" panose="020B0606040200020203" pitchFamily="34" charset="0"/>
+              </a:rPr>
+              <a:t>per</a:t>
+            </a:r>
+            <a:r>
+              <a:rPr lang="en-US" dirty="0"/>
+              <a:t> </a:t>
+            </a:r>
+            <a:r>
+              <a:rPr lang="en-US" sz="1400" dirty="0">
+                <a:latin typeface="Segoe Condensed" panose="020B0606040200020203" pitchFamily="34" charset="0"/>
+              </a:rPr>
+              <a:t>value</a:t>
+            </a:r>
+          </a:p>
+        </p:txBody>
+      </p:sp>
+      <p:sp>
+        <p:nvSpPr>
+          <p:cNvPr id="3" name="Rectangle: Rounded Corners 2">
+            <a:extLst>
+              <a:ext uri="{FF2B5EF4-FFF2-40B4-BE49-F238E27FC236}">
+                <a16:creationId xmlns:a16="http://schemas.microsoft.com/office/drawing/2014/main" id="{0BC295F2-CD60-A66A-106E-792CD258CFB0}"/>
+              </a:ext>
+            </a:extLst>
+          </p:cNvPr>
+          <p:cNvSpPr/>
+          <p:nvPr/>
+        </p:nvSpPr>
+        <p:spPr>
+          <a:xfrm>
+            <a:off x="9721780" y="3854471"/>
+            <a:ext cx="1969477" cy="1912552"/>
+          </a:xfrm>
+          <a:prstGeom prst="roundRect">
+            <a:avLst>
+              <a:gd name="adj" fmla="val 5736"/>
+            </a:avLst>
+          </a:prstGeom>
+          <a:solidFill>
+            <a:schemeClr val="bg1">
+              <a:lumMod val="95000"/>
+            </a:schemeClr>
+          </a:solidFill>
+          <a:ln w="6350">
+            <a:solidFill>
+              <a:schemeClr val="bg1">
+                <a:lumMod val="50000"/>
+              </a:schemeClr>
+            </a:solidFill>
+          </a:ln>
+        </p:spPr>
+        <p:style>
+          <a:lnRef idx="2">
+            <a:schemeClr val="accent1">
+              <a:shade val="15000"/>
+            </a:schemeClr>
+          </a:lnRef>
+          <a:fillRef idx="1">
+            <a:schemeClr val="accent1"/>
+          </a:fillRef>
+          <a:effectRef idx="0">
+            <a:schemeClr val="accent1"/>
+          </a:effectRef>
+          <a:fontRef idx="minor">
+            <a:schemeClr val="lt1"/>
+          </a:fontRef>
+        </p:style>
+        <p:txBody>
+          <a:bodyPr rtlCol="0" anchor="ctr"/>
+          <a:lstStyle/>
+          <a:p>
+            <a:pPr algn="ctr"/>
+            <a:endParaRPr lang="en-US"/>
+          </a:p>
+        </p:txBody>
+      </p:sp>
+      <p:sp>
+        <p:nvSpPr>
+          <p:cNvPr id="35" name="Rectangle 34">
+            <a:extLst>
+              <a:ext uri="{FF2B5EF4-FFF2-40B4-BE49-F238E27FC236}">
+                <a16:creationId xmlns:a16="http://schemas.microsoft.com/office/drawing/2014/main" id="{66A2D6A3-F302-2F8B-320A-1D43F07811A6}"/>
+              </a:ext>
+            </a:extLst>
+          </p:cNvPr>
+          <p:cNvSpPr/>
+          <p:nvPr/>
+        </p:nvSpPr>
+        <p:spPr>
+          <a:xfrm>
+            <a:off x="2455933" y="4615299"/>
+            <a:ext cx="6651653" cy="400556"/>
+          </a:xfrm>
+          <a:prstGeom prst="rect">
+            <a:avLst/>
+          </a:prstGeom>
+          <a:solidFill>
+            <a:schemeClr val="accent5">
+              <a:lumMod val="60000"/>
+              <a:lumOff val="40000"/>
+            </a:schemeClr>
+          </a:solidFill>
+          <a:ln>
+            <a:noFill/>
+          </a:ln>
+        </p:spPr>
+        <p:style>
+          <a:lnRef idx="2">
+            <a:schemeClr val="accent1">
+              <a:shade val="50000"/>
+            </a:schemeClr>
+          </a:lnRef>
+          <a:fillRef idx="1">
+            <a:schemeClr val="accent1"/>
+          </a:fillRef>
+          <a:effectRef idx="0">
+            <a:schemeClr val="accent1"/>
+          </a:effectRef>
+          <a:fontRef idx="minor">
+            <a:schemeClr val="lt1"/>
+          </a:fontRef>
+        </p:style>
+        <p:txBody>
+          <a:bodyPr rtlCol="0" anchor="ctr"/>
+          <a:lstStyle/>
+          <a:p>
+            <a:pPr algn="ctr"/>
+            <a:endParaRPr lang="en-US"/>
+          </a:p>
+        </p:txBody>
+      </p:sp>
+      <p:sp>
+        <p:nvSpPr>
+          <p:cNvPr id="36" name="TextBox 35">
+            <a:extLst>
+              <a:ext uri="{FF2B5EF4-FFF2-40B4-BE49-F238E27FC236}">
+                <a16:creationId xmlns:a16="http://schemas.microsoft.com/office/drawing/2014/main" id="{90667BC9-8F46-DCD0-6BAF-BEA138A49AD0}"/>
+              </a:ext>
+            </a:extLst>
+          </p:cNvPr>
+          <p:cNvSpPr txBox="1"/>
+          <p:nvPr/>
+        </p:nvSpPr>
+        <p:spPr>
+          <a:xfrm>
+            <a:off x="2184850" y="4075360"/>
+            <a:ext cx="542166" cy="369332"/>
+          </a:xfrm>
+          <a:prstGeom prst="rect">
+            <a:avLst/>
+          </a:prstGeom>
+          <a:noFill/>
+        </p:spPr>
+        <p:txBody>
+          <a:bodyPr wrap="square" rtlCol="0">
+            <a:spAutoFit/>
+          </a:bodyPr>
+          <a:lstStyle/>
+          <a:p>
+            <a:pPr algn="ctr"/>
+            <a:r>
+              <a:rPr lang="en-US" b="1" dirty="0">
+                <a:solidFill>
+                  <a:schemeClr val="accent5">
+                    <a:lumMod val="50000"/>
+                  </a:schemeClr>
+                </a:solidFill>
+                <a:latin typeface="Segoe Condensed" panose="020B0606040200020203" pitchFamily="34" charset="0"/>
+                <a:cs typeface="Times New Roman" panose="02020603050405020304" pitchFamily="18" charset="0"/>
+              </a:rPr>
+              <a:t>0V</a:t>
+            </a:r>
+          </a:p>
+        </p:txBody>
+      </p:sp>
+      <p:cxnSp>
+        <p:nvCxnSpPr>
+          <p:cNvPr id="37" name="Straight Connector 36">
+            <a:extLst>
+              <a:ext uri="{FF2B5EF4-FFF2-40B4-BE49-F238E27FC236}">
+                <a16:creationId xmlns:a16="http://schemas.microsoft.com/office/drawing/2014/main" id="{CD2EB985-1F49-BAFD-3E40-5121824BCA95}"/>
+              </a:ext>
+            </a:extLst>
+          </p:cNvPr>
+          <p:cNvCxnSpPr>
+            <a:cxnSpLocks/>
+          </p:cNvCxnSpPr>
+          <p:nvPr/>
+        </p:nvCxnSpPr>
+        <p:spPr>
+          <a:xfrm>
+            <a:off x="2455933" y="4391419"/>
+            <a:ext cx="0" cy="801111"/>
+          </a:xfrm>
+          <a:prstGeom prst="line">
+            <a:avLst/>
+          </a:prstGeom>
+          <a:ln>
+            <a:solidFill>
+              <a:schemeClr val="accent5">
+                <a:lumMod val="50000"/>
+              </a:schemeClr>
+            </a:solidFill>
+          </a:ln>
+        </p:spPr>
+        <p:style>
+          <a:lnRef idx="1">
+            <a:schemeClr val="accent1"/>
+          </a:lnRef>
+          <a:fillRef idx="0">
+            <a:schemeClr val="accent1"/>
+          </a:fillRef>
+          <a:effectRef idx="0">
+            <a:schemeClr val="accent1"/>
+          </a:effectRef>
+          <a:fontRef idx="minor">
+            <a:schemeClr val="tx1"/>
+          </a:fontRef>
+        </p:style>
+      </p:cxnSp>
+      <p:cxnSp>
+        <p:nvCxnSpPr>
+          <p:cNvPr id="38" name="Straight Connector 37">
+            <a:extLst>
+              <a:ext uri="{FF2B5EF4-FFF2-40B4-BE49-F238E27FC236}">
+                <a16:creationId xmlns:a16="http://schemas.microsoft.com/office/drawing/2014/main" id="{D7DEDFAA-D6FF-28EF-AA62-014DA5CD7692}"/>
+              </a:ext>
+            </a:extLst>
+          </p:cNvPr>
+          <p:cNvCxnSpPr>
+            <a:cxnSpLocks/>
+          </p:cNvCxnSpPr>
+          <p:nvPr/>
+        </p:nvCxnSpPr>
+        <p:spPr>
+          <a:xfrm>
+            <a:off x="3786264" y="4391419"/>
+            <a:ext cx="0" cy="801111"/>
+          </a:xfrm>
+          <a:prstGeom prst="line">
+            <a:avLst/>
+          </a:prstGeom>
+          <a:ln>
+            <a:solidFill>
+              <a:schemeClr val="accent5">
+                <a:lumMod val="50000"/>
+              </a:schemeClr>
+            </a:solidFill>
+          </a:ln>
+        </p:spPr>
+        <p:style>
+          <a:lnRef idx="1">
+            <a:schemeClr val="accent1"/>
+          </a:lnRef>
+          <a:fillRef idx="0">
+            <a:schemeClr val="accent1"/>
+          </a:fillRef>
+          <a:effectRef idx="0">
+            <a:schemeClr val="accent1"/>
+          </a:effectRef>
+          <a:fontRef idx="minor">
+            <a:schemeClr val="tx1"/>
+          </a:fontRef>
+        </p:style>
+      </p:cxnSp>
+      <p:cxnSp>
+        <p:nvCxnSpPr>
+          <p:cNvPr id="39" name="Straight Connector 38">
+            <a:extLst>
+              <a:ext uri="{FF2B5EF4-FFF2-40B4-BE49-F238E27FC236}">
+                <a16:creationId xmlns:a16="http://schemas.microsoft.com/office/drawing/2014/main" id="{C30F77C7-89ED-A04E-9F20-BA60C4B40E5F}"/>
+              </a:ext>
+            </a:extLst>
+          </p:cNvPr>
+          <p:cNvCxnSpPr>
+            <a:cxnSpLocks/>
+          </p:cNvCxnSpPr>
+          <p:nvPr/>
+        </p:nvCxnSpPr>
+        <p:spPr>
+          <a:xfrm>
+            <a:off x="5116595" y="4391419"/>
+            <a:ext cx="0" cy="801111"/>
+          </a:xfrm>
+          <a:prstGeom prst="line">
+            <a:avLst/>
+          </a:prstGeom>
+          <a:ln>
+            <a:solidFill>
+              <a:schemeClr val="accent5">
+                <a:lumMod val="50000"/>
+              </a:schemeClr>
+            </a:solidFill>
+          </a:ln>
+        </p:spPr>
+        <p:style>
+          <a:lnRef idx="1">
+            <a:schemeClr val="accent1"/>
+          </a:lnRef>
+          <a:fillRef idx="0">
+            <a:schemeClr val="accent1"/>
+          </a:fillRef>
+          <a:effectRef idx="0">
+            <a:schemeClr val="accent1"/>
+          </a:effectRef>
+          <a:fontRef idx="minor">
+            <a:schemeClr val="tx1"/>
+          </a:fontRef>
+        </p:style>
+      </p:cxnSp>
+      <p:cxnSp>
+        <p:nvCxnSpPr>
+          <p:cNvPr id="40" name="Straight Connector 39">
+            <a:extLst>
+              <a:ext uri="{FF2B5EF4-FFF2-40B4-BE49-F238E27FC236}">
+                <a16:creationId xmlns:a16="http://schemas.microsoft.com/office/drawing/2014/main" id="{365A6E0F-DC8E-F2A7-767E-CFEAE3D166FB}"/>
+              </a:ext>
+            </a:extLst>
+          </p:cNvPr>
+          <p:cNvCxnSpPr>
+            <a:cxnSpLocks/>
+          </p:cNvCxnSpPr>
+          <p:nvPr/>
+        </p:nvCxnSpPr>
+        <p:spPr>
+          <a:xfrm>
+            <a:off x="6446926" y="4391419"/>
+            <a:ext cx="0" cy="801111"/>
+          </a:xfrm>
+          <a:prstGeom prst="line">
+            <a:avLst/>
+          </a:prstGeom>
+          <a:ln>
+            <a:solidFill>
+              <a:schemeClr val="accent5">
+                <a:lumMod val="50000"/>
+              </a:schemeClr>
+            </a:solidFill>
+          </a:ln>
+        </p:spPr>
+        <p:style>
+          <a:lnRef idx="1">
+            <a:schemeClr val="accent1"/>
+          </a:lnRef>
+          <a:fillRef idx="0">
+            <a:schemeClr val="accent1"/>
+          </a:fillRef>
+          <a:effectRef idx="0">
+            <a:schemeClr val="accent1"/>
+          </a:effectRef>
+          <a:fontRef idx="minor">
+            <a:schemeClr val="tx1"/>
+          </a:fontRef>
+        </p:style>
+      </p:cxnSp>
+      <p:cxnSp>
+        <p:nvCxnSpPr>
+          <p:cNvPr id="41" name="Straight Connector 40">
+            <a:extLst>
+              <a:ext uri="{FF2B5EF4-FFF2-40B4-BE49-F238E27FC236}">
+                <a16:creationId xmlns:a16="http://schemas.microsoft.com/office/drawing/2014/main" id="{E1E102B3-9AEA-4DE4-E868-148C890F7E36}"/>
+              </a:ext>
+            </a:extLst>
+          </p:cNvPr>
+          <p:cNvCxnSpPr>
+            <a:cxnSpLocks/>
+          </p:cNvCxnSpPr>
+          <p:nvPr/>
+        </p:nvCxnSpPr>
+        <p:spPr>
+          <a:xfrm>
+            <a:off x="9107586" y="4391419"/>
+            <a:ext cx="0" cy="801111"/>
+          </a:xfrm>
+          <a:prstGeom prst="line">
+            <a:avLst/>
+          </a:prstGeom>
+          <a:ln>
+            <a:solidFill>
+              <a:schemeClr val="accent5">
+                <a:lumMod val="50000"/>
+              </a:schemeClr>
+            </a:solidFill>
+          </a:ln>
+        </p:spPr>
+        <p:style>
+          <a:lnRef idx="1">
+            <a:schemeClr val="accent1"/>
+          </a:lnRef>
+          <a:fillRef idx="0">
+            <a:schemeClr val="accent1"/>
+          </a:fillRef>
+          <a:effectRef idx="0">
+            <a:schemeClr val="accent1"/>
+          </a:effectRef>
+          <a:fontRef idx="minor">
+            <a:schemeClr val="tx1"/>
+          </a:fontRef>
+        </p:style>
+      </p:cxnSp>
+      <p:cxnSp>
+        <p:nvCxnSpPr>
+          <p:cNvPr id="42" name="Straight Connector 41">
+            <a:extLst>
+              <a:ext uri="{FF2B5EF4-FFF2-40B4-BE49-F238E27FC236}">
+                <a16:creationId xmlns:a16="http://schemas.microsoft.com/office/drawing/2014/main" id="{F83B8A91-ED4B-4112-1884-83F53C94A085}"/>
+              </a:ext>
+            </a:extLst>
+          </p:cNvPr>
+          <p:cNvCxnSpPr>
+            <a:cxnSpLocks/>
+          </p:cNvCxnSpPr>
+          <p:nvPr/>
+        </p:nvCxnSpPr>
+        <p:spPr>
+          <a:xfrm>
+            <a:off x="7777257" y="4391419"/>
+            <a:ext cx="0" cy="801111"/>
+          </a:xfrm>
+          <a:prstGeom prst="line">
+            <a:avLst/>
+          </a:prstGeom>
+          <a:ln>
+            <a:solidFill>
+              <a:schemeClr val="accent5">
+                <a:lumMod val="50000"/>
+              </a:schemeClr>
+            </a:solidFill>
+          </a:ln>
+        </p:spPr>
+        <p:style>
+          <a:lnRef idx="1">
+            <a:schemeClr val="accent1"/>
+          </a:lnRef>
+          <a:fillRef idx="0">
+            <a:schemeClr val="accent1"/>
+          </a:fillRef>
+          <a:effectRef idx="0">
+            <a:schemeClr val="accent1"/>
+          </a:effectRef>
+          <a:fontRef idx="minor">
+            <a:schemeClr val="tx1"/>
+          </a:fontRef>
+        </p:style>
+      </p:cxnSp>
+      <p:sp>
+        <p:nvSpPr>
+          <p:cNvPr id="43" name="TextBox 42">
+            <a:extLst>
+              <a:ext uri="{FF2B5EF4-FFF2-40B4-BE49-F238E27FC236}">
+                <a16:creationId xmlns:a16="http://schemas.microsoft.com/office/drawing/2014/main" id="{9C252476-D636-283B-22C3-236591A799A1}"/>
+              </a:ext>
+            </a:extLst>
+          </p:cNvPr>
+          <p:cNvSpPr txBox="1"/>
+          <p:nvPr/>
+        </p:nvSpPr>
+        <p:spPr>
+          <a:xfrm>
+            <a:off x="8836503" y="4075360"/>
+            <a:ext cx="542166" cy="369332"/>
+          </a:xfrm>
+          <a:prstGeom prst="rect">
+            <a:avLst/>
+          </a:prstGeom>
+          <a:noFill/>
+        </p:spPr>
+        <p:txBody>
+          <a:bodyPr wrap="square" rtlCol="0">
+            <a:spAutoFit/>
+          </a:bodyPr>
+          <a:lstStyle/>
+          <a:p>
+            <a:pPr algn="ctr"/>
+            <a:r>
+              <a:rPr lang="en-US" b="1" dirty="0">
+                <a:solidFill>
+                  <a:schemeClr val="accent5">
+                    <a:lumMod val="50000"/>
+                  </a:schemeClr>
+                </a:solidFill>
+                <a:latin typeface="Segoe Condensed" panose="020B0606040200020203" pitchFamily="34" charset="0"/>
+                <a:cs typeface="Times New Roman" panose="02020603050405020304" pitchFamily="18" charset="0"/>
+              </a:rPr>
+              <a:t>5V</a:t>
+            </a:r>
+          </a:p>
+        </p:txBody>
+      </p:sp>
+      <p:sp>
+        <p:nvSpPr>
+          <p:cNvPr id="44" name="TextBox 43">
+            <a:extLst>
+              <a:ext uri="{FF2B5EF4-FFF2-40B4-BE49-F238E27FC236}">
+                <a16:creationId xmlns:a16="http://schemas.microsoft.com/office/drawing/2014/main" id="{672D422E-D694-73FF-1F5E-2070381F637A}"/>
+              </a:ext>
+            </a:extLst>
+          </p:cNvPr>
+          <p:cNvSpPr txBox="1"/>
+          <p:nvPr/>
+        </p:nvSpPr>
+        <p:spPr>
+          <a:xfrm>
+            <a:off x="7506172" y="4075360"/>
+            <a:ext cx="542166" cy="369332"/>
+          </a:xfrm>
+          <a:prstGeom prst="rect">
+            <a:avLst/>
+          </a:prstGeom>
+          <a:noFill/>
+        </p:spPr>
+        <p:txBody>
+          <a:bodyPr wrap="square" rtlCol="0">
+            <a:spAutoFit/>
+          </a:bodyPr>
+          <a:lstStyle/>
+          <a:p>
+            <a:pPr algn="ctr"/>
+            <a:r>
+              <a:rPr lang="en-US" b="1" dirty="0">
+                <a:solidFill>
+                  <a:schemeClr val="accent5">
+                    <a:lumMod val="50000"/>
+                  </a:schemeClr>
+                </a:solidFill>
+                <a:latin typeface="Segoe Condensed" panose="020B0606040200020203" pitchFamily="34" charset="0"/>
+                <a:cs typeface="Times New Roman" panose="02020603050405020304" pitchFamily="18" charset="0"/>
+              </a:rPr>
+              <a:t>4V</a:t>
+            </a:r>
+          </a:p>
+        </p:txBody>
+      </p:sp>
+      <p:sp>
+        <p:nvSpPr>
+          <p:cNvPr id="45" name="TextBox 44">
+            <a:extLst>
+              <a:ext uri="{FF2B5EF4-FFF2-40B4-BE49-F238E27FC236}">
+                <a16:creationId xmlns:a16="http://schemas.microsoft.com/office/drawing/2014/main" id="{78345B14-91DB-561A-5774-490232484393}"/>
+              </a:ext>
+            </a:extLst>
+          </p:cNvPr>
+          <p:cNvSpPr txBox="1"/>
+          <p:nvPr/>
+        </p:nvSpPr>
+        <p:spPr>
+          <a:xfrm>
+            <a:off x="6175840" y="4075360"/>
+            <a:ext cx="542166" cy="369332"/>
+          </a:xfrm>
+          <a:prstGeom prst="rect">
+            <a:avLst/>
+          </a:prstGeom>
+          <a:noFill/>
+        </p:spPr>
+        <p:txBody>
+          <a:bodyPr wrap="square" rtlCol="0">
+            <a:spAutoFit/>
+          </a:bodyPr>
+          <a:lstStyle/>
+          <a:p>
+            <a:pPr algn="ctr"/>
+            <a:r>
+              <a:rPr lang="en-US" b="1" dirty="0">
+                <a:solidFill>
+                  <a:schemeClr val="accent5">
+                    <a:lumMod val="50000"/>
+                  </a:schemeClr>
+                </a:solidFill>
+                <a:latin typeface="Segoe Condensed" panose="020B0606040200020203" pitchFamily="34" charset="0"/>
+                <a:cs typeface="Times New Roman" panose="02020603050405020304" pitchFamily="18" charset="0"/>
+              </a:rPr>
+              <a:t>3V</a:t>
+            </a:r>
+          </a:p>
+        </p:txBody>
+      </p:sp>
+      <p:sp>
+        <p:nvSpPr>
+          <p:cNvPr id="46" name="TextBox 45">
+            <a:extLst>
+              <a:ext uri="{FF2B5EF4-FFF2-40B4-BE49-F238E27FC236}">
+                <a16:creationId xmlns:a16="http://schemas.microsoft.com/office/drawing/2014/main" id="{F60C1ACB-E14B-287E-5EA1-CDE9B9408A1D}"/>
+              </a:ext>
+            </a:extLst>
+          </p:cNvPr>
+          <p:cNvSpPr txBox="1"/>
+          <p:nvPr/>
+        </p:nvSpPr>
+        <p:spPr>
+          <a:xfrm>
+            <a:off x="4832967" y="4075360"/>
+            <a:ext cx="542166" cy="369332"/>
+          </a:xfrm>
+          <a:prstGeom prst="rect">
+            <a:avLst/>
+          </a:prstGeom>
+          <a:noFill/>
+        </p:spPr>
+        <p:txBody>
+          <a:bodyPr wrap="square" rtlCol="0">
+            <a:spAutoFit/>
+          </a:bodyPr>
+          <a:lstStyle/>
+          <a:p>
+            <a:pPr algn="ctr"/>
+            <a:r>
+              <a:rPr lang="en-US" b="1" dirty="0">
+                <a:solidFill>
+                  <a:schemeClr val="accent5">
+                    <a:lumMod val="50000"/>
+                  </a:schemeClr>
+                </a:solidFill>
+                <a:latin typeface="Segoe Condensed" panose="020B0606040200020203" pitchFamily="34" charset="0"/>
+                <a:cs typeface="Times New Roman" panose="02020603050405020304" pitchFamily="18" charset="0"/>
+              </a:rPr>
+              <a:t>2V</a:t>
+            </a:r>
+          </a:p>
+        </p:txBody>
+      </p:sp>
+      <p:sp>
+        <p:nvSpPr>
+          <p:cNvPr id="47" name="TextBox 46">
+            <a:extLst>
+              <a:ext uri="{FF2B5EF4-FFF2-40B4-BE49-F238E27FC236}">
+                <a16:creationId xmlns:a16="http://schemas.microsoft.com/office/drawing/2014/main" id="{A16158A7-FEEA-8A3B-6DEA-AAD21941CC5E}"/>
+              </a:ext>
+            </a:extLst>
+          </p:cNvPr>
+          <p:cNvSpPr txBox="1"/>
+          <p:nvPr/>
+        </p:nvSpPr>
+        <p:spPr>
+          <a:xfrm>
+            <a:off x="3515179" y="4075360"/>
+            <a:ext cx="542166" cy="369332"/>
+          </a:xfrm>
+          <a:prstGeom prst="rect">
+            <a:avLst/>
+          </a:prstGeom>
+          <a:noFill/>
+        </p:spPr>
+        <p:txBody>
+          <a:bodyPr wrap="square" rtlCol="0">
+            <a:spAutoFit/>
+          </a:bodyPr>
+          <a:lstStyle/>
+          <a:p>
+            <a:pPr algn="ctr"/>
+            <a:r>
+              <a:rPr lang="en-US" b="1" dirty="0">
+                <a:solidFill>
+                  <a:schemeClr val="accent5">
+                    <a:lumMod val="50000"/>
+                  </a:schemeClr>
+                </a:solidFill>
+                <a:latin typeface="Segoe Condensed" panose="020B0606040200020203" pitchFamily="34" charset="0"/>
+                <a:cs typeface="Times New Roman" panose="02020603050405020304" pitchFamily="18" charset="0"/>
+              </a:rPr>
+              <a:t>1V</a:t>
+            </a:r>
+          </a:p>
+        </p:txBody>
+      </p:sp>
+      <p:sp>
+        <p:nvSpPr>
+          <p:cNvPr id="48" name="TextBox 47">
+            <a:extLst>
+              <a:ext uri="{FF2B5EF4-FFF2-40B4-BE49-F238E27FC236}">
+                <a16:creationId xmlns:a16="http://schemas.microsoft.com/office/drawing/2014/main" id="{C805D9F5-AA15-63C7-0D43-552D1533CD99}"/>
+              </a:ext>
+            </a:extLst>
+          </p:cNvPr>
+          <p:cNvSpPr txBox="1"/>
+          <p:nvPr/>
+        </p:nvSpPr>
+        <p:spPr>
+          <a:xfrm>
+            <a:off x="2184850" y="5186462"/>
+            <a:ext cx="542166" cy="369332"/>
+          </a:xfrm>
+          <a:prstGeom prst="rect">
+            <a:avLst/>
+          </a:prstGeom>
+          <a:noFill/>
+        </p:spPr>
+        <p:txBody>
+          <a:bodyPr wrap="square" rtlCol="0">
+            <a:spAutoFit/>
+          </a:bodyPr>
+          <a:lstStyle/>
+          <a:p>
+            <a:pPr algn="ctr"/>
+            <a:r>
+              <a:rPr lang="en-US" b="1" dirty="0">
+                <a:solidFill>
+                  <a:schemeClr val="accent5">
+                    <a:lumMod val="50000"/>
+                  </a:schemeClr>
+                </a:solidFill>
+                <a:latin typeface="Segoe Condensed" panose="020B0606040200020203" pitchFamily="34" charset="0"/>
+                <a:cs typeface="Times New Roman" panose="02020603050405020304" pitchFamily="18" charset="0"/>
+              </a:rPr>
+              <a:t>0</a:t>
+            </a:r>
+          </a:p>
+        </p:txBody>
+      </p:sp>
+      <p:sp>
+        <p:nvSpPr>
+          <p:cNvPr id="49" name="TextBox 48">
+            <a:extLst>
+              <a:ext uri="{FF2B5EF4-FFF2-40B4-BE49-F238E27FC236}">
+                <a16:creationId xmlns:a16="http://schemas.microsoft.com/office/drawing/2014/main" id="{90CA0CF8-0D28-461F-11A7-74B26715E089}"/>
+              </a:ext>
+            </a:extLst>
+          </p:cNvPr>
+          <p:cNvSpPr txBox="1"/>
+          <p:nvPr/>
+        </p:nvSpPr>
+        <p:spPr>
+          <a:xfrm>
+            <a:off x="8787950" y="5186462"/>
+            <a:ext cx="639271" cy="369332"/>
+          </a:xfrm>
+          <a:prstGeom prst="rect">
+            <a:avLst/>
+          </a:prstGeom>
+          <a:noFill/>
+        </p:spPr>
+        <p:txBody>
+          <a:bodyPr wrap="square" rtlCol="0">
+            <a:spAutoFit/>
+          </a:bodyPr>
+          <a:lstStyle/>
+          <a:p>
+            <a:pPr algn="ctr"/>
+            <a:r>
+              <a:rPr lang="en-US" b="1" dirty="0">
+                <a:solidFill>
+                  <a:schemeClr val="accent5">
+                    <a:lumMod val="50000"/>
+                  </a:schemeClr>
+                </a:solidFill>
+                <a:latin typeface="Segoe Condensed" panose="020B0606040200020203" pitchFamily="34" charset="0"/>
+                <a:cs typeface="Times New Roman" panose="02020603050405020304" pitchFamily="18" charset="0"/>
+              </a:rPr>
+              <a:t>4095</a:t>
+            </a:r>
+          </a:p>
+        </p:txBody>
+      </p:sp>
+      <p:sp>
+        <p:nvSpPr>
+          <p:cNvPr id="50" name="TextBox 49">
+            <a:extLst>
+              <a:ext uri="{FF2B5EF4-FFF2-40B4-BE49-F238E27FC236}">
+                <a16:creationId xmlns:a16="http://schemas.microsoft.com/office/drawing/2014/main" id="{6C82B571-CF4C-EC21-7114-3FD5CC776B88}"/>
+              </a:ext>
+            </a:extLst>
+          </p:cNvPr>
+          <p:cNvSpPr txBox="1"/>
+          <p:nvPr/>
+        </p:nvSpPr>
+        <p:spPr>
+          <a:xfrm>
+            <a:off x="7434961" y="5186462"/>
+            <a:ext cx="684586" cy="369332"/>
+          </a:xfrm>
+          <a:prstGeom prst="rect">
+            <a:avLst/>
+          </a:prstGeom>
+          <a:noFill/>
+        </p:spPr>
+        <p:txBody>
+          <a:bodyPr wrap="square" rtlCol="0">
+            <a:spAutoFit/>
+          </a:bodyPr>
+          <a:lstStyle/>
+          <a:p>
+            <a:pPr algn="ctr"/>
+            <a:r>
+              <a:rPr lang="en-US" b="1" dirty="0">
+                <a:solidFill>
+                  <a:schemeClr val="accent5">
+                    <a:lumMod val="50000"/>
+                  </a:schemeClr>
+                </a:solidFill>
+                <a:latin typeface="Segoe Condensed" panose="020B0606040200020203" pitchFamily="34" charset="0"/>
+                <a:cs typeface="Times New Roman" panose="02020603050405020304" pitchFamily="18" charset="0"/>
+              </a:rPr>
+              <a:t>3276</a:t>
+            </a:r>
+          </a:p>
+        </p:txBody>
+      </p:sp>
+      <p:sp>
+        <p:nvSpPr>
+          <p:cNvPr id="51" name="TextBox 50">
+            <a:extLst>
+              <a:ext uri="{FF2B5EF4-FFF2-40B4-BE49-F238E27FC236}">
+                <a16:creationId xmlns:a16="http://schemas.microsoft.com/office/drawing/2014/main" id="{E0530E77-5009-2F17-111B-D7885823C2FF}"/>
+              </a:ext>
+            </a:extLst>
+          </p:cNvPr>
+          <p:cNvSpPr txBox="1"/>
+          <p:nvPr/>
+        </p:nvSpPr>
+        <p:spPr>
+          <a:xfrm>
+            <a:off x="6123951" y="5186462"/>
+            <a:ext cx="639271" cy="369332"/>
+          </a:xfrm>
+          <a:prstGeom prst="rect">
+            <a:avLst/>
+          </a:prstGeom>
+          <a:noFill/>
+        </p:spPr>
+        <p:txBody>
+          <a:bodyPr wrap="square" rtlCol="0">
+            <a:spAutoFit/>
+          </a:bodyPr>
+          <a:lstStyle/>
+          <a:p>
+            <a:pPr algn="ctr"/>
+            <a:r>
+              <a:rPr lang="en-US" b="1" dirty="0">
+                <a:solidFill>
+                  <a:schemeClr val="accent5">
+                    <a:lumMod val="50000"/>
+                  </a:schemeClr>
+                </a:solidFill>
+                <a:latin typeface="Segoe Condensed" panose="020B0606040200020203" pitchFamily="34" charset="0"/>
+                <a:cs typeface="Times New Roman" panose="02020603050405020304" pitchFamily="18" charset="0"/>
+              </a:rPr>
+              <a:t>2457</a:t>
+            </a:r>
+          </a:p>
+        </p:txBody>
+      </p:sp>
+      <p:sp>
+        <p:nvSpPr>
+          <p:cNvPr id="52" name="TextBox 51">
+            <a:extLst>
+              <a:ext uri="{FF2B5EF4-FFF2-40B4-BE49-F238E27FC236}">
+                <a16:creationId xmlns:a16="http://schemas.microsoft.com/office/drawing/2014/main" id="{0C75693E-364D-7660-0FCE-6B9F8778CA01}"/>
+              </a:ext>
+            </a:extLst>
+          </p:cNvPr>
+          <p:cNvSpPr txBox="1"/>
+          <p:nvPr/>
+        </p:nvSpPr>
+        <p:spPr>
+          <a:xfrm>
+            <a:off x="4770931" y="5186462"/>
+            <a:ext cx="684586" cy="369332"/>
+          </a:xfrm>
+          <a:prstGeom prst="rect">
+            <a:avLst/>
+          </a:prstGeom>
+          <a:noFill/>
+        </p:spPr>
+        <p:txBody>
+          <a:bodyPr wrap="square" rtlCol="0">
+            <a:spAutoFit/>
+          </a:bodyPr>
+          <a:lstStyle/>
+          <a:p>
+            <a:pPr algn="ctr"/>
+            <a:r>
+              <a:rPr lang="en-US" b="1" dirty="0">
+                <a:solidFill>
+                  <a:schemeClr val="accent5">
+                    <a:lumMod val="50000"/>
+                  </a:schemeClr>
+                </a:solidFill>
+                <a:latin typeface="Segoe Condensed" panose="020B0606040200020203" pitchFamily="34" charset="0"/>
+                <a:cs typeface="Times New Roman" panose="02020603050405020304" pitchFamily="18" charset="0"/>
+              </a:rPr>
+              <a:t>1638</a:t>
+            </a:r>
+          </a:p>
+        </p:txBody>
+      </p:sp>
+      <p:sp>
+        <p:nvSpPr>
+          <p:cNvPr id="53" name="TextBox 52">
+            <a:extLst>
+              <a:ext uri="{FF2B5EF4-FFF2-40B4-BE49-F238E27FC236}">
+                <a16:creationId xmlns:a16="http://schemas.microsoft.com/office/drawing/2014/main" id="{3533EA8E-1AB7-FDC7-F38B-77516D30A479}"/>
+              </a:ext>
+            </a:extLst>
+          </p:cNvPr>
+          <p:cNvSpPr txBox="1"/>
+          <p:nvPr/>
+        </p:nvSpPr>
+        <p:spPr>
+          <a:xfrm>
+            <a:off x="3515179" y="5186462"/>
+            <a:ext cx="542166" cy="369332"/>
+          </a:xfrm>
+          <a:prstGeom prst="rect">
+            <a:avLst/>
+          </a:prstGeom>
+          <a:noFill/>
+        </p:spPr>
+        <p:txBody>
+          <a:bodyPr wrap="square" rtlCol="0">
+            <a:spAutoFit/>
+          </a:bodyPr>
+          <a:lstStyle/>
+          <a:p>
+            <a:pPr algn="ctr"/>
+            <a:r>
+              <a:rPr lang="en-US" b="1" dirty="0">
+                <a:solidFill>
+                  <a:schemeClr val="accent5">
+                    <a:lumMod val="50000"/>
+                  </a:schemeClr>
+                </a:solidFill>
+                <a:latin typeface="Segoe Condensed" panose="020B0606040200020203" pitchFamily="34" charset="0"/>
+                <a:cs typeface="Times New Roman" panose="02020603050405020304" pitchFamily="18" charset="0"/>
+              </a:rPr>
+              <a:t>819</a:t>
+            </a:r>
+          </a:p>
+        </p:txBody>
+      </p:sp>
+      <p:sp>
+        <p:nvSpPr>
+          <p:cNvPr id="54" name="TextBox 53">
+            <a:extLst>
+              <a:ext uri="{FF2B5EF4-FFF2-40B4-BE49-F238E27FC236}">
+                <a16:creationId xmlns:a16="http://schemas.microsoft.com/office/drawing/2014/main" id="{D5657977-F1AD-9F1E-0B3F-1D622A9CC98E}"/>
+              </a:ext>
+            </a:extLst>
+          </p:cNvPr>
+          <p:cNvSpPr txBox="1"/>
+          <p:nvPr/>
+        </p:nvSpPr>
+        <p:spPr>
+          <a:xfrm>
+            <a:off x="2375012" y="3754460"/>
+            <a:ext cx="6813494" cy="369332"/>
+          </a:xfrm>
+          <a:prstGeom prst="rect">
+            <a:avLst/>
+          </a:prstGeom>
+          <a:noFill/>
+        </p:spPr>
+        <p:txBody>
+          <a:bodyPr wrap="square" rtlCol="0">
+            <a:spAutoFit/>
+          </a:bodyPr>
+          <a:lstStyle/>
+          <a:p>
+            <a:pPr algn="ctr"/>
+            <a:r>
+              <a:rPr lang="en-US" dirty="0">
+                <a:solidFill>
+                  <a:srgbClr val="002060"/>
+                </a:solidFill>
+                <a:latin typeface="Bebas Neue" panose="020B0606020202050201" pitchFamily="34" charset="0"/>
+              </a:rPr>
+              <a:t>Voltage Values</a:t>
+            </a:r>
+          </a:p>
+        </p:txBody>
+      </p:sp>
+      <p:sp>
+        <p:nvSpPr>
+          <p:cNvPr id="55" name="TextBox 54">
+            <a:extLst>
+              <a:ext uri="{FF2B5EF4-FFF2-40B4-BE49-F238E27FC236}">
+                <a16:creationId xmlns:a16="http://schemas.microsoft.com/office/drawing/2014/main" id="{9FA0B7DD-E0A7-E0A1-0421-27638F9DB05B}"/>
+              </a:ext>
+            </a:extLst>
+          </p:cNvPr>
+          <p:cNvSpPr txBox="1"/>
+          <p:nvPr/>
+        </p:nvSpPr>
+        <p:spPr>
+          <a:xfrm>
+            <a:off x="2375012" y="5539184"/>
+            <a:ext cx="6813494" cy="369332"/>
+          </a:xfrm>
+          <a:prstGeom prst="rect">
+            <a:avLst/>
+          </a:prstGeom>
+          <a:noFill/>
+        </p:spPr>
+        <p:txBody>
+          <a:bodyPr wrap="square" rtlCol="0">
+            <a:spAutoFit/>
+          </a:bodyPr>
+          <a:lstStyle/>
+          <a:p>
+            <a:pPr algn="ctr"/>
+            <a:r>
+              <a:rPr lang="en-US" dirty="0">
+                <a:solidFill>
+                  <a:srgbClr val="002060"/>
+                </a:solidFill>
+                <a:latin typeface="Bebas Neue" panose="020B0606020202050201" pitchFamily="34" charset="0"/>
+              </a:rPr>
+              <a:t>analog Values</a:t>
+            </a:r>
+          </a:p>
+        </p:txBody>
+      </p:sp>
+      <p:cxnSp>
+        <p:nvCxnSpPr>
+          <p:cNvPr id="56" name="Straight Connector 55">
+            <a:extLst>
+              <a:ext uri="{FF2B5EF4-FFF2-40B4-BE49-F238E27FC236}">
+                <a16:creationId xmlns:a16="http://schemas.microsoft.com/office/drawing/2014/main" id="{F4BAAA5A-A714-723B-C1C8-CDD8B6933C31}"/>
+              </a:ext>
+            </a:extLst>
+          </p:cNvPr>
+          <p:cNvCxnSpPr>
+            <a:cxnSpLocks/>
+          </p:cNvCxnSpPr>
+          <p:nvPr/>
+        </p:nvCxnSpPr>
+        <p:spPr>
+          <a:xfrm>
+            <a:off x="2184850" y="4801416"/>
+            <a:ext cx="7141221" cy="0"/>
+          </a:xfrm>
+          <a:prstGeom prst="line">
+            <a:avLst/>
+          </a:prstGeom>
+        </p:spPr>
+        <p:style>
+          <a:lnRef idx="1">
+            <a:schemeClr val="accent1"/>
+          </a:lnRef>
+          <a:fillRef idx="0">
+            <a:schemeClr val="accent1"/>
+          </a:fillRef>
+          <a:effectRef idx="0">
+            <a:schemeClr val="accent1"/>
+          </a:effectRef>
+          <a:fontRef idx="minor">
+            <a:schemeClr val="tx1"/>
+          </a:fontRef>
+        </p:style>
+      </p:cxnSp>
+      <p:sp>
+        <p:nvSpPr>
+          <p:cNvPr id="57" name="Freeform: Shape 56">
+            <a:extLst>
+              <a:ext uri="{FF2B5EF4-FFF2-40B4-BE49-F238E27FC236}">
+                <a16:creationId xmlns:a16="http://schemas.microsoft.com/office/drawing/2014/main" id="{B93EF0B8-E777-ABE0-3F61-D28FF221E2AF}"/>
+              </a:ext>
+            </a:extLst>
+          </p:cNvPr>
+          <p:cNvSpPr/>
+          <p:nvPr/>
+        </p:nvSpPr>
+        <p:spPr>
+          <a:xfrm>
+            <a:off x="2450681" y="3904753"/>
+            <a:ext cx="2560320" cy="127321"/>
+          </a:xfrm>
+          <a:custGeom>
+            <a:avLst/>
+            <a:gdLst>
+              <a:gd name="connsiteX0" fmla="*/ 0 w 2494344"/>
+              <a:gd name="connsiteY0" fmla="*/ 127321 h 127321"/>
+              <a:gd name="connsiteX1" fmla="*/ 0 w 2494344"/>
+              <a:gd name="connsiteY1" fmla="*/ 0 h 127321"/>
+              <a:gd name="connsiteX2" fmla="*/ 2494344 w 2494344"/>
+              <a:gd name="connsiteY2" fmla="*/ 0 h 127321"/>
+            </a:gdLst>
+            <a:ahLst/>
+            <a:cxnLst>
+              <a:cxn ang="0">
+                <a:pos x="connsiteX0" y="connsiteY0"/>
+              </a:cxn>
+              <a:cxn ang="0">
+                <a:pos x="connsiteX1" y="connsiteY1"/>
+              </a:cxn>
+              <a:cxn ang="0">
+                <a:pos x="connsiteX2" y="connsiteY2"/>
+              </a:cxn>
+            </a:cxnLst>
+            <a:rect l="l" t="t" r="r" b="b"/>
+            <a:pathLst>
+              <a:path w="2494344" h="127321">
+                <a:moveTo>
+                  <a:pt x="0" y="127321"/>
+                </a:moveTo>
+                <a:lnTo>
+                  <a:pt x="0" y="0"/>
+                </a:lnTo>
+                <a:lnTo>
+                  <a:pt x="2494344" y="0"/>
+                </a:lnTo>
+              </a:path>
+            </a:pathLst>
+          </a:custGeom>
+          <a:noFill/>
+          <a:ln>
+            <a:solidFill>
+              <a:srgbClr val="002060"/>
+            </a:solidFill>
+          </a:ln>
+        </p:spPr>
+        <p:style>
+          <a:lnRef idx="2">
+            <a:schemeClr val="accent1">
+              <a:shade val="50000"/>
+            </a:schemeClr>
+          </a:lnRef>
+          <a:fillRef idx="1">
+            <a:schemeClr val="accent1"/>
+          </a:fillRef>
+          <a:effectRef idx="0">
+            <a:schemeClr val="accent1"/>
+          </a:effectRef>
+          <a:fontRef idx="minor">
+            <a:schemeClr val="lt1"/>
+          </a:fontRef>
+        </p:style>
+        <p:txBody>
+          <a:bodyPr rtlCol="0" anchor="ctr"/>
+          <a:lstStyle/>
+          <a:p>
+            <a:pPr algn="ctr"/>
+            <a:endParaRPr lang="en-US"/>
+          </a:p>
+        </p:txBody>
+      </p:sp>
+      <p:sp>
+        <p:nvSpPr>
+          <p:cNvPr id="58" name="Freeform: Shape 57">
+            <a:extLst>
+              <a:ext uri="{FF2B5EF4-FFF2-40B4-BE49-F238E27FC236}">
+                <a16:creationId xmlns:a16="http://schemas.microsoft.com/office/drawing/2014/main" id="{AC5ECB9F-659B-009F-58A4-86E59FEB3E27}"/>
+              </a:ext>
+            </a:extLst>
+          </p:cNvPr>
+          <p:cNvSpPr/>
+          <p:nvPr/>
+        </p:nvSpPr>
+        <p:spPr>
+          <a:xfrm flipH="1">
+            <a:off x="6547265" y="3904753"/>
+            <a:ext cx="2560320" cy="127321"/>
+          </a:xfrm>
+          <a:custGeom>
+            <a:avLst/>
+            <a:gdLst>
+              <a:gd name="connsiteX0" fmla="*/ 0 w 2494344"/>
+              <a:gd name="connsiteY0" fmla="*/ 127321 h 127321"/>
+              <a:gd name="connsiteX1" fmla="*/ 0 w 2494344"/>
+              <a:gd name="connsiteY1" fmla="*/ 0 h 127321"/>
+              <a:gd name="connsiteX2" fmla="*/ 2494344 w 2494344"/>
+              <a:gd name="connsiteY2" fmla="*/ 0 h 127321"/>
+            </a:gdLst>
+            <a:ahLst/>
+            <a:cxnLst>
+              <a:cxn ang="0">
+                <a:pos x="connsiteX0" y="connsiteY0"/>
+              </a:cxn>
+              <a:cxn ang="0">
+                <a:pos x="connsiteX1" y="connsiteY1"/>
+              </a:cxn>
+              <a:cxn ang="0">
+                <a:pos x="connsiteX2" y="connsiteY2"/>
+              </a:cxn>
+            </a:cxnLst>
+            <a:rect l="l" t="t" r="r" b="b"/>
+            <a:pathLst>
+              <a:path w="2494344" h="127321">
+                <a:moveTo>
+                  <a:pt x="0" y="127321"/>
+                </a:moveTo>
+                <a:lnTo>
+                  <a:pt x="0" y="0"/>
+                </a:lnTo>
+                <a:lnTo>
+                  <a:pt x="2494344" y="0"/>
+                </a:lnTo>
+              </a:path>
+            </a:pathLst>
+          </a:custGeom>
+          <a:noFill/>
+          <a:ln>
+            <a:solidFill>
+              <a:srgbClr val="002060"/>
+            </a:solidFill>
+          </a:ln>
+        </p:spPr>
+        <p:style>
+          <a:lnRef idx="2">
+            <a:schemeClr val="accent1">
+              <a:shade val="50000"/>
+            </a:schemeClr>
+          </a:lnRef>
+          <a:fillRef idx="1">
+            <a:schemeClr val="accent1"/>
+          </a:fillRef>
+          <a:effectRef idx="0">
+            <a:schemeClr val="accent1"/>
+          </a:effectRef>
+          <a:fontRef idx="minor">
+            <a:schemeClr val="lt1"/>
+          </a:fontRef>
+        </p:style>
+        <p:txBody>
+          <a:bodyPr rtlCol="0" anchor="ctr"/>
+          <a:lstStyle/>
+          <a:p>
+            <a:pPr algn="ctr"/>
+            <a:endParaRPr lang="en-US"/>
+          </a:p>
+        </p:txBody>
+      </p:sp>
+      <p:sp>
+        <p:nvSpPr>
+          <p:cNvPr id="59" name="Freeform: Shape 58">
+            <a:extLst>
+              <a:ext uri="{FF2B5EF4-FFF2-40B4-BE49-F238E27FC236}">
+                <a16:creationId xmlns:a16="http://schemas.microsoft.com/office/drawing/2014/main" id="{2883D45D-3898-31C8-0D10-FA1F1FC5FF8F}"/>
+              </a:ext>
+            </a:extLst>
+          </p:cNvPr>
+          <p:cNvSpPr/>
+          <p:nvPr/>
+        </p:nvSpPr>
+        <p:spPr>
+          <a:xfrm flipV="1">
+            <a:off x="2450681" y="5639703"/>
+            <a:ext cx="2560320" cy="127321"/>
+          </a:xfrm>
+          <a:custGeom>
+            <a:avLst/>
+            <a:gdLst>
+              <a:gd name="connsiteX0" fmla="*/ 0 w 2494344"/>
+              <a:gd name="connsiteY0" fmla="*/ 127321 h 127321"/>
+              <a:gd name="connsiteX1" fmla="*/ 0 w 2494344"/>
+              <a:gd name="connsiteY1" fmla="*/ 0 h 127321"/>
+              <a:gd name="connsiteX2" fmla="*/ 2494344 w 2494344"/>
+              <a:gd name="connsiteY2" fmla="*/ 0 h 127321"/>
+            </a:gdLst>
+            <a:ahLst/>
+            <a:cxnLst>
+              <a:cxn ang="0">
+                <a:pos x="connsiteX0" y="connsiteY0"/>
+              </a:cxn>
+              <a:cxn ang="0">
+                <a:pos x="connsiteX1" y="connsiteY1"/>
+              </a:cxn>
+              <a:cxn ang="0">
+                <a:pos x="connsiteX2" y="connsiteY2"/>
+              </a:cxn>
+            </a:cxnLst>
+            <a:rect l="l" t="t" r="r" b="b"/>
+            <a:pathLst>
+              <a:path w="2494344" h="127321">
+                <a:moveTo>
+                  <a:pt x="0" y="127321"/>
+                </a:moveTo>
+                <a:lnTo>
+                  <a:pt x="0" y="0"/>
+                </a:lnTo>
+                <a:lnTo>
+                  <a:pt x="2494344" y="0"/>
+                </a:lnTo>
+              </a:path>
+            </a:pathLst>
+          </a:custGeom>
+          <a:noFill/>
+          <a:ln>
+            <a:solidFill>
+              <a:srgbClr val="002060"/>
+            </a:solidFill>
+          </a:ln>
+        </p:spPr>
+        <p:style>
+          <a:lnRef idx="2">
+            <a:schemeClr val="accent1">
+              <a:shade val="50000"/>
+            </a:schemeClr>
+          </a:lnRef>
+          <a:fillRef idx="1">
+            <a:schemeClr val="accent1"/>
+          </a:fillRef>
+          <a:effectRef idx="0">
+            <a:schemeClr val="accent1"/>
+          </a:effectRef>
+          <a:fontRef idx="minor">
+            <a:schemeClr val="lt1"/>
+          </a:fontRef>
+        </p:style>
+        <p:txBody>
+          <a:bodyPr rtlCol="0" anchor="ctr"/>
+          <a:lstStyle/>
+          <a:p>
+            <a:pPr algn="ctr"/>
+            <a:endParaRPr lang="en-US"/>
+          </a:p>
+        </p:txBody>
+      </p:sp>
+      <p:sp>
+        <p:nvSpPr>
+          <p:cNvPr id="60" name="Freeform: Shape 59">
+            <a:extLst>
+              <a:ext uri="{FF2B5EF4-FFF2-40B4-BE49-F238E27FC236}">
+                <a16:creationId xmlns:a16="http://schemas.microsoft.com/office/drawing/2014/main" id="{AF964CAE-1E42-2664-EF4D-80A4990F3AF4}"/>
+              </a:ext>
+            </a:extLst>
+          </p:cNvPr>
+          <p:cNvSpPr/>
+          <p:nvPr/>
+        </p:nvSpPr>
+        <p:spPr>
+          <a:xfrm flipH="1" flipV="1">
+            <a:off x="6547265" y="5639703"/>
+            <a:ext cx="2560320" cy="127321"/>
+          </a:xfrm>
+          <a:custGeom>
+            <a:avLst/>
+            <a:gdLst>
+              <a:gd name="connsiteX0" fmla="*/ 0 w 2494344"/>
+              <a:gd name="connsiteY0" fmla="*/ 127321 h 127321"/>
+              <a:gd name="connsiteX1" fmla="*/ 0 w 2494344"/>
+              <a:gd name="connsiteY1" fmla="*/ 0 h 127321"/>
+              <a:gd name="connsiteX2" fmla="*/ 2494344 w 2494344"/>
+              <a:gd name="connsiteY2" fmla="*/ 0 h 127321"/>
+            </a:gdLst>
+            <a:ahLst/>
+            <a:cxnLst>
+              <a:cxn ang="0">
+                <a:pos x="connsiteX0" y="connsiteY0"/>
+              </a:cxn>
+              <a:cxn ang="0">
+                <a:pos x="connsiteX1" y="connsiteY1"/>
+              </a:cxn>
+              <a:cxn ang="0">
+                <a:pos x="connsiteX2" y="connsiteY2"/>
+              </a:cxn>
+            </a:cxnLst>
+            <a:rect l="l" t="t" r="r" b="b"/>
+            <a:pathLst>
+              <a:path w="2494344" h="127321">
+                <a:moveTo>
+                  <a:pt x="0" y="127321"/>
+                </a:moveTo>
+                <a:lnTo>
+                  <a:pt x="0" y="0"/>
+                </a:lnTo>
+                <a:lnTo>
+                  <a:pt x="2494344" y="0"/>
+                </a:lnTo>
+              </a:path>
+            </a:pathLst>
+          </a:custGeom>
+          <a:noFill/>
+          <a:ln>
+            <a:solidFill>
+              <a:srgbClr val="002060"/>
+            </a:solidFill>
+          </a:ln>
+        </p:spPr>
+        <p:style>
+          <a:lnRef idx="2">
+            <a:schemeClr val="accent1">
+              <a:shade val="50000"/>
+            </a:schemeClr>
+          </a:lnRef>
+          <a:fillRef idx="1">
+            <a:schemeClr val="accent1"/>
+          </a:fillRef>
+          <a:effectRef idx="0">
+            <a:schemeClr val="accent1"/>
+          </a:effectRef>
+          <a:fontRef idx="minor">
+            <a:schemeClr val="lt1"/>
+          </a:fontRef>
+        </p:style>
+        <p:txBody>
+          <a:bodyPr rtlCol="0" anchor="ctr"/>
+          <a:lstStyle/>
+          <a:p>
+            <a:pPr algn="ctr"/>
+            <a:endParaRPr lang="en-US"/>
+          </a:p>
+        </p:txBody>
+      </p:sp>
+      <mc:AlternateContent xmlns:mc="http://schemas.openxmlformats.org/markup-compatibility/2006">
+        <mc:Choice xmlns:a14="http://schemas.microsoft.com/office/drawing/2010/main" Requires="a14">
+          <p:sp>
+            <p:nvSpPr>
+              <p:cNvPr id="61" name="TextBox 60">
+                <a:extLst>
+                  <a:ext uri="{FF2B5EF4-FFF2-40B4-BE49-F238E27FC236}">
+                    <a16:creationId xmlns:a16="http://schemas.microsoft.com/office/drawing/2014/main" id="{79766B36-8756-3F8E-4AC9-ABF03CA6626E}"/>
+                  </a:ext>
+                </a:extLst>
+              </p:cNvPr>
+              <p:cNvSpPr txBox="1"/>
+              <p:nvPr/>
+            </p:nvSpPr>
+            <p:spPr>
+              <a:xfrm>
+                <a:off x="9787753" y="4406219"/>
+                <a:ext cx="1714984" cy="1664815"/>
+              </a:xfrm>
+              <a:prstGeom prst="rect">
+                <a:avLst/>
+              </a:prstGeom>
+              <a:noFill/>
+            </p:spPr>
+            <p:txBody>
+              <a:bodyPr wrap="square" lIns="0" tIns="0" rIns="0" bIns="0" rtlCol="0">
+                <a:spAutoFit/>
+              </a:bodyPr>
+              <a:lstStyle/>
+              <a:p>
+                <a:pPr algn="r">
+                  <a:spcAft>
+                    <a:spcPts val="800"/>
+                  </a:spcAft>
+                </a:pPr>
+                <a14:m>
+                  <m:oMathPara xmlns:m="http://schemas.openxmlformats.org/officeDocument/2006/math">
+                    <m:oMathParaPr>
+                      <m:jc m:val="left"/>
+                    </m:oMathParaPr>
+                    <m:oMath xmlns:m="http://schemas.openxmlformats.org/officeDocument/2006/math">
+                      <m:r>
+                        <a:rPr lang="en-US" i="1" smtClean="0">
+                          <a:latin typeface="Cambria Math" panose="02040503050406030204" pitchFamily="18" charset="0"/>
+                        </a:rPr>
+                        <m:t>=</m:t>
+                      </m:r>
+                      <m:f>
+                        <m:fPr>
+                          <m:ctrlPr>
+                            <a:rPr lang="en-US" i="1" smtClean="0">
+                              <a:latin typeface="Cambria Math" panose="02040503050406030204" pitchFamily="18" charset="0"/>
+                            </a:rPr>
+                          </m:ctrlPr>
+                        </m:fPr>
+                        <m:num>
+                          <m:r>
+                            <a:rPr lang="en-US" b="0" i="1" smtClean="0">
+                              <a:latin typeface="Cambria Math" panose="02040503050406030204" pitchFamily="18" charset="0"/>
+                            </a:rPr>
+                            <m:t>5</m:t>
+                          </m:r>
+                          <m:r>
+                            <a:rPr lang="en-US" b="0" i="1" smtClean="0">
+                              <a:latin typeface="Cambria Math" panose="02040503050406030204" pitchFamily="18" charset="0"/>
+                            </a:rPr>
+                            <m:t>𝑉</m:t>
+                          </m:r>
+                        </m:num>
+                        <m:den>
+                          <m:r>
+                            <a:rPr lang="en-US" b="0" i="1" smtClean="0">
+                              <a:latin typeface="Cambria Math" panose="02040503050406030204" pitchFamily="18" charset="0"/>
+                            </a:rPr>
+                            <m:t>4095</m:t>
+                          </m:r>
+                        </m:den>
+                      </m:f>
+                    </m:oMath>
+                  </m:oMathPara>
+                </a14:m>
+                <a:endParaRPr lang="en-US" i="1" dirty="0">
+                  <a:latin typeface="Cambria Math" panose="02040503050406030204" pitchFamily="18" charset="0"/>
+                </a:endParaRPr>
+              </a:p>
+              <a:p>
+                <a:pPr algn="r">
+                  <a:spcAft>
+                    <a:spcPts val="800"/>
+                  </a:spcAft>
+                </a:pPr>
+                <a14:m>
+                  <m:oMathPara xmlns:m="http://schemas.openxmlformats.org/officeDocument/2006/math">
+                    <m:oMathParaPr>
+                      <m:jc m:val="left"/>
+                    </m:oMathParaPr>
+                    <m:oMath xmlns:m="http://schemas.openxmlformats.org/officeDocument/2006/math">
+                      <m:r>
+                        <a:rPr lang="en-US" b="0" i="1" smtClean="0">
+                          <a:latin typeface="Cambria Math" panose="02040503050406030204" pitchFamily="18" charset="0"/>
+                        </a:rPr>
+                        <m:t>=0.00</m:t>
+                      </m:r>
+                      <m:r>
+                        <a:rPr lang="en-US" b="0" i="1" smtClean="0">
+                          <a:latin typeface="Cambria Math" panose="02040503050406030204" pitchFamily="18" charset="0"/>
+                        </a:rPr>
+                        <m:t>12</m:t>
+                      </m:r>
+                      <m:r>
+                        <a:rPr lang="en-US" b="0" i="1" smtClean="0">
+                          <a:latin typeface="Cambria Math" panose="02040503050406030204" pitchFamily="18" charset="0"/>
+                        </a:rPr>
+                        <m:t>𝑉</m:t>
+                      </m:r>
+                    </m:oMath>
+                  </m:oMathPara>
+                </a14:m>
+                <a:endParaRPr lang="en-US" b="0" i="1" dirty="0">
+                  <a:latin typeface="Cambria Math" panose="02040503050406030204" pitchFamily="18" charset="0"/>
+                </a:endParaRPr>
+              </a:p>
+              <a:p>
+                <a:pPr algn="r">
+                  <a:spcAft>
+                    <a:spcPts val="800"/>
+                  </a:spcAft>
+                </a:pPr>
+                <a14:m>
+                  <m:oMathPara xmlns:m="http://schemas.openxmlformats.org/officeDocument/2006/math">
+                    <m:oMathParaPr>
+                      <m:jc m:val="left"/>
+                    </m:oMathParaPr>
+                    <m:oMath xmlns:m="http://schemas.openxmlformats.org/officeDocument/2006/math">
+                      <m:r>
+                        <a:rPr lang="en-US" b="0" i="1" smtClean="0">
+                          <a:latin typeface="Cambria Math" panose="02040503050406030204" pitchFamily="18" charset="0"/>
+                        </a:rPr>
+                        <m:t>=</m:t>
+                      </m:r>
+                      <m:r>
+                        <a:rPr lang="en-US" b="0" i="1" smtClean="0">
+                          <a:latin typeface="Cambria Math" panose="02040503050406030204" pitchFamily="18" charset="0"/>
+                        </a:rPr>
+                        <m:t>1</m:t>
+                      </m:r>
+                      <m:r>
+                        <a:rPr lang="en-US" b="0" i="1" smtClean="0">
+                          <a:latin typeface="Cambria Math" panose="02040503050406030204" pitchFamily="18" charset="0"/>
+                        </a:rPr>
+                        <m:t>.</m:t>
+                      </m:r>
+                      <m:r>
+                        <a:rPr lang="en-US" b="0" i="1" smtClean="0">
+                          <a:latin typeface="Cambria Math" panose="02040503050406030204" pitchFamily="18" charset="0"/>
+                        </a:rPr>
+                        <m:t>2</m:t>
+                      </m:r>
+                      <m:r>
+                        <a:rPr lang="en-US" b="0" i="1" smtClean="0">
+                          <a:latin typeface="Cambria Math" panose="02040503050406030204" pitchFamily="18" charset="0"/>
+                        </a:rPr>
+                        <m:t>𝑚𝑉</m:t>
+                      </m:r>
+                    </m:oMath>
+                  </m:oMathPara>
+                </a14:m>
+                <a:endParaRPr lang="en-US" b="0" dirty="0"/>
+              </a:p>
+              <a:p>
+                <a:pPr algn="r">
+                  <a:spcAft>
+                    <a:spcPts val="1400"/>
+                  </a:spcAft>
+                </a:pPr>
+                <a:endParaRPr lang="en-US" b="0" dirty="0"/>
+              </a:p>
+            </p:txBody>
+          </p:sp>
+        </mc:Choice>
+        <mc:Fallback>
+          <p:sp>
+            <p:nvSpPr>
+              <p:cNvPr id="61" name="TextBox 60">
+                <a:extLst>
+                  <a:ext uri="{FF2B5EF4-FFF2-40B4-BE49-F238E27FC236}">
+                    <a16:creationId xmlns:a16="http://schemas.microsoft.com/office/drawing/2014/main" id="{79766B36-8756-3F8E-4AC9-ABF03CA6626E}"/>
+                  </a:ext>
+                </a:extLst>
+              </p:cNvPr>
+              <p:cNvSpPr txBox="1">
+                <a:spLocks noRot="1" noChangeAspect="1" noMove="1" noResize="1" noEditPoints="1" noAdjustHandles="1" noChangeArrowheads="1" noChangeShapeType="1" noTextEdit="1"/>
+              </p:cNvSpPr>
+              <p:nvPr/>
+            </p:nvSpPr>
+            <p:spPr>
+              <a:xfrm>
+                <a:off x="9787753" y="4406219"/>
+                <a:ext cx="1714984" cy="1664815"/>
+              </a:xfrm>
+              <a:prstGeom prst="rect">
+                <a:avLst/>
+              </a:prstGeom>
+              <a:blipFill>
+                <a:blip r:embed="rId3"/>
+                <a:stretch>
+                  <a:fillRect/>
+                </a:stretch>
+              </a:blipFill>
+            </p:spPr>
+            <p:txBody>
+              <a:bodyPr/>
+              <a:lstStyle/>
+              <a:p>
+                <a:r>
+                  <a:rPr lang="en-US">
+                    <a:noFill/>
+                  </a:rPr>
+                  <a:t> </a:t>
+                </a:r>
+              </a:p>
+            </p:txBody>
+          </p:sp>
+        </mc:Fallback>
+      </mc:AlternateContent>
+      <p:sp>
+        <p:nvSpPr>
+          <p:cNvPr id="62" name="TextBox 61">
+            <a:extLst>
+              <a:ext uri="{FF2B5EF4-FFF2-40B4-BE49-F238E27FC236}">
+                <a16:creationId xmlns:a16="http://schemas.microsoft.com/office/drawing/2014/main" id="{294B275A-4796-84A8-99D0-C328F6E4419E}"/>
+              </a:ext>
+            </a:extLst>
+          </p:cNvPr>
+          <p:cNvSpPr txBox="1"/>
+          <p:nvPr/>
+        </p:nvSpPr>
+        <p:spPr>
+          <a:xfrm>
+            <a:off x="9721532" y="3834844"/>
+            <a:ext cx="2446773" cy="523220"/>
+          </a:xfrm>
+          <a:prstGeom prst="rect">
+            <a:avLst/>
+          </a:prstGeom>
+          <a:noFill/>
+        </p:spPr>
+        <p:txBody>
+          <a:bodyPr wrap="square" rtlCol="0">
+            <a:spAutoFit/>
+          </a:bodyPr>
+          <a:lstStyle/>
+          <a:p>
+            <a:r>
+              <a:rPr lang="en-US" sz="1600" b="1" dirty="0">
+                <a:latin typeface="Segoe Condensed" panose="020B0606040200020203" pitchFamily="34" charset="0"/>
+              </a:rPr>
+              <a:t>Analog Read Resolution</a:t>
+            </a:r>
+          </a:p>
+          <a:p>
+            <a:r>
+              <a:rPr lang="en-US" sz="1200" dirty="0">
+                <a:latin typeface="Segoe Condensed" panose="020B0606040200020203" pitchFamily="34" charset="0"/>
+              </a:rPr>
+              <a:t>5V, 12-bit ADC</a:t>
+            </a:r>
+          </a:p>
+        </p:txBody>
+      </p:sp>
+      <p:sp>
+        <p:nvSpPr>
+          <p:cNvPr id="63" name="TextBox 62">
+            <a:extLst>
+              <a:ext uri="{FF2B5EF4-FFF2-40B4-BE49-F238E27FC236}">
+                <a16:creationId xmlns:a16="http://schemas.microsoft.com/office/drawing/2014/main" id="{D6A529BA-67D2-1C71-DF9A-A355ACE6F918}"/>
+              </a:ext>
+            </a:extLst>
+          </p:cNvPr>
+          <p:cNvSpPr txBox="1"/>
+          <p:nvPr/>
+        </p:nvSpPr>
+        <p:spPr>
+          <a:xfrm>
+            <a:off x="10602389" y="5349494"/>
+            <a:ext cx="1391697" cy="369332"/>
+          </a:xfrm>
+          <a:prstGeom prst="rect">
+            <a:avLst/>
+          </a:prstGeom>
+          <a:noFill/>
+        </p:spPr>
+        <p:txBody>
+          <a:bodyPr wrap="square" rtlCol="0">
+            <a:spAutoFit/>
+          </a:bodyPr>
+          <a:lstStyle/>
+          <a:p>
+            <a:r>
+              <a:rPr lang="en-US" sz="1400" dirty="0">
+                <a:latin typeface="Segoe Condensed" panose="020B0606040200020203" pitchFamily="34" charset="0"/>
+              </a:rPr>
+              <a:t>per</a:t>
+            </a:r>
+            <a:r>
+              <a:rPr lang="en-US" dirty="0"/>
+              <a:t> </a:t>
+            </a:r>
+            <a:r>
+              <a:rPr lang="en-US" sz="1400" dirty="0">
+                <a:latin typeface="Segoe Condensed" panose="020B0606040200020203" pitchFamily="34" charset="0"/>
+              </a:rPr>
+              <a:t>value</a:t>
+            </a:r>
+          </a:p>
+        </p:txBody>
+      </p:sp>
     </p:spTree>
     <p:extLst>
       <p:ext uri="{BB962C8B-B14F-4D97-AF65-F5344CB8AC3E}">
-        <p14:creationId xmlns:p14="http://schemas.microsoft.com/office/powerpoint/2010/main" val="842815892"/>
+        <p14:creationId xmlns:p14="http://schemas.microsoft.com/office/powerpoint/2010/main" val="1750500885"/>
+      </p:ext>
+    </p:extLst>
+  </p:cSld>
+  <p:clrMapOvr>
+    <a:masterClrMapping/>
+  </p:clrMapOvr>
+</p:sld>
+</file>
+
+<file path=ppt/slides/slide7.xml><?xml version="1.0" encoding="utf-8"?>
+<p:sld xmlns:a="http://schemas.openxmlformats.org/drawingml/2006/main" xmlns:r="http://schemas.openxmlformats.org/officeDocument/2006/relationships" xmlns:p="http://schemas.openxmlformats.org/presentationml/2006/main">
+  <p:cSld>
+    <p:spTree>
+      <p:nvGrpSpPr>
+        <p:cNvPr id="1" name=""/>
+        <p:cNvGrpSpPr/>
+        <p:nvPr/>
+      </p:nvGrpSpPr>
+      <p:grpSpPr>
+        <a:xfrm>
+          <a:off x="0" y="0"/>
+          <a:ext cx="0" cy="0"/>
+          <a:chOff x="0" y="0"/>
+          <a:chExt cx="0" cy="0"/>
+        </a:xfrm>
+      </p:grpSpPr>
+      <p:sp>
+        <p:nvSpPr>
+          <p:cNvPr id="33" name="Rectangle: Rounded Corners 32">
+            <a:extLst>
+              <a:ext uri="{FF2B5EF4-FFF2-40B4-BE49-F238E27FC236}">
+                <a16:creationId xmlns:a16="http://schemas.microsoft.com/office/drawing/2014/main" id="{43E54758-96F0-7E78-46E1-B4C1E0877028}"/>
+              </a:ext>
+            </a:extLst>
+          </p:cNvPr>
+          <p:cNvSpPr/>
+          <p:nvPr/>
+        </p:nvSpPr>
+        <p:spPr>
+          <a:xfrm>
+            <a:off x="9721780" y="361741"/>
+            <a:ext cx="1969477" cy="1912552"/>
+          </a:xfrm>
+          <a:prstGeom prst="roundRect">
+            <a:avLst>
+              <a:gd name="adj" fmla="val 5736"/>
+            </a:avLst>
+          </a:prstGeom>
+          <a:solidFill>
+            <a:schemeClr val="bg1">
+              <a:lumMod val="95000"/>
+            </a:schemeClr>
+          </a:solidFill>
+          <a:ln w="6350">
+            <a:solidFill>
+              <a:schemeClr val="bg1">
+                <a:lumMod val="50000"/>
+              </a:schemeClr>
+            </a:solidFill>
+          </a:ln>
+        </p:spPr>
+        <p:style>
+          <a:lnRef idx="2">
+            <a:schemeClr val="accent1">
+              <a:shade val="15000"/>
+            </a:schemeClr>
+          </a:lnRef>
+          <a:fillRef idx="1">
+            <a:schemeClr val="accent1"/>
+          </a:fillRef>
+          <a:effectRef idx="0">
+            <a:schemeClr val="accent1"/>
+          </a:effectRef>
+          <a:fontRef idx="minor">
+            <a:schemeClr val="lt1"/>
+          </a:fontRef>
+        </p:style>
+        <p:txBody>
+          <a:bodyPr rtlCol="0" anchor="ctr"/>
+          <a:lstStyle/>
+          <a:p>
+            <a:pPr algn="ctr"/>
+            <a:endParaRPr lang="en-US"/>
+          </a:p>
+        </p:txBody>
+      </p:sp>
+      <p:sp>
+        <p:nvSpPr>
+          <p:cNvPr id="4" name="Rectangle 3">
+            <a:extLst>
+              <a:ext uri="{FF2B5EF4-FFF2-40B4-BE49-F238E27FC236}">
+                <a16:creationId xmlns:a16="http://schemas.microsoft.com/office/drawing/2014/main" id="{17409999-D099-4160-BBB0-D515F0C09B0D}"/>
+              </a:ext>
+            </a:extLst>
+          </p:cNvPr>
+          <p:cNvSpPr/>
+          <p:nvPr/>
+        </p:nvSpPr>
+        <p:spPr>
+          <a:xfrm>
+            <a:off x="2455933" y="1122569"/>
+            <a:ext cx="6651653" cy="400556"/>
+          </a:xfrm>
+          <a:prstGeom prst="rect">
+            <a:avLst/>
+          </a:prstGeom>
+          <a:solidFill>
+            <a:schemeClr val="accent5">
+              <a:lumMod val="60000"/>
+              <a:lumOff val="40000"/>
+            </a:schemeClr>
+          </a:solidFill>
+          <a:ln>
+            <a:noFill/>
+          </a:ln>
+        </p:spPr>
+        <p:style>
+          <a:lnRef idx="2">
+            <a:schemeClr val="accent1">
+              <a:shade val="50000"/>
+            </a:schemeClr>
+          </a:lnRef>
+          <a:fillRef idx="1">
+            <a:schemeClr val="accent1"/>
+          </a:fillRef>
+          <a:effectRef idx="0">
+            <a:schemeClr val="accent1"/>
+          </a:effectRef>
+          <a:fontRef idx="minor">
+            <a:schemeClr val="lt1"/>
+          </a:fontRef>
+        </p:style>
+        <p:txBody>
+          <a:bodyPr rtlCol="0" anchor="ctr"/>
+          <a:lstStyle/>
+          <a:p>
+            <a:pPr algn="ctr"/>
+            <a:endParaRPr lang="en-US"/>
+          </a:p>
+        </p:txBody>
+      </p:sp>
+      <p:sp>
+        <p:nvSpPr>
+          <p:cNvPr id="6" name="TextBox 5">
+            <a:extLst>
+              <a:ext uri="{FF2B5EF4-FFF2-40B4-BE49-F238E27FC236}">
+                <a16:creationId xmlns:a16="http://schemas.microsoft.com/office/drawing/2014/main" id="{4F9A4A56-09B9-4FF7-B4BE-F8940CF75A50}"/>
+              </a:ext>
+            </a:extLst>
+          </p:cNvPr>
+          <p:cNvSpPr txBox="1"/>
+          <p:nvPr/>
+        </p:nvSpPr>
+        <p:spPr>
+          <a:xfrm>
+            <a:off x="2184850" y="582630"/>
+            <a:ext cx="542166" cy="369332"/>
+          </a:xfrm>
+          <a:prstGeom prst="rect">
+            <a:avLst/>
+          </a:prstGeom>
+          <a:noFill/>
+        </p:spPr>
+        <p:txBody>
+          <a:bodyPr wrap="square" rtlCol="0">
+            <a:spAutoFit/>
+          </a:bodyPr>
+          <a:lstStyle/>
+          <a:p>
+            <a:pPr algn="ctr"/>
+            <a:r>
+              <a:rPr lang="en-US" b="1" dirty="0">
+                <a:solidFill>
+                  <a:schemeClr val="accent5">
+                    <a:lumMod val="50000"/>
+                  </a:schemeClr>
+                </a:solidFill>
+                <a:latin typeface="Segoe Condensed" panose="020B0606040200020203" pitchFamily="34" charset="0"/>
+                <a:cs typeface="Times New Roman" panose="02020603050405020304" pitchFamily="18" charset="0"/>
+              </a:rPr>
+              <a:t>0V</a:t>
+            </a:r>
+          </a:p>
+        </p:txBody>
+      </p:sp>
+      <p:cxnSp>
+        <p:nvCxnSpPr>
+          <p:cNvPr id="8" name="Straight Connector 7">
+            <a:extLst>
+              <a:ext uri="{FF2B5EF4-FFF2-40B4-BE49-F238E27FC236}">
+                <a16:creationId xmlns:a16="http://schemas.microsoft.com/office/drawing/2014/main" id="{0DBBD6B5-0E53-45D7-9285-9AB3D82BC1EA}"/>
+              </a:ext>
+            </a:extLst>
+          </p:cNvPr>
+          <p:cNvCxnSpPr>
+            <a:cxnSpLocks/>
+          </p:cNvCxnSpPr>
+          <p:nvPr/>
+        </p:nvCxnSpPr>
+        <p:spPr>
+          <a:xfrm>
+            <a:off x="2455933" y="898689"/>
+            <a:ext cx="0" cy="801111"/>
+          </a:xfrm>
+          <a:prstGeom prst="line">
+            <a:avLst/>
+          </a:prstGeom>
+          <a:ln>
+            <a:solidFill>
+              <a:schemeClr val="accent5">
+                <a:lumMod val="50000"/>
+              </a:schemeClr>
+            </a:solidFill>
+          </a:ln>
+        </p:spPr>
+        <p:style>
+          <a:lnRef idx="1">
+            <a:schemeClr val="accent1"/>
+          </a:lnRef>
+          <a:fillRef idx="0">
+            <a:schemeClr val="accent1"/>
+          </a:fillRef>
+          <a:effectRef idx="0">
+            <a:schemeClr val="accent1"/>
+          </a:effectRef>
+          <a:fontRef idx="minor">
+            <a:schemeClr val="tx1"/>
+          </a:fontRef>
+        </p:style>
+      </p:cxnSp>
+      <p:cxnSp>
+        <p:nvCxnSpPr>
+          <p:cNvPr id="9" name="Straight Connector 8">
+            <a:extLst>
+              <a:ext uri="{FF2B5EF4-FFF2-40B4-BE49-F238E27FC236}">
+                <a16:creationId xmlns:a16="http://schemas.microsoft.com/office/drawing/2014/main" id="{992C42C4-0E24-4AE9-98B3-4968D1D16413}"/>
+              </a:ext>
+            </a:extLst>
+          </p:cNvPr>
+          <p:cNvCxnSpPr>
+            <a:cxnSpLocks/>
+          </p:cNvCxnSpPr>
+          <p:nvPr/>
+        </p:nvCxnSpPr>
+        <p:spPr>
+          <a:xfrm>
+            <a:off x="3786264" y="898689"/>
+            <a:ext cx="0" cy="801111"/>
+          </a:xfrm>
+          <a:prstGeom prst="line">
+            <a:avLst/>
+          </a:prstGeom>
+          <a:ln>
+            <a:solidFill>
+              <a:schemeClr val="accent5">
+                <a:lumMod val="50000"/>
+              </a:schemeClr>
+            </a:solidFill>
+          </a:ln>
+        </p:spPr>
+        <p:style>
+          <a:lnRef idx="1">
+            <a:schemeClr val="accent1"/>
+          </a:lnRef>
+          <a:fillRef idx="0">
+            <a:schemeClr val="accent1"/>
+          </a:fillRef>
+          <a:effectRef idx="0">
+            <a:schemeClr val="accent1"/>
+          </a:effectRef>
+          <a:fontRef idx="minor">
+            <a:schemeClr val="tx1"/>
+          </a:fontRef>
+        </p:style>
+      </p:cxnSp>
+      <p:cxnSp>
+        <p:nvCxnSpPr>
+          <p:cNvPr id="10" name="Straight Connector 9">
+            <a:extLst>
+              <a:ext uri="{FF2B5EF4-FFF2-40B4-BE49-F238E27FC236}">
+                <a16:creationId xmlns:a16="http://schemas.microsoft.com/office/drawing/2014/main" id="{E57FFB12-F3FB-4DC2-AF62-590C543FF62E}"/>
+              </a:ext>
+            </a:extLst>
+          </p:cNvPr>
+          <p:cNvCxnSpPr>
+            <a:cxnSpLocks/>
+          </p:cNvCxnSpPr>
+          <p:nvPr/>
+        </p:nvCxnSpPr>
+        <p:spPr>
+          <a:xfrm>
+            <a:off x="5116595" y="898689"/>
+            <a:ext cx="0" cy="801111"/>
+          </a:xfrm>
+          <a:prstGeom prst="line">
+            <a:avLst/>
+          </a:prstGeom>
+          <a:ln>
+            <a:solidFill>
+              <a:schemeClr val="accent5">
+                <a:lumMod val="50000"/>
+              </a:schemeClr>
+            </a:solidFill>
+          </a:ln>
+        </p:spPr>
+        <p:style>
+          <a:lnRef idx="1">
+            <a:schemeClr val="accent1"/>
+          </a:lnRef>
+          <a:fillRef idx="0">
+            <a:schemeClr val="accent1"/>
+          </a:fillRef>
+          <a:effectRef idx="0">
+            <a:schemeClr val="accent1"/>
+          </a:effectRef>
+          <a:fontRef idx="minor">
+            <a:schemeClr val="tx1"/>
+          </a:fontRef>
+        </p:style>
+      </p:cxnSp>
+      <p:cxnSp>
+        <p:nvCxnSpPr>
+          <p:cNvPr id="11" name="Straight Connector 10">
+            <a:extLst>
+              <a:ext uri="{FF2B5EF4-FFF2-40B4-BE49-F238E27FC236}">
+                <a16:creationId xmlns:a16="http://schemas.microsoft.com/office/drawing/2014/main" id="{C8804349-5C66-4C54-8AE5-003E0A9FEDBD}"/>
+              </a:ext>
+            </a:extLst>
+          </p:cNvPr>
+          <p:cNvCxnSpPr>
+            <a:cxnSpLocks/>
+          </p:cNvCxnSpPr>
+          <p:nvPr/>
+        </p:nvCxnSpPr>
+        <p:spPr>
+          <a:xfrm>
+            <a:off x="6446926" y="898689"/>
+            <a:ext cx="0" cy="801111"/>
+          </a:xfrm>
+          <a:prstGeom prst="line">
+            <a:avLst/>
+          </a:prstGeom>
+          <a:ln>
+            <a:solidFill>
+              <a:schemeClr val="accent5">
+                <a:lumMod val="50000"/>
+              </a:schemeClr>
+            </a:solidFill>
+          </a:ln>
+        </p:spPr>
+        <p:style>
+          <a:lnRef idx="1">
+            <a:schemeClr val="accent1"/>
+          </a:lnRef>
+          <a:fillRef idx="0">
+            <a:schemeClr val="accent1"/>
+          </a:fillRef>
+          <a:effectRef idx="0">
+            <a:schemeClr val="accent1"/>
+          </a:effectRef>
+          <a:fontRef idx="minor">
+            <a:schemeClr val="tx1"/>
+          </a:fontRef>
+        </p:style>
+      </p:cxnSp>
+      <p:cxnSp>
+        <p:nvCxnSpPr>
+          <p:cNvPr id="12" name="Straight Connector 11">
+            <a:extLst>
+              <a:ext uri="{FF2B5EF4-FFF2-40B4-BE49-F238E27FC236}">
+                <a16:creationId xmlns:a16="http://schemas.microsoft.com/office/drawing/2014/main" id="{1BB029D0-DD78-47DA-84B2-267B70EDCABD}"/>
+              </a:ext>
+            </a:extLst>
+          </p:cNvPr>
+          <p:cNvCxnSpPr>
+            <a:cxnSpLocks/>
+          </p:cNvCxnSpPr>
+          <p:nvPr/>
+        </p:nvCxnSpPr>
+        <p:spPr>
+          <a:xfrm>
+            <a:off x="9107586" y="898689"/>
+            <a:ext cx="0" cy="801111"/>
+          </a:xfrm>
+          <a:prstGeom prst="line">
+            <a:avLst/>
+          </a:prstGeom>
+          <a:ln>
+            <a:solidFill>
+              <a:schemeClr val="accent5">
+                <a:lumMod val="50000"/>
+              </a:schemeClr>
+            </a:solidFill>
+          </a:ln>
+        </p:spPr>
+        <p:style>
+          <a:lnRef idx="1">
+            <a:schemeClr val="accent1"/>
+          </a:lnRef>
+          <a:fillRef idx="0">
+            <a:schemeClr val="accent1"/>
+          </a:fillRef>
+          <a:effectRef idx="0">
+            <a:schemeClr val="accent1"/>
+          </a:effectRef>
+          <a:fontRef idx="minor">
+            <a:schemeClr val="tx1"/>
+          </a:fontRef>
+        </p:style>
+      </p:cxnSp>
+      <p:cxnSp>
+        <p:nvCxnSpPr>
+          <p:cNvPr id="13" name="Straight Connector 12">
+            <a:extLst>
+              <a:ext uri="{FF2B5EF4-FFF2-40B4-BE49-F238E27FC236}">
+                <a16:creationId xmlns:a16="http://schemas.microsoft.com/office/drawing/2014/main" id="{FC4C4129-3823-4940-87B4-643A227C4E9B}"/>
+              </a:ext>
+            </a:extLst>
+          </p:cNvPr>
+          <p:cNvCxnSpPr>
+            <a:cxnSpLocks/>
+          </p:cNvCxnSpPr>
+          <p:nvPr/>
+        </p:nvCxnSpPr>
+        <p:spPr>
+          <a:xfrm>
+            <a:off x="7777257" y="898689"/>
+            <a:ext cx="0" cy="801111"/>
+          </a:xfrm>
+          <a:prstGeom prst="line">
+            <a:avLst/>
+          </a:prstGeom>
+          <a:ln>
+            <a:solidFill>
+              <a:schemeClr val="accent5">
+                <a:lumMod val="50000"/>
+              </a:schemeClr>
+            </a:solidFill>
+          </a:ln>
+        </p:spPr>
+        <p:style>
+          <a:lnRef idx="1">
+            <a:schemeClr val="accent1"/>
+          </a:lnRef>
+          <a:fillRef idx="0">
+            <a:schemeClr val="accent1"/>
+          </a:fillRef>
+          <a:effectRef idx="0">
+            <a:schemeClr val="accent1"/>
+          </a:effectRef>
+          <a:fontRef idx="minor">
+            <a:schemeClr val="tx1"/>
+          </a:fontRef>
+        </p:style>
+      </p:cxnSp>
+      <p:sp>
+        <p:nvSpPr>
+          <p:cNvPr id="14" name="TextBox 13">
+            <a:extLst>
+              <a:ext uri="{FF2B5EF4-FFF2-40B4-BE49-F238E27FC236}">
+                <a16:creationId xmlns:a16="http://schemas.microsoft.com/office/drawing/2014/main" id="{B3895A3D-3891-4700-9384-0C3D1253554C}"/>
+              </a:ext>
+            </a:extLst>
+          </p:cNvPr>
+          <p:cNvSpPr txBox="1"/>
+          <p:nvPr/>
+        </p:nvSpPr>
+        <p:spPr>
+          <a:xfrm>
+            <a:off x="8836503" y="582630"/>
+            <a:ext cx="542166" cy="369332"/>
+          </a:xfrm>
+          <a:prstGeom prst="rect">
+            <a:avLst/>
+          </a:prstGeom>
+          <a:noFill/>
+        </p:spPr>
+        <p:txBody>
+          <a:bodyPr wrap="square" rtlCol="0">
+            <a:spAutoFit/>
+          </a:bodyPr>
+          <a:lstStyle/>
+          <a:p>
+            <a:pPr algn="ctr"/>
+            <a:r>
+              <a:rPr lang="en-US" b="1" dirty="0">
+                <a:solidFill>
+                  <a:schemeClr val="accent5">
+                    <a:lumMod val="50000"/>
+                  </a:schemeClr>
+                </a:solidFill>
+                <a:latin typeface="Segoe Condensed" panose="020B0606040200020203" pitchFamily="34" charset="0"/>
+                <a:cs typeface="Times New Roman" panose="02020603050405020304" pitchFamily="18" charset="0"/>
+              </a:rPr>
+              <a:t>5V</a:t>
+            </a:r>
+          </a:p>
+        </p:txBody>
+      </p:sp>
+      <p:sp>
+        <p:nvSpPr>
+          <p:cNvPr id="15" name="TextBox 14">
+            <a:extLst>
+              <a:ext uri="{FF2B5EF4-FFF2-40B4-BE49-F238E27FC236}">
+                <a16:creationId xmlns:a16="http://schemas.microsoft.com/office/drawing/2014/main" id="{6ABED08B-B644-49EB-B8E9-0C6B483539A2}"/>
+              </a:ext>
+            </a:extLst>
+          </p:cNvPr>
+          <p:cNvSpPr txBox="1"/>
+          <p:nvPr/>
+        </p:nvSpPr>
+        <p:spPr>
+          <a:xfrm>
+            <a:off x="7506172" y="582630"/>
+            <a:ext cx="542166" cy="369332"/>
+          </a:xfrm>
+          <a:prstGeom prst="rect">
+            <a:avLst/>
+          </a:prstGeom>
+          <a:noFill/>
+        </p:spPr>
+        <p:txBody>
+          <a:bodyPr wrap="square" rtlCol="0">
+            <a:spAutoFit/>
+          </a:bodyPr>
+          <a:lstStyle/>
+          <a:p>
+            <a:pPr algn="ctr"/>
+            <a:r>
+              <a:rPr lang="en-US" b="1" dirty="0">
+                <a:solidFill>
+                  <a:schemeClr val="accent5">
+                    <a:lumMod val="50000"/>
+                  </a:schemeClr>
+                </a:solidFill>
+                <a:latin typeface="Segoe Condensed" panose="020B0606040200020203" pitchFamily="34" charset="0"/>
+                <a:cs typeface="Times New Roman" panose="02020603050405020304" pitchFamily="18" charset="0"/>
+              </a:rPr>
+              <a:t>4V</a:t>
+            </a:r>
+          </a:p>
+        </p:txBody>
+      </p:sp>
+      <p:sp>
+        <p:nvSpPr>
+          <p:cNvPr id="16" name="TextBox 15">
+            <a:extLst>
+              <a:ext uri="{FF2B5EF4-FFF2-40B4-BE49-F238E27FC236}">
+                <a16:creationId xmlns:a16="http://schemas.microsoft.com/office/drawing/2014/main" id="{1713331E-3EAB-4207-81ED-5ADA8B30414C}"/>
+              </a:ext>
+            </a:extLst>
+          </p:cNvPr>
+          <p:cNvSpPr txBox="1"/>
+          <p:nvPr/>
+        </p:nvSpPr>
+        <p:spPr>
+          <a:xfrm>
+            <a:off x="6175840" y="582630"/>
+            <a:ext cx="542166" cy="369332"/>
+          </a:xfrm>
+          <a:prstGeom prst="rect">
+            <a:avLst/>
+          </a:prstGeom>
+          <a:noFill/>
+        </p:spPr>
+        <p:txBody>
+          <a:bodyPr wrap="square" rtlCol="0">
+            <a:spAutoFit/>
+          </a:bodyPr>
+          <a:lstStyle/>
+          <a:p>
+            <a:pPr algn="ctr"/>
+            <a:r>
+              <a:rPr lang="en-US" b="1" dirty="0">
+                <a:solidFill>
+                  <a:schemeClr val="accent5">
+                    <a:lumMod val="50000"/>
+                  </a:schemeClr>
+                </a:solidFill>
+                <a:latin typeface="Segoe Condensed" panose="020B0606040200020203" pitchFamily="34" charset="0"/>
+                <a:cs typeface="Times New Roman" panose="02020603050405020304" pitchFamily="18" charset="0"/>
+              </a:rPr>
+              <a:t>3V</a:t>
+            </a:r>
+          </a:p>
+        </p:txBody>
+      </p:sp>
+      <p:sp>
+        <p:nvSpPr>
+          <p:cNvPr id="17" name="TextBox 16">
+            <a:extLst>
+              <a:ext uri="{FF2B5EF4-FFF2-40B4-BE49-F238E27FC236}">
+                <a16:creationId xmlns:a16="http://schemas.microsoft.com/office/drawing/2014/main" id="{548D51C8-8075-472F-924D-9B0420FF5B13}"/>
+              </a:ext>
+            </a:extLst>
+          </p:cNvPr>
+          <p:cNvSpPr txBox="1"/>
+          <p:nvPr/>
+        </p:nvSpPr>
+        <p:spPr>
+          <a:xfrm>
+            <a:off x="4832967" y="582630"/>
+            <a:ext cx="542166" cy="369332"/>
+          </a:xfrm>
+          <a:prstGeom prst="rect">
+            <a:avLst/>
+          </a:prstGeom>
+          <a:noFill/>
+        </p:spPr>
+        <p:txBody>
+          <a:bodyPr wrap="square" rtlCol="0">
+            <a:spAutoFit/>
+          </a:bodyPr>
+          <a:lstStyle/>
+          <a:p>
+            <a:pPr algn="ctr"/>
+            <a:r>
+              <a:rPr lang="en-US" b="1" dirty="0">
+                <a:solidFill>
+                  <a:schemeClr val="accent5">
+                    <a:lumMod val="50000"/>
+                  </a:schemeClr>
+                </a:solidFill>
+                <a:latin typeface="Segoe Condensed" panose="020B0606040200020203" pitchFamily="34" charset="0"/>
+                <a:cs typeface="Times New Roman" panose="02020603050405020304" pitchFamily="18" charset="0"/>
+              </a:rPr>
+              <a:t>2V</a:t>
+            </a:r>
+          </a:p>
+        </p:txBody>
+      </p:sp>
+      <p:sp>
+        <p:nvSpPr>
+          <p:cNvPr id="18" name="TextBox 17">
+            <a:extLst>
+              <a:ext uri="{FF2B5EF4-FFF2-40B4-BE49-F238E27FC236}">
+                <a16:creationId xmlns:a16="http://schemas.microsoft.com/office/drawing/2014/main" id="{F0B9B988-257E-4719-9493-71F245E59455}"/>
+              </a:ext>
+            </a:extLst>
+          </p:cNvPr>
+          <p:cNvSpPr txBox="1"/>
+          <p:nvPr/>
+        </p:nvSpPr>
+        <p:spPr>
+          <a:xfrm>
+            <a:off x="3515179" y="582630"/>
+            <a:ext cx="542166" cy="369332"/>
+          </a:xfrm>
+          <a:prstGeom prst="rect">
+            <a:avLst/>
+          </a:prstGeom>
+          <a:noFill/>
+        </p:spPr>
+        <p:txBody>
+          <a:bodyPr wrap="square" rtlCol="0">
+            <a:spAutoFit/>
+          </a:bodyPr>
+          <a:lstStyle/>
+          <a:p>
+            <a:pPr algn="ctr"/>
+            <a:r>
+              <a:rPr lang="en-US" b="1" dirty="0">
+                <a:solidFill>
+                  <a:schemeClr val="accent5">
+                    <a:lumMod val="50000"/>
+                  </a:schemeClr>
+                </a:solidFill>
+                <a:latin typeface="Segoe Condensed" panose="020B0606040200020203" pitchFamily="34" charset="0"/>
+                <a:cs typeface="Times New Roman" panose="02020603050405020304" pitchFamily="18" charset="0"/>
+              </a:rPr>
+              <a:t>1V</a:t>
+            </a:r>
+          </a:p>
+        </p:txBody>
+      </p:sp>
+      <p:sp>
+        <p:nvSpPr>
+          <p:cNvPr id="19" name="TextBox 18">
+            <a:extLst>
+              <a:ext uri="{FF2B5EF4-FFF2-40B4-BE49-F238E27FC236}">
+                <a16:creationId xmlns:a16="http://schemas.microsoft.com/office/drawing/2014/main" id="{EF2648C4-5492-46AF-9BD2-63474E02D460}"/>
+              </a:ext>
+            </a:extLst>
+          </p:cNvPr>
+          <p:cNvSpPr txBox="1"/>
+          <p:nvPr/>
+        </p:nvSpPr>
+        <p:spPr>
+          <a:xfrm>
+            <a:off x="2184850" y="1693732"/>
+            <a:ext cx="542166" cy="369332"/>
+          </a:xfrm>
+          <a:prstGeom prst="rect">
+            <a:avLst/>
+          </a:prstGeom>
+          <a:noFill/>
+        </p:spPr>
+        <p:txBody>
+          <a:bodyPr wrap="square" rtlCol="0">
+            <a:spAutoFit/>
+          </a:bodyPr>
+          <a:lstStyle/>
+          <a:p>
+            <a:pPr algn="ctr"/>
+            <a:r>
+              <a:rPr lang="en-US" b="1" dirty="0">
+                <a:solidFill>
+                  <a:schemeClr val="accent5">
+                    <a:lumMod val="50000"/>
+                  </a:schemeClr>
+                </a:solidFill>
+                <a:latin typeface="Segoe Condensed" panose="020B0606040200020203" pitchFamily="34" charset="0"/>
+                <a:cs typeface="Times New Roman" panose="02020603050405020304" pitchFamily="18" charset="0"/>
+              </a:rPr>
+              <a:t>0</a:t>
+            </a:r>
+          </a:p>
+        </p:txBody>
+      </p:sp>
+      <p:sp>
+        <p:nvSpPr>
+          <p:cNvPr id="20" name="TextBox 19">
+            <a:extLst>
+              <a:ext uri="{FF2B5EF4-FFF2-40B4-BE49-F238E27FC236}">
+                <a16:creationId xmlns:a16="http://schemas.microsoft.com/office/drawing/2014/main" id="{6AAD7ED5-CE57-4A5E-82E5-502E4520CA1C}"/>
+              </a:ext>
+            </a:extLst>
+          </p:cNvPr>
+          <p:cNvSpPr txBox="1"/>
+          <p:nvPr/>
+        </p:nvSpPr>
+        <p:spPr>
+          <a:xfrm>
+            <a:off x="8787950" y="1693732"/>
+            <a:ext cx="639271" cy="369332"/>
+          </a:xfrm>
+          <a:prstGeom prst="rect">
+            <a:avLst/>
+          </a:prstGeom>
+          <a:noFill/>
+        </p:spPr>
+        <p:txBody>
+          <a:bodyPr wrap="square" rtlCol="0">
+            <a:spAutoFit/>
+          </a:bodyPr>
+          <a:lstStyle/>
+          <a:p>
+            <a:pPr algn="ctr"/>
+            <a:r>
+              <a:rPr lang="en-US" b="1" dirty="0">
+                <a:solidFill>
+                  <a:schemeClr val="accent5">
+                    <a:lumMod val="50000"/>
+                  </a:schemeClr>
+                </a:solidFill>
+                <a:latin typeface="Segoe Condensed" panose="020B0606040200020203" pitchFamily="34" charset="0"/>
+                <a:cs typeface="Times New Roman" panose="02020603050405020304" pitchFamily="18" charset="0"/>
+              </a:rPr>
+              <a:t>1023</a:t>
+            </a:r>
+          </a:p>
+        </p:txBody>
+      </p:sp>
+      <p:sp>
+        <p:nvSpPr>
+          <p:cNvPr id="21" name="TextBox 20">
+            <a:extLst>
+              <a:ext uri="{FF2B5EF4-FFF2-40B4-BE49-F238E27FC236}">
+                <a16:creationId xmlns:a16="http://schemas.microsoft.com/office/drawing/2014/main" id="{F10C3695-24F6-44E3-9764-72F40F04F2CA}"/>
+              </a:ext>
+            </a:extLst>
+          </p:cNvPr>
+          <p:cNvSpPr txBox="1"/>
+          <p:nvPr/>
+        </p:nvSpPr>
+        <p:spPr>
+          <a:xfrm>
+            <a:off x="7434961" y="1693732"/>
+            <a:ext cx="684586" cy="369332"/>
+          </a:xfrm>
+          <a:prstGeom prst="rect">
+            <a:avLst/>
+          </a:prstGeom>
+          <a:noFill/>
+        </p:spPr>
+        <p:txBody>
+          <a:bodyPr wrap="square" rtlCol="0">
+            <a:spAutoFit/>
+          </a:bodyPr>
+          <a:lstStyle/>
+          <a:p>
+            <a:pPr algn="ctr"/>
+            <a:r>
+              <a:rPr lang="en-US" b="1" dirty="0">
+                <a:solidFill>
+                  <a:schemeClr val="accent5">
+                    <a:lumMod val="50000"/>
+                  </a:schemeClr>
+                </a:solidFill>
+                <a:latin typeface="Segoe Condensed" panose="020B0606040200020203" pitchFamily="34" charset="0"/>
+                <a:cs typeface="Times New Roman" panose="02020603050405020304" pitchFamily="18" charset="0"/>
+              </a:rPr>
+              <a:t>818</a:t>
+            </a:r>
+          </a:p>
+        </p:txBody>
+      </p:sp>
+      <p:sp>
+        <p:nvSpPr>
+          <p:cNvPr id="22" name="TextBox 21">
+            <a:extLst>
+              <a:ext uri="{FF2B5EF4-FFF2-40B4-BE49-F238E27FC236}">
+                <a16:creationId xmlns:a16="http://schemas.microsoft.com/office/drawing/2014/main" id="{ACCF4D3B-1DC8-4820-B5B5-324F8680B264}"/>
+              </a:ext>
+            </a:extLst>
+          </p:cNvPr>
+          <p:cNvSpPr txBox="1"/>
+          <p:nvPr/>
+        </p:nvSpPr>
+        <p:spPr>
+          <a:xfrm>
+            <a:off x="6175840" y="1693732"/>
+            <a:ext cx="542166" cy="369332"/>
+          </a:xfrm>
+          <a:prstGeom prst="rect">
+            <a:avLst/>
+          </a:prstGeom>
+          <a:noFill/>
+        </p:spPr>
+        <p:txBody>
+          <a:bodyPr wrap="square" rtlCol="0">
+            <a:spAutoFit/>
+          </a:bodyPr>
+          <a:lstStyle/>
+          <a:p>
+            <a:pPr algn="ctr"/>
+            <a:r>
+              <a:rPr lang="en-US" b="1" dirty="0">
+                <a:solidFill>
+                  <a:schemeClr val="accent5">
+                    <a:lumMod val="50000"/>
+                  </a:schemeClr>
+                </a:solidFill>
+                <a:latin typeface="Segoe Condensed" panose="020B0606040200020203" pitchFamily="34" charset="0"/>
+                <a:cs typeface="Times New Roman" panose="02020603050405020304" pitchFamily="18" charset="0"/>
+              </a:rPr>
+              <a:t>614</a:t>
+            </a:r>
+          </a:p>
+        </p:txBody>
+      </p:sp>
+      <p:sp>
+        <p:nvSpPr>
+          <p:cNvPr id="23" name="TextBox 22">
+            <a:extLst>
+              <a:ext uri="{FF2B5EF4-FFF2-40B4-BE49-F238E27FC236}">
+                <a16:creationId xmlns:a16="http://schemas.microsoft.com/office/drawing/2014/main" id="{5BB5C6AA-1633-40EC-A0F0-2858E068EF46}"/>
+              </a:ext>
+            </a:extLst>
+          </p:cNvPr>
+          <p:cNvSpPr txBox="1"/>
+          <p:nvPr/>
+        </p:nvSpPr>
+        <p:spPr>
+          <a:xfrm>
+            <a:off x="4832967" y="1693732"/>
+            <a:ext cx="542166" cy="369332"/>
+          </a:xfrm>
+          <a:prstGeom prst="rect">
+            <a:avLst/>
+          </a:prstGeom>
+          <a:noFill/>
+        </p:spPr>
+        <p:txBody>
+          <a:bodyPr wrap="square" rtlCol="0">
+            <a:spAutoFit/>
+          </a:bodyPr>
+          <a:lstStyle/>
+          <a:p>
+            <a:pPr algn="ctr"/>
+            <a:r>
+              <a:rPr lang="en-US" b="1" dirty="0">
+                <a:solidFill>
+                  <a:schemeClr val="accent5">
+                    <a:lumMod val="50000"/>
+                  </a:schemeClr>
+                </a:solidFill>
+                <a:latin typeface="Segoe Condensed" panose="020B0606040200020203" pitchFamily="34" charset="0"/>
+                <a:cs typeface="Times New Roman" panose="02020603050405020304" pitchFamily="18" charset="0"/>
+              </a:rPr>
+              <a:t>409</a:t>
+            </a:r>
+          </a:p>
+        </p:txBody>
+      </p:sp>
+      <p:sp>
+        <p:nvSpPr>
+          <p:cNvPr id="24" name="TextBox 23">
+            <a:extLst>
+              <a:ext uri="{FF2B5EF4-FFF2-40B4-BE49-F238E27FC236}">
+                <a16:creationId xmlns:a16="http://schemas.microsoft.com/office/drawing/2014/main" id="{8C3C36BA-26BC-4479-B69E-EDF2F41E4C0D}"/>
+              </a:ext>
+            </a:extLst>
+          </p:cNvPr>
+          <p:cNvSpPr txBox="1"/>
+          <p:nvPr/>
+        </p:nvSpPr>
+        <p:spPr>
+          <a:xfrm>
+            <a:off x="3515179" y="1693732"/>
+            <a:ext cx="542166" cy="369332"/>
+          </a:xfrm>
+          <a:prstGeom prst="rect">
+            <a:avLst/>
+          </a:prstGeom>
+          <a:noFill/>
+        </p:spPr>
+        <p:txBody>
+          <a:bodyPr wrap="square" rtlCol="0">
+            <a:spAutoFit/>
+          </a:bodyPr>
+          <a:lstStyle/>
+          <a:p>
+            <a:pPr algn="ctr"/>
+            <a:r>
+              <a:rPr lang="en-US" b="1" dirty="0">
+                <a:solidFill>
+                  <a:schemeClr val="accent5">
+                    <a:lumMod val="50000"/>
+                  </a:schemeClr>
+                </a:solidFill>
+                <a:latin typeface="Segoe Condensed" panose="020B0606040200020203" pitchFamily="34" charset="0"/>
+                <a:cs typeface="Times New Roman" panose="02020603050405020304" pitchFamily="18" charset="0"/>
+              </a:rPr>
+              <a:t>205</a:t>
+            </a:r>
+          </a:p>
+        </p:txBody>
+      </p:sp>
+      <p:sp>
+        <p:nvSpPr>
+          <p:cNvPr id="25" name="TextBox 24">
+            <a:extLst>
+              <a:ext uri="{FF2B5EF4-FFF2-40B4-BE49-F238E27FC236}">
+                <a16:creationId xmlns:a16="http://schemas.microsoft.com/office/drawing/2014/main" id="{B6A9660D-6B8E-4047-8E51-FEACA69D8B52}"/>
+              </a:ext>
+            </a:extLst>
+          </p:cNvPr>
+          <p:cNvSpPr txBox="1"/>
+          <p:nvPr/>
+        </p:nvSpPr>
+        <p:spPr>
+          <a:xfrm>
+            <a:off x="2375012" y="261730"/>
+            <a:ext cx="6813494" cy="369332"/>
+          </a:xfrm>
+          <a:prstGeom prst="rect">
+            <a:avLst/>
+          </a:prstGeom>
+          <a:noFill/>
+        </p:spPr>
+        <p:txBody>
+          <a:bodyPr wrap="square" rtlCol="0">
+            <a:spAutoFit/>
+          </a:bodyPr>
+          <a:lstStyle/>
+          <a:p>
+            <a:pPr algn="ctr"/>
+            <a:r>
+              <a:rPr lang="en-US" dirty="0">
+                <a:solidFill>
+                  <a:srgbClr val="002060"/>
+                </a:solidFill>
+                <a:latin typeface="Bebas Neue" panose="020B0606020202050201" pitchFamily="34" charset="0"/>
+              </a:rPr>
+              <a:t>Voltage Values</a:t>
+            </a:r>
+          </a:p>
+        </p:txBody>
+      </p:sp>
+      <p:sp>
+        <p:nvSpPr>
+          <p:cNvPr id="28" name="TextBox 27">
+            <a:extLst>
+              <a:ext uri="{FF2B5EF4-FFF2-40B4-BE49-F238E27FC236}">
+                <a16:creationId xmlns:a16="http://schemas.microsoft.com/office/drawing/2014/main" id="{6CEC3878-2873-4EB5-BD60-DB6A91A306FA}"/>
+              </a:ext>
+            </a:extLst>
+          </p:cNvPr>
+          <p:cNvSpPr txBox="1"/>
+          <p:nvPr/>
+        </p:nvSpPr>
+        <p:spPr>
+          <a:xfrm>
+            <a:off x="2375012" y="2046454"/>
+            <a:ext cx="6813494" cy="369332"/>
+          </a:xfrm>
+          <a:prstGeom prst="rect">
+            <a:avLst/>
+          </a:prstGeom>
+          <a:noFill/>
+        </p:spPr>
+        <p:txBody>
+          <a:bodyPr wrap="square" rtlCol="0">
+            <a:spAutoFit/>
+          </a:bodyPr>
+          <a:lstStyle/>
+          <a:p>
+            <a:pPr algn="ctr"/>
+            <a:r>
+              <a:rPr lang="en-US" dirty="0">
+                <a:solidFill>
+                  <a:srgbClr val="002060"/>
+                </a:solidFill>
+                <a:latin typeface="Bebas Neue" panose="020B0606020202050201" pitchFamily="34" charset="0"/>
+              </a:rPr>
+              <a:t>analog Values</a:t>
+            </a:r>
+          </a:p>
+        </p:txBody>
+      </p:sp>
+      <p:cxnSp>
+        <p:nvCxnSpPr>
+          <p:cNvPr id="30" name="Straight Connector 29">
+            <a:extLst>
+              <a:ext uri="{FF2B5EF4-FFF2-40B4-BE49-F238E27FC236}">
+                <a16:creationId xmlns:a16="http://schemas.microsoft.com/office/drawing/2014/main" id="{76E02C33-BAF6-4784-9E4C-5EAA0968F606}"/>
+              </a:ext>
+            </a:extLst>
+          </p:cNvPr>
+          <p:cNvCxnSpPr>
+            <a:cxnSpLocks/>
+          </p:cNvCxnSpPr>
+          <p:nvPr/>
+        </p:nvCxnSpPr>
+        <p:spPr>
+          <a:xfrm>
+            <a:off x="2184850" y="1308686"/>
+            <a:ext cx="7141221" cy="0"/>
+          </a:xfrm>
+          <a:prstGeom prst="line">
+            <a:avLst/>
+          </a:prstGeom>
+        </p:spPr>
+        <p:style>
+          <a:lnRef idx="1">
+            <a:schemeClr val="accent1"/>
+          </a:lnRef>
+          <a:fillRef idx="0">
+            <a:schemeClr val="accent1"/>
+          </a:fillRef>
+          <a:effectRef idx="0">
+            <a:schemeClr val="accent1"/>
+          </a:effectRef>
+          <a:fontRef idx="minor">
+            <a:schemeClr val="tx1"/>
+          </a:fontRef>
+        </p:style>
+      </p:cxnSp>
+      <p:sp>
+        <p:nvSpPr>
+          <p:cNvPr id="2" name="Freeform: Shape 1">
+            <a:extLst>
+              <a:ext uri="{FF2B5EF4-FFF2-40B4-BE49-F238E27FC236}">
+                <a16:creationId xmlns:a16="http://schemas.microsoft.com/office/drawing/2014/main" id="{245416B4-38C8-4948-9C89-8EF28C9C00BB}"/>
+              </a:ext>
+            </a:extLst>
+          </p:cNvPr>
+          <p:cNvSpPr/>
+          <p:nvPr/>
+        </p:nvSpPr>
+        <p:spPr>
+          <a:xfrm>
+            <a:off x="2450681" y="412023"/>
+            <a:ext cx="2560320" cy="127321"/>
+          </a:xfrm>
+          <a:custGeom>
+            <a:avLst/>
+            <a:gdLst>
+              <a:gd name="connsiteX0" fmla="*/ 0 w 2494344"/>
+              <a:gd name="connsiteY0" fmla="*/ 127321 h 127321"/>
+              <a:gd name="connsiteX1" fmla="*/ 0 w 2494344"/>
+              <a:gd name="connsiteY1" fmla="*/ 0 h 127321"/>
+              <a:gd name="connsiteX2" fmla="*/ 2494344 w 2494344"/>
+              <a:gd name="connsiteY2" fmla="*/ 0 h 127321"/>
+            </a:gdLst>
+            <a:ahLst/>
+            <a:cxnLst>
+              <a:cxn ang="0">
+                <a:pos x="connsiteX0" y="connsiteY0"/>
+              </a:cxn>
+              <a:cxn ang="0">
+                <a:pos x="connsiteX1" y="connsiteY1"/>
+              </a:cxn>
+              <a:cxn ang="0">
+                <a:pos x="connsiteX2" y="connsiteY2"/>
+              </a:cxn>
+            </a:cxnLst>
+            <a:rect l="l" t="t" r="r" b="b"/>
+            <a:pathLst>
+              <a:path w="2494344" h="127321">
+                <a:moveTo>
+                  <a:pt x="0" y="127321"/>
+                </a:moveTo>
+                <a:lnTo>
+                  <a:pt x="0" y="0"/>
+                </a:lnTo>
+                <a:lnTo>
+                  <a:pt x="2494344" y="0"/>
+                </a:lnTo>
+              </a:path>
+            </a:pathLst>
+          </a:custGeom>
+          <a:noFill/>
+          <a:ln>
+            <a:solidFill>
+              <a:srgbClr val="002060"/>
+            </a:solidFill>
+          </a:ln>
+        </p:spPr>
+        <p:style>
+          <a:lnRef idx="2">
+            <a:schemeClr val="accent1">
+              <a:shade val="50000"/>
+            </a:schemeClr>
+          </a:lnRef>
+          <a:fillRef idx="1">
+            <a:schemeClr val="accent1"/>
+          </a:fillRef>
+          <a:effectRef idx="0">
+            <a:schemeClr val="accent1"/>
+          </a:effectRef>
+          <a:fontRef idx="minor">
+            <a:schemeClr val="lt1"/>
+          </a:fontRef>
+        </p:style>
+        <p:txBody>
+          <a:bodyPr rtlCol="0" anchor="ctr"/>
+          <a:lstStyle/>
+          <a:p>
+            <a:pPr algn="ctr"/>
+            <a:endParaRPr lang="en-US"/>
+          </a:p>
+        </p:txBody>
+      </p:sp>
+      <p:sp>
+        <p:nvSpPr>
+          <p:cNvPr id="26" name="Freeform: Shape 25">
+            <a:extLst>
+              <a:ext uri="{FF2B5EF4-FFF2-40B4-BE49-F238E27FC236}">
+                <a16:creationId xmlns:a16="http://schemas.microsoft.com/office/drawing/2014/main" id="{893FDC0A-F33D-484A-900F-DBDD8E16DF11}"/>
+              </a:ext>
+            </a:extLst>
+          </p:cNvPr>
+          <p:cNvSpPr/>
+          <p:nvPr/>
+        </p:nvSpPr>
+        <p:spPr>
+          <a:xfrm flipH="1">
+            <a:off x="6547265" y="412023"/>
+            <a:ext cx="2560320" cy="127321"/>
+          </a:xfrm>
+          <a:custGeom>
+            <a:avLst/>
+            <a:gdLst>
+              <a:gd name="connsiteX0" fmla="*/ 0 w 2494344"/>
+              <a:gd name="connsiteY0" fmla="*/ 127321 h 127321"/>
+              <a:gd name="connsiteX1" fmla="*/ 0 w 2494344"/>
+              <a:gd name="connsiteY1" fmla="*/ 0 h 127321"/>
+              <a:gd name="connsiteX2" fmla="*/ 2494344 w 2494344"/>
+              <a:gd name="connsiteY2" fmla="*/ 0 h 127321"/>
+            </a:gdLst>
+            <a:ahLst/>
+            <a:cxnLst>
+              <a:cxn ang="0">
+                <a:pos x="connsiteX0" y="connsiteY0"/>
+              </a:cxn>
+              <a:cxn ang="0">
+                <a:pos x="connsiteX1" y="connsiteY1"/>
+              </a:cxn>
+              <a:cxn ang="0">
+                <a:pos x="connsiteX2" y="connsiteY2"/>
+              </a:cxn>
+            </a:cxnLst>
+            <a:rect l="l" t="t" r="r" b="b"/>
+            <a:pathLst>
+              <a:path w="2494344" h="127321">
+                <a:moveTo>
+                  <a:pt x="0" y="127321"/>
+                </a:moveTo>
+                <a:lnTo>
+                  <a:pt x="0" y="0"/>
+                </a:lnTo>
+                <a:lnTo>
+                  <a:pt x="2494344" y="0"/>
+                </a:lnTo>
+              </a:path>
+            </a:pathLst>
+          </a:custGeom>
+          <a:noFill/>
+          <a:ln>
+            <a:solidFill>
+              <a:srgbClr val="002060"/>
+            </a:solidFill>
+          </a:ln>
+        </p:spPr>
+        <p:style>
+          <a:lnRef idx="2">
+            <a:schemeClr val="accent1">
+              <a:shade val="50000"/>
+            </a:schemeClr>
+          </a:lnRef>
+          <a:fillRef idx="1">
+            <a:schemeClr val="accent1"/>
+          </a:fillRef>
+          <a:effectRef idx="0">
+            <a:schemeClr val="accent1"/>
+          </a:effectRef>
+          <a:fontRef idx="minor">
+            <a:schemeClr val="lt1"/>
+          </a:fontRef>
+        </p:style>
+        <p:txBody>
+          <a:bodyPr rtlCol="0" anchor="ctr"/>
+          <a:lstStyle/>
+          <a:p>
+            <a:pPr algn="ctr"/>
+            <a:endParaRPr lang="en-US"/>
+          </a:p>
+        </p:txBody>
+      </p:sp>
+      <p:sp>
+        <p:nvSpPr>
+          <p:cNvPr id="27" name="Freeform: Shape 26">
+            <a:extLst>
+              <a:ext uri="{FF2B5EF4-FFF2-40B4-BE49-F238E27FC236}">
+                <a16:creationId xmlns:a16="http://schemas.microsoft.com/office/drawing/2014/main" id="{40E9932A-3E0A-44B3-98AA-97D1529636A1}"/>
+              </a:ext>
+            </a:extLst>
+          </p:cNvPr>
+          <p:cNvSpPr/>
+          <p:nvPr/>
+        </p:nvSpPr>
+        <p:spPr>
+          <a:xfrm flipV="1">
+            <a:off x="2450681" y="2146973"/>
+            <a:ext cx="2560320" cy="127321"/>
+          </a:xfrm>
+          <a:custGeom>
+            <a:avLst/>
+            <a:gdLst>
+              <a:gd name="connsiteX0" fmla="*/ 0 w 2494344"/>
+              <a:gd name="connsiteY0" fmla="*/ 127321 h 127321"/>
+              <a:gd name="connsiteX1" fmla="*/ 0 w 2494344"/>
+              <a:gd name="connsiteY1" fmla="*/ 0 h 127321"/>
+              <a:gd name="connsiteX2" fmla="*/ 2494344 w 2494344"/>
+              <a:gd name="connsiteY2" fmla="*/ 0 h 127321"/>
+            </a:gdLst>
+            <a:ahLst/>
+            <a:cxnLst>
+              <a:cxn ang="0">
+                <a:pos x="connsiteX0" y="connsiteY0"/>
+              </a:cxn>
+              <a:cxn ang="0">
+                <a:pos x="connsiteX1" y="connsiteY1"/>
+              </a:cxn>
+              <a:cxn ang="0">
+                <a:pos x="connsiteX2" y="connsiteY2"/>
+              </a:cxn>
+            </a:cxnLst>
+            <a:rect l="l" t="t" r="r" b="b"/>
+            <a:pathLst>
+              <a:path w="2494344" h="127321">
+                <a:moveTo>
+                  <a:pt x="0" y="127321"/>
+                </a:moveTo>
+                <a:lnTo>
+                  <a:pt x="0" y="0"/>
+                </a:lnTo>
+                <a:lnTo>
+                  <a:pt x="2494344" y="0"/>
+                </a:lnTo>
+              </a:path>
+            </a:pathLst>
+          </a:custGeom>
+          <a:noFill/>
+          <a:ln>
+            <a:solidFill>
+              <a:srgbClr val="002060"/>
+            </a:solidFill>
+          </a:ln>
+        </p:spPr>
+        <p:style>
+          <a:lnRef idx="2">
+            <a:schemeClr val="accent1">
+              <a:shade val="50000"/>
+            </a:schemeClr>
+          </a:lnRef>
+          <a:fillRef idx="1">
+            <a:schemeClr val="accent1"/>
+          </a:fillRef>
+          <a:effectRef idx="0">
+            <a:schemeClr val="accent1"/>
+          </a:effectRef>
+          <a:fontRef idx="minor">
+            <a:schemeClr val="lt1"/>
+          </a:fontRef>
+        </p:style>
+        <p:txBody>
+          <a:bodyPr rtlCol="0" anchor="ctr"/>
+          <a:lstStyle/>
+          <a:p>
+            <a:pPr algn="ctr"/>
+            <a:endParaRPr lang="en-US"/>
+          </a:p>
+        </p:txBody>
+      </p:sp>
+      <p:sp>
+        <p:nvSpPr>
+          <p:cNvPr id="29" name="Freeform: Shape 28">
+            <a:extLst>
+              <a:ext uri="{FF2B5EF4-FFF2-40B4-BE49-F238E27FC236}">
+                <a16:creationId xmlns:a16="http://schemas.microsoft.com/office/drawing/2014/main" id="{03BB80D2-8983-4A18-A94A-9726D63614F0}"/>
+              </a:ext>
+            </a:extLst>
+          </p:cNvPr>
+          <p:cNvSpPr/>
+          <p:nvPr/>
+        </p:nvSpPr>
+        <p:spPr>
+          <a:xfrm flipH="1" flipV="1">
+            <a:off x="6547265" y="2146973"/>
+            <a:ext cx="2560320" cy="127321"/>
+          </a:xfrm>
+          <a:custGeom>
+            <a:avLst/>
+            <a:gdLst>
+              <a:gd name="connsiteX0" fmla="*/ 0 w 2494344"/>
+              <a:gd name="connsiteY0" fmla="*/ 127321 h 127321"/>
+              <a:gd name="connsiteX1" fmla="*/ 0 w 2494344"/>
+              <a:gd name="connsiteY1" fmla="*/ 0 h 127321"/>
+              <a:gd name="connsiteX2" fmla="*/ 2494344 w 2494344"/>
+              <a:gd name="connsiteY2" fmla="*/ 0 h 127321"/>
+            </a:gdLst>
+            <a:ahLst/>
+            <a:cxnLst>
+              <a:cxn ang="0">
+                <a:pos x="connsiteX0" y="connsiteY0"/>
+              </a:cxn>
+              <a:cxn ang="0">
+                <a:pos x="connsiteX1" y="connsiteY1"/>
+              </a:cxn>
+              <a:cxn ang="0">
+                <a:pos x="connsiteX2" y="connsiteY2"/>
+              </a:cxn>
+            </a:cxnLst>
+            <a:rect l="l" t="t" r="r" b="b"/>
+            <a:pathLst>
+              <a:path w="2494344" h="127321">
+                <a:moveTo>
+                  <a:pt x="0" y="127321"/>
+                </a:moveTo>
+                <a:lnTo>
+                  <a:pt x="0" y="0"/>
+                </a:lnTo>
+                <a:lnTo>
+                  <a:pt x="2494344" y="0"/>
+                </a:lnTo>
+              </a:path>
+            </a:pathLst>
+          </a:custGeom>
+          <a:noFill/>
+          <a:ln>
+            <a:solidFill>
+              <a:srgbClr val="002060"/>
+            </a:solidFill>
+          </a:ln>
+        </p:spPr>
+        <p:style>
+          <a:lnRef idx="2">
+            <a:schemeClr val="accent1">
+              <a:shade val="50000"/>
+            </a:schemeClr>
+          </a:lnRef>
+          <a:fillRef idx="1">
+            <a:schemeClr val="accent1"/>
+          </a:fillRef>
+          <a:effectRef idx="0">
+            <a:schemeClr val="accent1"/>
+          </a:effectRef>
+          <a:fontRef idx="minor">
+            <a:schemeClr val="lt1"/>
+          </a:fontRef>
+        </p:style>
+        <p:txBody>
+          <a:bodyPr rtlCol="0" anchor="ctr"/>
+          <a:lstStyle/>
+          <a:p>
+            <a:pPr algn="ctr"/>
+            <a:endParaRPr lang="en-US"/>
+          </a:p>
+        </p:txBody>
+      </p:sp>
+      <mc:AlternateContent xmlns:mc="http://schemas.openxmlformats.org/markup-compatibility/2006">
+        <mc:Choice xmlns:a14="http://schemas.microsoft.com/office/drawing/2010/main" Requires="a14">
+          <p:sp>
+            <p:nvSpPr>
+              <p:cNvPr id="7" name="TextBox 6">
+                <a:extLst>
+                  <a:ext uri="{FF2B5EF4-FFF2-40B4-BE49-F238E27FC236}">
+                    <a16:creationId xmlns:a16="http://schemas.microsoft.com/office/drawing/2014/main" id="{E10317A4-95A7-452B-87AE-90AF6A920EE1}"/>
+                  </a:ext>
+                </a:extLst>
+              </p:cNvPr>
+              <p:cNvSpPr txBox="1"/>
+              <p:nvPr/>
+            </p:nvSpPr>
+            <p:spPr>
+              <a:xfrm>
+                <a:off x="9787753" y="913489"/>
+                <a:ext cx="1714984" cy="1664751"/>
+              </a:xfrm>
+              <a:prstGeom prst="rect">
+                <a:avLst/>
+              </a:prstGeom>
+              <a:noFill/>
+            </p:spPr>
+            <p:txBody>
+              <a:bodyPr wrap="square" lIns="0" tIns="0" rIns="0" bIns="0" rtlCol="0">
+                <a:spAutoFit/>
+              </a:bodyPr>
+              <a:lstStyle/>
+              <a:p>
+                <a:pPr algn="r">
+                  <a:spcAft>
+                    <a:spcPts val="800"/>
+                  </a:spcAft>
+                </a:pPr>
+                <a14:m>
+                  <m:oMathPara xmlns:m="http://schemas.openxmlformats.org/officeDocument/2006/math">
+                    <m:oMathParaPr>
+                      <m:jc m:val="left"/>
+                    </m:oMathParaPr>
+                    <m:oMath xmlns:m="http://schemas.openxmlformats.org/officeDocument/2006/math">
+                      <m:r>
+                        <a:rPr lang="en-US" i="1" smtClean="0">
+                          <a:latin typeface="Cambria Math" panose="02040503050406030204" pitchFamily="18" charset="0"/>
+                        </a:rPr>
+                        <m:t>=</m:t>
+                      </m:r>
+                      <m:f>
+                        <m:fPr>
+                          <m:ctrlPr>
+                            <a:rPr lang="en-US" i="1" smtClean="0">
+                              <a:latin typeface="Cambria Math" panose="02040503050406030204" pitchFamily="18" charset="0"/>
+                            </a:rPr>
+                          </m:ctrlPr>
+                        </m:fPr>
+                        <m:num>
+                          <m:r>
+                            <a:rPr lang="en-US" b="0" i="1" smtClean="0">
+                              <a:latin typeface="Cambria Math" panose="02040503050406030204" pitchFamily="18" charset="0"/>
+                            </a:rPr>
+                            <m:t>5</m:t>
+                          </m:r>
+                          <m:r>
+                            <a:rPr lang="en-US" b="0" i="1" smtClean="0">
+                              <a:latin typeface="Cambria Math" panose="02040503050406030204" pitchFamily="18" charset="0"/>
+                            </a:rPr>
+                            <m:t>𝑉</m:t>
+                          </m:r>
+                        </m:num>
+                        <m:den>
+                          <m:r>
+                            <a:rPr lang="en-US" b="0" i="1" smtClean="0">
+                              <a:latin typeface="Cambria Math" panose="02040503050406030204" pitchFamily="18" charset="0"/>
+                            </a:rPr>
+                            <m:t>1023</m:t>
+                          </m:r>
+                        </m:den>
+                      </m:f>
+                    </m:oMath>
+                  </m:oMathPara>
+                </a14:m>
+                <a:endParaRPr lang="en-US" i="1" dirty="0">
+                  <a:latin typeface="Cambria Math" panose="02040503050406030204" pitchFamily="18" charset="0"/>
+                </a:endParaRPr>
+              </a:p>
+              <a:p>
+                <a:pPr algn="r">
+                  <a:spcAft>
+                    <a:spcPts val="800"/>
+                  </a:spcAft>
+                </a:pPr>
+                <a14:m>
+                  <m:oMathPara xmlns:m="http://schemas.openxmlformats.org/officeDocument/2006/math">
+                    <m:oMathParaPr>
+                      <m:jc m:val="left"/>
+                    </m:oMathParaPr>
+                    <m:oMath xmlns:m="http://schemas.openxmlformats.org/officeDocument/2006/math">
+                      <m:r>
+                        <a:rPr lang="en-US" b="0" i="1" smtClean="0">
+                          <a:latin typeface="Cambria Math" panose="02040503050406030204" pitchFamily="18" charset="0"/>
+                        </a:rPr>
+                        <m:t>=0.0049</m:t>
+                      </m:r>
+                      <m:r>
+                        <a:rPr lang="en-US" b="0" i="1" smtClean="0">
+                          <a:latin typeface="Cambria Math" panose="02040503050406030204" pitchFamily="18" charset="0"/>
+                        </a:rPr>
+                        <m:t>𝑉</m:t>
+                      </m:r>
+                    </m:oMath>
+                  </m:oMathPara>
+                </a14:m>
+                <a:endParaRPr lang="en-US" b="0" i="1" dirty="0">
+                  <a:latin typeface="Cambria Math" panose="02040503050406030204" pitchFamily="18" charset="0"/>
+                </a:endParaRPr>
+              </a:p>
+              <a:p>
+                <a:pPr algn="r">
+                  <a:spcAft>
+                    <a:spcPts val="800"/>
+                  </a:spcAft>
+                </a:pPr>
+                <a14:m>
+                  <m:oMathPara xmlns:m="http://schemas.openxmlformats.org/officeDocument/2006/math">
+                    <m:oMathParaPr>
+                      <m:jc m:val="left"/>
+                    </m:oMathParaPr>
+                    <m:oMath xmlns:m="http://schemas.openxmlformats.org/officeDocument/2006/math">
+                      <m:r>
+                        <a:rPr lang="en-US" b="0" i="1" smtClean="0">
+                          <a:latin typeface="Cambria Math" panose="02040503050406030204" pitchFamily="18" charset="0"/>
+                        </a:rPr>
+                        <m:t>=4.9</m:t>
+                      </m:r>
+                      <m:r>
+                        <a:rPr lang="en-US" b="0" i="1" smtClean="0">
+                          <a:latin typeface="Cambria Math" panose="02040503050406030204" pitchFamily="18" charset="0"/>
+                        </a:rPr>
+                        <m:t>𝑚𝑉</m:t>
+                      </m:r>
+                    </m:oMath>
+                  </m:oMathPara>
+                </a14:m>
+                <a:endParaRPr lang="en-US" b="0" dirty="0"/>
+              </a:p>
+              <a:p>
+                <a:pPr algn="r">
+                  <a:spcAft>
+                    <a:spcPts val="1400"/>
+                  </a:spcAft>
+                </a:pPr>
+                <a:endParaRPr lang="en-US" b="0" dirty="0"/>
+              </a:p>
+            </p:txBody>
+          </p:sp>
+        </mc:Choice>
+        <mc:Fallback>
+          <p:sp>
+            <p:nvSpPr>
+              <p:cNvPr id="7" name="TextBox 6">
+                <a:extLst>
+                  <a:ext uri="{FF2B5EF4-FFF2-40B4-BE49-F238E27FC236}">
+                    <a16:creationId xmlns:a16="http://schemas.microsoft.com/office/drawing/2014/main" id="{E10317A4-95A7-452B-87AE-90AF6A920EE1}"/>
+                  </a:ext>
+                </a:extLst>
+              </p:cNvPr>
+              <p:cNvSpPr txBox="1">
+                <a:spLocks noRot="1" noChangeAspect="1" noMove="1" noResize="1" noEditPoints="1" noAdjustHandles="1" noChangeArrowheads="1" noChangeShapeType="1" noTextEdit="1"/>
+              </p:cNvSpPr>
+              <p:nvPr/>
+            </p:nvSpPr>
+            <p:spPr>
+              <a:xfrm>
+                <a:off x="9787753" y="913489"/>
+                <a:ext cx="1714984" cy="1664751"/>
+              </a:xfrm>
+              <a:prstGeom prst="rect">
+                <a:avLst/>
+              </a:prstGeom>
+              <a:blipFill>
+                <a:blip r:embed="rId2"/>
+                <a:stretch>
+                  <a:fillRect/>
+                </a:stretch>
+              </a:blipFill>
+            </p:spPr>
+            <p:txBody>
+              <a:bodyPr/>
+              <a:lstStyle/>
+              <a:p>
+                <a:r>
+                  <a:rPr lang="en-US">
+                    <a:noFill/>
+                  </a:rPr>
+                  <a:t> </a:t>
+                </a:r>
+              </a:p>
+            </p:txBody>
+          </p:sp>
+        </mc:Fallback>
+      </mc:AlternateContent>
+      <p:sp>
+        <p:nvSpPr>
+          <p:cNvPr id="32" name="TextBox 31">
+            <a:extLst>
+              <a:ext uri="{FF2B5EF4-FFF2-40B4-BE49-F238E27FC236}">
+                <a16:creationId xmlns:a16="http://schemas.microsoft.com/office/drawing/2014/main" id="{F6D3D8EC-CC2A-E4D2-9080-444A8D6D18E6}"/>
+              </a:ext>
+            </a:extLst>
+          </p:cNvPr>
+          <p:cNvSpPr txBox="1"/>
+          <p:nvPr/>
+        </p:nvSpPr>
+        <p:spPr>
+          <a:xfrm>
+            <a:off x="9721532" y="342114"/>
+            <a:ext cx="2446773" cy="523220"/>
+          </a:xfrm>
+          <a:prstGeom prst="rect">
+            <a:avLst/>
+          </a:prstGeom>
+          <a:noFill/>
+        </p:spPr>
+        <p:txBody>
+          <a:bodyPr wrap="square" rtlCol="0">
+            <a:spAutoFit/>
+          </a:bodyPr>
+          <a:lstStyle/>
+          <a:p>
+            <a:r>
+              <a:rPr lang="en-US" sz="1600" b="1" dirty="0">
+                <a:latin typeface="Segoe Condensed" panose="020B0606040200020203" pitchFamily="34" charset="0"/>
+              </a:rPr>
+              <a:t>Analog Read Resolution</a:t>
+            </a:r>
+          </a:p>
+          <a:p>
+            <a:r>
+              <a:rPr lang="en-US" sz="1200" dirty="0">
+                <a:latin typeface="Segoe Condensed" panose="020B0606040200020203" pitchFamily="34" charset="0"/>
+              </a:rPr>
+              <a:t>5V, 10-bit ADC</a:t>
+            </a:r>
+          </a:p>
+        </p:txBody>
+      </p:sp>
+      <p:sp>
+        <p:nvSpPr>
+          <p:cNvPr id="34" name="TextBox 33">
+            <a:extLst>
+              <a:ext uri="{FF2B5EF4-FFF2-40B4-BE49-F238E27FC236}">
+                <a16:creationId xmlns:a16="http://schemas.microsoft.com/office/drawing/2014/main" id="{3EEB3D2E-F245-08DA-1B3B-7251329EDA3F}"/>
+              </a:ext>
+            </a:extLst>
+          </p:cNvPr>
+          <p:cNvSpPr txBox="1"/>
+          <p:nvPr/>
+        </p:nvSpPr>
+        <p:spPr>
+          <a:xfrm>
+            <a:off x="10602479" y="1857212"/>
+            <a:ext cx="1391697" cy="369332"/>
+          </a:xfrm>
+          <a:prstGeom prst="rect">
+            <a:avLst/>
+          </a:prstGeom>
+          <a:noFill/>
+        </p:spPr>
+        <p:txBody>
+          <a:bodyPr wrap="square" rtlCol="0">
+            <a:spAutoFit/>
+          </a:bodyPr>
+          <a:lstStyle/>
+          <a:p>
+            <a:r>
+              <a:rPr lang="en-US" sz="1400" dirty="0">
+                <a:latin typeface="Segoe Condensed" panose="020B0606040200020203" pitchFamily="34" charset="0"/>
+              </a:rPr>
+              <a:t>per</a:t>
+            </a:r>
+            <a:r>
+              <a:rPr lang="en-US" dirty="0"/>
+              <a:t> </a:t>
+            </a:r>
+            <a:r>
+              <a:rPr lang="en-US" sz="1400" dirty="0">
+                <a:latin typeface="Segoe Condensed" panose="020B0606040200020203" pitchFamily="34" charset="0"/>
+              </a:rPr>
+              <a:t>value</a:t>
+            </a:r>
+          </a:p>
+        </p:txBody>
+      </p:sp>
+      <p:sp>
+        <p:nvSpPr>
+          <p:cNvPr id="3" name="Rectangle: Rounded Corners 2">
+            <a:extLst>
+              <a:ext uri="{FF2B5EF4-FFF2-40B4-BE49-F238E27FC236}">
+                <a16:creationId xmlns:a16="http://schemas.microsoft.com/office/drawing/2014/main" id="{0BC295F2-CD60-A66A-106E-792CD258CFB0}"/>
+              </a:ext>
+            </a:extLst>
+          </p:cNvPr>
+          <p:cNvSpPr/>
+          <p:nvPr/>
+        </p:nvSpPr>
+        <p:spPr>
+          <a:xfrm>
+            <a:off x="9721780" y="3854471"/>
+            <a:ext cx="1969477" cy="1912552"/>
+          </a:xfrm>
+          <a:prstGeom prst="roundRect">
+            <a:avLst>
+              <a:gd name="adj" fmla="val 5736"/>
+            </a:avLst>
+          </a:prstGeom>
+          <a:solidFill>
+            <a:schemeClr val="bg1">
+              <a:lumMod val="95000"/>
+            </a:schemeClr>
+          </a:solidFill>
+          <a:ln w="6350">
+            <a:solidFill>
+              <a:schemeClr val="bg1">
+                <a:lumMod val="50000"/>
+              </a:schemeClr>
+            </a:solidFill>
+          </a:ln>
+        </p:spPr>
+        <p:style>
+          <a:lnRef idx="2">
+            <a:schemeClr val="accent1">
+              <a:shade val="15000"/>
+            </a:schemeClr>
+          </a:lnRef>
+          <a:fillRef idx="1">
+            <a:schemeClr val="accent1"/>
+          </a:fillRef>
+          <a:effectRef idx="0">
+            <a:schemeClr val="accent1"/>
+          </a:effectRef>
+          <a:fontRef idx="minor">
+            <a:schemeClr val="lt1"/>
+          </a:fontRef>
+        </p:style>
+        <p:txBody>
+          <a:bodyPr rtlCol="0" anchor="ctr"/>
+          <a:lstStyle/>
+          <a:p>
+            <a:pPr algn="ctr"/>
+            <a:endParaRPr lang="en-US"/>
+          </a:p>
+        </p:txBody>
+      </p:sp>
+      <p:sp>
+        <p:nvSpPr>
+          <p:cNvPr id="35" name="Rectangle 34">
+            <a:extLst>
+              <a:ext uri="{FF2B5EF4-FFF2-40B4-BE49-F238E27FC236}">
+                <a16:creationId xmlns:a16="http://schemas.microsoft.com/office/drawing/2014/main" id="{66A2D6A3-F302-2F8B-320A-1D43F07811A6}"/>
+              </a:ext>
+            </a:extLst>
+          </p:cNvPr>
+          <p:cNvSpPr/>
+          <p:nvPr/>
+        </p:nvSpPr>
+        <p:spPr>
+          <a:xfrm>
+            <a:off x="2455933" y="4615299"/>
+            <a:ext cx="6651653" cy="400556"/>
+          </a:xfrm>
+          <a:prstGeom prst="rect">
+            <a:avLst/>
+          </a:prstGeom>
+          <a:solidFill>
+            <a:schemeClr val="accent2">
+              <a:lumMod val="40000"/>
+              <a:lumOff val="60000"/>
+            </a:schemeClr>
+          </a:solidFill>
+          <a:ln>
+            <a:noFill/>
+          </a:ln>
+        </p:spPr>
+        <p:style>
+          <a:lnRef idx="2">
+            <a:schemeClr val="accent1">
+              <a:shade val="50000"/>
+            </a:schemeClr>
+          </a:lnRef>
+          <a:fillRef idx="1">
+            <a:schemeClr val="accent1"/>
+          </a:fillRef>
+          <a:effectRef idx="0">
+            <a:schemeClr val="accent1"/>
+          </a:effectRef>
+          <a:fontRef idx="minor">
+            <a:schemeClr val="lt1"/>
+          </a:fontRef>
+        </p:style>
+        <p:txBody>
+          <a:bodyPr rtlCol="0" anchor="ctr"/>
+          <a:lstStyle/>
+          <a:p>
+            <a:pPr algn="ctr"/>
+            <a:endParaRPr lang="en-US"/>
+          </a:p>
+        </p:txBody>
+      </p:sp>
+      <p:sp>
+        <p:nvSpPr>
+          <p:cNvPr id="36" name="TextBox 35">
+            <a:extLst>
+              <a:ext uri="{FF2B5EF4-FFF2-40B4-BE49-F238E27FC236}">
+                <a16:creationId xmlns:a16="http://schemas.microsoft.com/office/drawing/2014/main" id="{90667BC9-8F46-DCD0-6BAF-BEA138A49AD0}"/>
+              </a:ext>
+            </a:extLst>
+          </p:cNvPr>
+          <p:cNvSpPr txBox="1"/>
+          <p:nvPr/>
+        </p:nvSpPr>
+        <p:spPr>
+          <a:xfrm>
+            <a:off x="2184850" y="4075360"/>
+            <a:ext cx="542166" cy="369332"/>
+          </a:xfrm>
+          <a:prstGeom prst="rect">
+            <a:avLst/>
+          </a:prstGeom>
+          <a:noFill/>
+        </p:spPr>
+        <p:txBody>
+          <a:bodyPr wrap="square" rtlCol="0">
+            <a:spAutoFit/>
+          </a:bodyPr>
+          <a:lstStyle/>
+          <a:p>
+            <a:pPr algn="ctr"/>
+            <a:r>
+              <a:rPr lang="en-US" b="1" dirty="0">
+                <a:solidFill>
+                  <a:schemeClr val="accent2">
+                    <a:lumMod val="75000"/>
+                  </a:schemeClr>
+                </a:solidFill>
+                <a:latin typeface="Segoe Condensed" panose="020B0606040200020203" pitchFamily="34" charset="0"/>
+                <a:cs typeface="Times New Roman" panose="02020603050405020304" pitchFamily="18" charset="0"/>
+              </a:rPr>
+              <a:t>0V</a:t>
+            </a:r>
+          </a:p>
+        </p:txBody>
+      </p:sp>
+      <p:cxnSp>
+        <p:nvCxnSpPr>
+          <p:cNvPr id="37" name="Straight Connector 36">
+            <a:extLst>
+              <a:ext uri="{FF2B5EF4-FFF2-40B4-BE49-F238E27FC236}">
+                <a16:creationId xmlns:a16="http://schemas.microsoft.com/office/drawing/2014/main" id="{CD2EB985-1F49-BAFD-3E40-5121824BCA95}"/>
+              </a:ext>
+            </a:extLst>
+          </p:cNvPr>
+          <p:cNvCxnSpPr>
+            <a:cxnSpLocks/>
+          </p:cNvCxnSpPr>
+          <p:nvPr/>
+        </p:nvCxnSpPr>
+        <p:spPr>
+          <a:xfrm>
+            <a:off x="2455933" y="4391419"/>
+            <a:ext cx="0" cy="801111"/>
+          </a:xfrm>
+          <a:prstGeom prst="line">
+            <a:avLst/>
+          </a:prstGeom>
+          <a:ln>
+            <a:solidFill>
+              <a:schemeClr val="accent2">
+                <a:lumMod val="75000"/>
+              </a:schemeClr>
+            </a:solidFill>
+          </a:ln>
+        </p:spPr>
+        <p:style>
+          <a:lnRef idx="1">
+            <a:schemeClr val="accent1"/>
+          </a:lnRef>
+          <a:fillRef idx="0">
+            <a:schemeClr val="accent1"/>
+          </a:fillRef>
+          <a:effectRef idx="0">
+            <a:schemeClr val="accent1"/>
+          </a:effectRef>
+          <a:fontRef idx="minor">
+            <a:schemeClr val="tx1"/>
+          </a:fontRef>
+        </p:style>
+      </p:cxnSp>
+      <p:cxnSp>
+        <p:nvCxnSpPr>
+          <p:cNvPr id="38" name="Straight Connector 37">
+            <a:extLst>
+              <a:ext uri="{FF2B5EF4-FFF2-40B4-BE49-F238E27FC236}">
+                <a16:creationId xmlns:a16="http://schemas.microsoft.com/office/drawing/2014/main" id="{D7DEDFAA-D6FF-28EF-AA62-014DA5CD7692}"/>
+              </a:ext>
+            </a:extLst>
+          </p:cNvPr>
+          <p:cNvCxnSpPr>
+            <a:cxnSpLocks/>
+          </p:cNvCxnSpPr>
+          <p:nvPr/>
+        </p:nvCxnSpPr>
+        <p:spPr>
+          <a:xfrm>
+            <a:off x="3786264" y="4391419"/>
+            <a:ext cx="0" cy="801111"/>
+          </a:xfrm>
+          <a:prstGeom prst="line">
+            <a:avLst/>
+          </a:prstGeom>
+          <a:ln>
+            <a:solidFill>
+              <a:schemeClr val="accent2">
+                <a:lumMod val="75000"/>
+              </a:schemeClr>
+            </a:solidFill>
+          </a:ln>
+        </p:spPr>
+        <p:style>
+          <a:lnRef idx="1">
+            <a:schemeClr val="accent1"/>
+          </a:lnRef>
+          <a:fillRef idx="0">
+            <a:schemeClr val="accent1"/>
+          </a:fillRef>
+          <a:effectRef idx="0">
+            <a:schemeClr val="accent1"/>
+          </a:effectRef>
+          <a:fontRef idx="minor">
+            <a:schemeClr val="tx1"/>
+          </a:fontRef>
+        </p:style>
+      </p:cxnSp>
+      <p:cxnSp>
+        <p:nvCxnSpPr>
+          <p:cNvPr id="39" name="Straight Connector 38">
+            <a:extLst>
+              <a:ext uri="{FF2B5EF4-FFF2-40B4-BE49-F238E27FC236}">
+                <a16:creationId xmlns:a16="http://schemas.microsoft.com/office/drawing/2014/main" id="{C30F77C7-89ED-A04E-9F20-BA60C4B40E5F}"/>
+              </a:ext>
+            </a:extLst>
+          </p:cNvPr>
+          <p:cNvCxnSpPr>
+            <a:cxnSpLocks/>
+          </p:cNvCxnSpPr>
+          <p:nvPr/>
+        </p:nvCxnSpPr>
+        <p:spPr>
+          <a:xfrm>
+            <a:off x="5116595" y="4391419"/>
+            <a:ext cx="0" cy="801111"/>
+          </a:xfrm>
+          <a:prstGeom prst="line">
+            <a:avLst/>
+          </a:prstGeom>
+          <a:ln>
+            <a:solidFill>
+              <a:schemeClr val="accent2">
+                <a:lumMod val="75000"/>
+              </a:schemeClr>
+            </a:solidFill>
+          </a:ln>
+        </p:spPr>
+        <p:style>
+          <a:lnRef idx="1">
+            <a:schemeClr val="accent1"/>
+          </a:lnRef>
+          <a:fillRef idx="0">
+            <a:schemeClr val="accent1"/>
+          </a:fillRef>
+          <a:effectRef idx="0">
+            <a:schemeClr val="accent1"/>
+          </a:effectRef>
+          <a:fontRef idx="minor">
+            <a:schemeClr val="tx1"/>
+          </a:fontRef>
+        </p:style>
+      </p:cxnSp>
+      <p:cxnSp>
+        <p:nvCxnSpPr>
+          <p:cNvPr id="40" name="Straight Connector 39">
+            <a:extLst>
+              <a:ext uri="{FF2B5EF4-FFF2-40B4-BE49-F238E27FC236}">
+                <a16:creationId xmlns:a16="http://schemas.microsoft.com/office/drawing/2014/main" id="{365A6E0F-DC8E-F2A7-767E-CFEAE3D166FB}"/>
+              </a:ext>
+            </a:extLst>
+          </p:cNvPr>
+          <p:cNvCxnSpPr>
+            <a:cxnSpLocks/>
+          </p:cNvCxnSpPr>
+          <p:nvPr/>
+        </p:nvCxnSpPr>
+        <p:spPr>
+          <a:xfrm>
+            <a:off x="6446926" y="4391419"/>
+            <a:ext cx="0" cy="801111"/>
+          </a:xfrm>
+          <a:prstGeom prst="line">
+            <a:avLst/>
+          </a:prstGeom>
+          <a:ln>
+            <a:solidFill>
+              <a:schemeClr val="accent2">
+                <a:lumMod val="75000"/>
+              </a:schemeClr>
+            </a:solidFill>
+          </a:ln>
+        </p:spPr>
+        <p:style>
+          <a:lnRef idx="1">
+            <a:schemeClr val="accent1"/>
+          </a:lnRef>
+          <a:fillRef idx="0">
+            <a:schemeClr val="accent1"/>
+          </a:fillRef>
+          <a:effectRef idx="0">
+            <a:schemeClr val="accent1"/>
+          </a:effectRef>
+          <a:fontRef idx="minor">
+            <a:schemeClr val="tx1"/>
+          </a:fontRef>
+        </p:style>
+      </p:cxnSp>
+      <p:cxnSp>
+        <p:nvCxnSpPr>
+          <p:cNvPr id="41" name="Straight Connector 40">
+            <a:extLst>
+              <a:ext uri="{FF2B5EF4-FFF2-40B4-BE49-F238E27FC236}">
+                <a16:creationId xmlns:a16="http://schemas.microsoft.com/office/drawing/2014/main" id="{E1E102B3-9AEA-4DE4-E868-148C890F7E36}"/>
+              </a:ext>
+            </a:extLst>
+          </p:cNvPr>
+          <p:cNvCxnSpPr>
+            <a:cxnSpLocks/>
+          </p:cNvCxnSpPr>
+          <p:nvPr/>
+        </p:nvCxnSpPr>
+        <p:spPr>
+          <a:xfrm>
+            <a:off x="9107586" y="4391419"/>
+            <a:ext cx="0" cy="801111"/>
+          </a:xfrm>
+          <a:prstGeom prst="line">
+            <a:avLst/>
+          </a:prstGeom>
+          <a:ln>
+            <a:solidFill>
+              <a:schemeClr val="accent2">
+                <a:lumMod val="75000"/>
+              </a:schemeClr>
+            </a:solidFill>
+          </a:ln>
+        </p:spPr>
+        <p:style>
+          <a:lnRef idx="1">
+            <a:schemeClr val="accent1"/>
+          </a:lnRef>
+          <a:fillRef idx="0">
+            <a:schemeClr val="accent1"/>
+          </a:fillRef>
+          <a:effectRef idx="0">
+            <a:schemeClr val="accent1"/>
+          </a:effectRef>
+          <a:fontRef idx="minor">
+            <a:schemeClr val="tx1"/>
+          </a:fontRef>
+        </p:style>
+      </p:cxnSp>
+      <p:cxnSp>
+        <p:nvCxnSpPr>
+          <p:cNvPr id="42" name="Straight Connector 41">
+            <a:extLst>
+              <a:ext uri="{FF2B5EF4-FFF2-40B4-BE49-F238E27FC236}">
+                <a16:creationId xmlns:a16="http://schemas.microsoft.com/office/drawing/2014/main" id="{F83B8A91-ED4B-4112-1884-83F53C94A085}"/>
+              </a:ext>
+            </a:extLst>
+          </p:cNvPr>
+          <p:cNvCxnSpPr>
+            <a:cxnSpLocks/>
+          </p:cNvCxnSpPr>
+          <p:nvPr/>
+        </p:nvCxnSpPr>
+        <p:spPr>
+          <a:xfrm>
+            <a:off x="7777257" y="4391419"/>
+            <a:ext cx="0" cy="801111"/>
+          </a:xfrm>
+          <a:prstGeom prst="line">
+            <a:avLst/>
+          </a:prstGeom>
+          <a:ln>
+            <a:solidFill>
+              <a:schemeClr val="accent2">
+                <a:lumMod val="75000"/>
+              </a:schemeClr>
+            </a:solidFill>
+          </a:ln>
+        </p:spPr>
+        <p:style>
+          <a:lnRef idx="1">
+            <a:schemeClr val="accent1"/>
+          </a:lnRef>
+          <a:fillRef idx="0">
+            <a:schemeClr val="accent1"/>
+          </a:fillRef>
+          <a:effectRef idx="0">
+            <a:schemeClr val="accent1"/>
+          </a:effectRef>
+          <a:fontRef idx="minor">
+            <a:schemeClr val="tx1"/>
+          </a:fontRef>
+        </p:style>
+      </p:cxnSp>
+      <p:sp>
+        <p:nvSpPr>
+          <p:cNvPr id="43" name="TextBox 42">
+            <a:extLst>
+              <a:ext uri="{FF2B5EF4-FFF2-40B4-BE49-F238E27FC236}">
+                <a16:creationId xmlns:a16="http://schemas.microsoft.com/office/drawing/2014/main" id="{9C252476-D636-283B-22C3-236591A799A1}"/>
+              </a:ext>
+            </a:extLst>
+          </p:cNvPr>
+          <p:cNvSpPr txBox="1"/>
+          <p:nvPr/>
+        </p:nvSpPr>
+        <p:spPr>
+          <a:xfrm>
+            <a:off x="8739398" y="4075360"/>
+            <a:ext cx="639271" cy="369332"/>
+          </a:xfrm>
+          <a:prstGeom prst="rect">
+            <a:avLst/>
+          </a:prstGeom>
+          <a:noFill/>
+        </p:spPr>
+        <p:txBody>
+          <a:bodyPr wrap="square" rtlCol="0">
+            <a:spAutoFit/>
+          </a:bodyPr>
+          <a:lstStyle/>
+          <a:p>
+            <a:pPr algn="ctr"/>
+            <a:r>
+              <a:rPr lang="en-US" b="1" dirty="0">
+                <a:solidFill>
+                  <a:schemeClr val="accent2">
+                    <a:lumMod val="75000"/>
+                  </a:schemeClr>
+                </a:solidFill>
+                <a:latin typeface="Segoe Condensed" panose="020B0606040200020203" pitchFamily="34" charset="0"/>
+                <a:cs typeface="Times New Roman" panose="02020603050405020304" pitchFamily="18" charset="0"/>
+              </a:rPr>
+              <a:t>3.3V</a:t>
+            </a:r>
+          </a:p>
+        </p:txBody>
+      </p:sp>
+      <p:sp>
+        <p:nvSpPr>
+          <p:cNvPr id="44" name="TextBox 43">
+            <a:extLst>
+              <a:ext uri="{FF2B5EF4-FFF2-40B4-BE49-F238E27FC236}">
+                <a16:creationId xmlns:a16="http://schemas.microsoft.com/office/drawing/2014/main" id="{672D422E-D694-73FF-1F5E-2070381F637A}"/>
+              </a:ext>
+            </a:extLst>
+          </p:cNvPr>
+          <p:cNvSpPr txBox="1"/>
+          <p:nvPr/>
+        </p:nvSpPr>
+        <p:spPr>
+          <a:xfrm>
+            <a:off x="7475153" y="4075360"/>
+            <a:ext cx="613377" cy="369332"/>
+          </a:xfrm>
+          <a:prstGeom prst="rect">
+            <a:avLst/>
+          </a:prstGeom>
+          <a:noFill/>
+        </p:spPr>
+        <p:txBody>
+          <a:bodyPr wrap="square" rtlCol="0">
+            <a:spAutoFit/>
+          </a:bodyPr>
+          <a:lstStyle/>
+          <a:p>
+            <a:pPr algn="ctr"/>
+            <a:r>
+              <a:rPr lang="en-US" b="1" dirty="0">
+                <a:solidFill>
+                  <a:schemeClr val="accent2">
+                    <a:lumMod val="75000"/>
+                  </a:schemeClr>
+                </a:solidFill>
+                <a:latin typeface="Segoe Condensed" panose="020B0606040200020203" pitchFamily="34" charset="0"/>
+                <a:cs typeface="Times New Roman" panose="02020603050405020304" pitchFamily="18" charset="0"/>
+              </a:rPr>
+              <a:t>2.6V</a:t>
+            </a:r>
+          </a:p>
+        </p:txBody>
+      </p:sp>
+      <p:sp>
+        <p:nvSpPr>
+          <p:cNvPr id="45" name="TextBox 44">
+            <a:extLst>
+              <a:ext uri="{FF2B5EF4-FFF2-40B4-BE49-F238E27FC236}">
+                <a16:creationId xmlns:a16="http://schemas.microsoft.com/office/drawing/2014/main" id="{78345B14-91DB-561A-5774-490232484393}"/>
+              </a:ext>
+            </a:extLst>
+          </p:cNvPr>
+          <p:cNvSpPr txBox="1"/>
+          <p:nvPr/>
+        </p:nvSpPr>
+        <p:spPr>
+          <a:xfrm>
+            <a:off x="6175840" y="4075360"/>
+            <a:ext cx="542166" cy="369332"/>
+          </a:xfrm>
+          <a:prstGeom prst="rect">
+            <a:avLst/>
+          </a:prstGeom>
+          <a:noFill/>
+        </p:spPr>
+        <p:txBody>
+          <a:bodyPr wrap="square" rtlCol="0">
+            <a:spAutoFit/>
+          </a:bodyPr>
+          <a:lstStyle/>
+          <a:p>
+            <a:pPr algn="ctr"/>
+            <a:r>
+              <a:rPr lang="en-US" b="1" dirty="0">
+                <a:solidFill>
+                  <a:schemeClr val="accent2">
+                    <a:lumMod val="75000"/>
+                  </a:schemeClr>
+                </a:solidFill>
+                <a:latin typeface="Segoe Condensed" panose="020B0606040200020203" pitchFamily="34" charset="0"/>
+                <a:cs typeface="Times New Roman" panose="02020603050405020304" pitchFamily="18" charset="0"/>
+              </a:rPr>
+              <a:t>2V</a:t>
+            </a:r>
+          </a:p>
+        </p:txBody>
+      </p:sp>
+      <p:sp>
+        <p:nvSpPr>
+          <p:cNvPr id="46" name="TextBox 45">
+            <a:extLst>
+              <a:ext uri="{FF2B5EF4-FFF2-40B4-BE49-F238E27FC236}">
+                <a16:creationId xmlns:a16="http://schemas.microsoft.com/office/drawing/2014/main" id="{F60C1ACB-E14B-287E-5EA1-CDE9B9408A1D}"/>
+              </a:ext>
+            </a:extLst>
+          </p:cNvPr>
+          <p:cNvSpPr txBox="1"/>
+          <p:nvPr/>
+        </p:nvSpPr>
+        <p:spPr>
+          <a:xfrm>
+            <a:off x="4807847" y="4075360"/>
+            <a:ext cx="622550" cy="369332"/>
+          </a:xfrm>
+          <a:prstGeom prst="rect">
+            <a:avLst/>
+          </a:prstGeom>
+          <a:noFill/>
+        </p:spPr>
+        <p:txBody>
+          <a:bodyPr wrap="square" rtlCol="0">
+            <a:spAutoFit/>
+          </a:bodyPr>
+          <a:lstStyle/>
+          <a:p>
+            <a:pPr algn="ctr"/>
+            <a:r>
+              <a:rPr lang="en-US" b="1" dirty="0">
+                <a:solidFill>
+                  <a:schemeClr val="accent2">
+                    <a:lumMod val="75000"/>
+                  </a:schemeClr>
+                </a:solidFill>
+                <a:latin typeface="Segoe Condensed" panose="020B0606040200020203" pitchFamily="34" charset="0"/>
+                <a:cs typeface="Times New Roman" panose="02020603050405020304" pitchFamily="18" charset="0"/>
+              </a:rPr>
+              <a:t>1.3V</a:t>
+            </a:r>
+          </a:p>
+        </p:txBody>
+      </p:sp>
+      <p:sp>
+        <p:nvSpPr>
+          <p:cNvPr id="47" name="TextBox 46">
+            <a:extLst>
+              <a:ext uri="{FF2B5EF4-FFF2-40B4-BE49-F238E27FC236}">
+                <a16:creationId xmlns:a16="http://schemas.microsoft.com/office/drawing/2014/main" id="{A16158A7-FEEA-8A3B-6DEA-AAD21941CC5E}"/>
+              </a:ext>
+            </a:extLst>
+          </p:cNvPr>
+          <p:cNvSpPr txBox="1"/>
+          <p:nvPr/>
+        </p:nvSpPr>
+        <p:spPr>
+          <a:xfrm>
+            <a:off x="3500107" y="4075360"/>
+            <a:ext cx="590724" cy="369332"/>
+          </a:xfrm>
+          <a:prstGeom prst="rect">
+            <a:avLst/>
+          </a:prstGeom>
+          <a:noFill/>
+        </p:spPr>
+        <p:txBody>
+          <a:bodyPr wrap="square" rtlCol="0">
+            <a:spAutoFit/>
+          </a:bodyPr>
+          <a:lstStyle/>
+          <a:p>
+            <a:pPr algn="ctr"/>
+            <a:r>
+              <a:rPr lang="en-US" b="1" dirty="0">
+                <a:solidFill>
+                  <a:schemeClr val="accent2">
+                    <a:lumMod val="75000"/>
+                  </a:schemeClr>
+                </a:solidFill>
+                <a:latin typeface="Segoe Condensed" panose="020B0606040200020203" pitchFamily="34" charset="0"/>
+                <a:cs typeface="Times New Roman" panose="02020603050405020304" pitchFamily="18" charset="0"/>
+              </a:rPr>
+              <a:t>0.6V</a:t>
+            </a:r>
+          </a:p>
+        </p:txBody>
+      </p:sp>
+      <p:sp>
+        <p:nvSpPr>
+          <p:cNvPr id="48" name="TextBox 47">
+            <a:extLst>
+              <a:ext uri="{FF2B5EF4-FFF2-40B4-BE49-F238E27FC236}">
+                <a16:creationId xmlns:a16="http://schemas.microsoft.com/office/drawing/2014/main" id="{C805D9F5-AA15-63C7-0D43-552D1533CD99}"/>
+              </a:ext>
+            </a:extLst>
+          </p:cNvPr>
+          <p:cNvSpPr txBox="1"/>
+          <p:nvPr/>
+        </p:nvSpPr>
+        <p:spPr>
+          <a:xfrm>
+            <a:off x="2184850" y="5186462"/>
+            <a:ext cx="542166" cy="369332"/>
+          </a:xfrm>
+          <a:prstGeom prst="rect">
+            <a:avLst/>
+          </a:prstGeom>
+          <a:noFill/>
+        </p:spPr>
+        <p:txBody>
+          <a:bodyPr wrap="square" rtlCol="0">
+            <a:spAutoFit/>
+          </a:bodyPr>
+          <a:lstStyle/>
+          <a:p>
+            <a:pPr algn="ctr"/>
+            <a:r>
+              <a:rPr lang="en-US" b="1" dirty="0">
+                <a:solidFill>
+                  <a:schemeClr val="accent2">
+                    <a:lumMod val="75000"/>
+                  </a:schemeClr>
+                </a:solidFill>
+                <a:latin typeface="Segoe Condensed" panose="020B0606040200020203" pitchFamily="34" charset="0"/>
+                <a:cs typeface="Times New Roman" panose="02020603050405020304" pitchFamily="18" charset="0"/>
+              </a:rPr>
+              <a:t>0</a:t>
+            </a:r>
+          </a:p>
+        </p:txBody>
+      </p:sp>
+      <p:sp>
+        <p:nvSpPr>
+          <p:cNvPr id="49" name="TextBox 48">
+            <a:extLst>
+              <a:ext uri="{FF2B5EF4-FFF2-40B4-BE49-F238E27FC236}">
+                <a16:creationId xmlns:a16="http://schemas.microsoft.com/office/drawing/2014/main" id="{90CA0CF8-0D28-461F-11A7-74B26715E089}"/>
+              </a:ext>
+            </a:extLst>
+          </p:cNvPr>
+          <p:cNvSpPr txBox="1"/>
+          <p:nvPr/>
+        </p:nvSpPr>
+        <p:spPr>
+          <a:xfrm>
+            <a:off x="8787950" y="5186462"/>
+            <a:ext cx="639271" cy="369332"/>
+          </a:xfrm>
+          <a:prstGeom prst="rect">
+            <a:avLst/>
+          </a:prstGeom>
+          <a:noFill/>
+        </p:spPr>
+        <p:txBody>
+          <a:bodyPr wrap="square" rtlCol="0">
+            <a:spAutoFit/>
+          </a:bodyPr>
+          <a:lstStyle/>
+          <a:p>
+            <a:pPr algn="ctr"/>
+            <a:r>
+              <a:rPr lang="en-US" b="1" dirty="0">
+                <a:solidFill>
+                  <a:schemeClr val="accent2">
+                    <a:lumMod val="75000"/>
+                  </a:schemeClr>
+                </a:solidFill>
+                <a:latin typeface="Segoe Condensed" panose="020B0606040200020203" pitchFamily="34" charset="0"/>
+                <a:cs typeface="Times New Roman" panose="02020603050405020304" pitchFamily="18" charset="0"/>
+              </a:rPr>
+              <a:t>4095</a:t>
+            </a:r>
+          </a:p>
+        </p:txBody>
+      </p:sp>
+      <p:sp>
+        <p:nvSpPr>
+          <p:cNvPr id="50" name="TextBox 49">
+            <a:extLst>
+              <a:ext uri="{FF2B5EF4-FFF2-40B4-BE49-F238E27FC236}">
+                <a16:creationId xmlns:a16="http://schemas.microsoft.com/office/drawing/2014/main" id="{6C82B571-CF4C-EC21-7114-3FD5CC776B88}"/>
+              </a:ext>
+            </a:extLst>
+          </p:cNvPr>
+          <p:cNvSpPr txBox="1"/>
+          <p:nvPr/>
+        </p:nvSpPr>
+        <p:spPr>
+          <a:xfrm>
+            <a:off x="7434961" y="5186462"/>
+            <a:ext cx="684586" cy="369332"/>
+          </a:xfrm>
+          <a:prstGeom prst="rect">
+            <a:avLst/>
+          </a:prstGeom>
+          <a:noFill/>
+        </p:spPr>
+        <p:txBody>
+          <a:bodyPr wrap="square" rtlCol="0">
+            <a:spAutoFit/>
+          </a:bodyPr>
+          <a:lstStyle/>
+          <a:p>
+            <a:pPr algn="ctr"/>
+            <a:r>
+              <a:rPr lang="en-US" b="1" dirty="0">
+                <a:solidFill>
+                  <a:schemeClr val="accent2">
+                    <a:lumMod val="75000"/>
+                  </a:schemeClr>
+                </a:solidFill>
+                <a:latin typeface="Segoe Condensed" panose="020B0606040200020203" pitchFamily="34" charset="0"/>
+                <a:cs typeface="Times New Roman" panose="02020603050405020304" pitchFamily="18" charset="0"/>
+              </a:rPr>
+              <a:t>3276</a:t>
+            </a:r>
+          </a:p>
+        </p:txBody>
+      </p:sp>
+      <p:sp>
+        <p:nvSpPr>
+          <p:cNvPr id="51" name="TextBox 50">
+            <a:extLst>
+              <a:ext uri="{FF2B5EF4-FFF2-40B4-BE49-F238E27FC236}">
+                <a16:creationId xmlns:a16="http://schemas.microsoft.com/office/drawing/2014/main" id="{E0530E77-5009-2F17-111B-D7885823C2FF}"/>
+              </a:ext>
+            </a:extLst>
+          </p:cNvPr>
+          <p:cNvSpPr txBox="1"/>
+          <p:nvPr/>
+        </p:nvSpPr>
+        <p:spPr>
+          <a:xfrm>
+            <a:off x="6123951" y="5186462"/>
+            <a:ext cx="639271" cy="369332"/>
+          </a:xfrm>
+          <a:prstGeom prst="rect">
+            <a:avLst/>
+          </a:prstGeom>
+          <a:noFill/>
+        </p:spPr>
+        <p:txBody>
+          <a:bodyPr wrap="square" rtlCol="0">
+            <a:spAutoFit/>
+          </a:bodyPr>
+          <a:lstStyle/>
+          <a:p>
+            <a:pPr algn="ctr"/>
+            <a:r>
+              <a:rPr lang="en-US" b="1" dirty="0">
+                <a:solidFill>
+                  <a:schemeClr val="accent2">
+                    <a:lumMod val="75000"/>
+                  </a:schemeClr>
+                </a:solidFill>
+                <a:latin typeface="Segoe Condensed" panose="020B0606040200020203" pitchFamily="34" charset="0"/>
+                <a:cs typeface="Times New Roman" panose="02020603050405020304" pitchFamily="18" charset="0"/>
+              </a:rPr>
+              <a:t>2457</a:t>
+            </a:r>
+          </a:p>
+        </p:txBody>
+      </p:sp>
+      <p:sp>
+        <p:nvSpPr>
+          <p:cNvPr id="52" name="TextBox 51">
+            <a:extLst>
+              <a:ext uri="{FF2B5EF4-FFF2-40B4-BE49-F238E27FC236}">
+                <a16:creationId xmlns:a16="http://schemas.microsoft.com/office/drawing/2014/main" id="{0C75693E-364D-7660-0FCE-6B9F8778CA01}"/>
+              </a:ext>
+            </a:extLst>
+          </p:cNvPr>
+          <p:cNvSpPr txBox="1"/>
+          <p:nvPr/>
+        </p:nvSpPr>
+        <p:spPr>
+          <a:xfrm>
+            <a:off x="4770931" y="5186462"/>
+            <a:ext cx="684586" cy="369332"/>
+          </a:xfrm>
+          <a:prstGeom prst="rect">
+            <a:avLst/>
+          </a:prstGeom>
+          <a:noFill/>
+        </p:spPr>
+        <p:txBody>
+          <a:bodyPr wrap="square" rtlCol="0">
+            <a:spAutoFit/>
+          </a:bodyPr>
+          <a:lstStyle/>
+          <a:p>
+            <a:pPr algn="ctr"/>
+            <a:r>
+              <a:rPr lang="en-US" b="1" dirty="0">
+                <a:solidFill>
+                  <a:schemeClr val="accent2">
+                    <a:lumMod val="75000"/>
+                  </a:schemeClr>
+                </a:solidFill>
+                <a:latin typeface="Segoe Condensed" panose="020B0606040200020203" pitchFamily="34" charset="0"/>
+                <a:cs typeface="Times New Roman" panose="02020603050405020304" pitchFamily="18" charset="0"/>
+              </a:rPr>
+              <a:t>1638</a:t>
+            </a:r>
+          </a:p>
+        </p:txBody>
+      </p:sp>
+      <p:sp>
+        <p:nvSpPr>
+          <p:cNvPr id="53" name="TextBox 52">
+            <a:extLst>
+              <a:ext uri="{FF2B5EF4-FFF2-40B4-BE49-F238E27FC236}">
+                <a16:creationId xmlns:a16="http://schemas.microsoft.com/office/drawing/2014/main" id="{3533EA8E-1AB7-FDC7-F38B-77516D30A479}"/>
+              </a:ext>
+            </a:extLst>
+          </p:cNvPr>
+          <p:cNvSpPr txBox="1"/>
+          <p:nvPr/>
+        </p:nvSpPr>
+        <p:spPr>
+          <a:xfrm>
+            <a:off x="3515179" y="5186462"/>
+            <a:ext cx="542166" cy="369332"/>
+          </a:xfrm>
+          <a:prstGeom prst="rect">
+            <a:avLst/>
+          </a:prstGeom>
+          <a:noFill/>
+        </p:spPr>
+        <p:txBody>
+          <a:bodyPr wrap="square" rtlCol="0">
+            <a:spAutoFit/>
+          </a:bodyPr>
+          <a:lstStyle/>
+          <a:p>
+            <a:pPr algn="ctr"/>
+            <a:r>
+              <a:rPr lang="en-US" b="1" dirty="0">
+                <a:solidFill>
+                  <a:schemeClr val="accent2">
+                    <a:lumMod val="75000"/>
+                  </a:schemeClr>
+                </a:solidFill>
+                <a:latin typeface="Segoe Condensed" panose="020B0606040200020203" pitchFamily="34" charset="0"/>
+                <a:cs typeface="Times New Roman" panose="02020603050405020304" pitchFamily="18" charset="0"/>
+              </a:rPr>
+              <a:t>819</a:t>
+            </a:r>
+          </a:p>
+        </p:txBody>
+      </p:sp>
+      <p:sp>
+        <p:nvSpPr>
+          <p:cNvPr id="54" name="TextBox 53">
+            <a:extLst>
+              <a:ext uri="{FF2B5EF4-FFF2-40B4-BE49-F238E27FC236}">
+                <a16:creationId xmlns:a16="http://schemas.microsoft.com/office/drawing/2014/main" id="{D5657977-F1AD-9F1E-0B3F-1D622A9CC98E}"/>
+              </a:ext>
+            </a:extLst>
+          </p:cNvPr>
+          <p:cNvSpPr txBox="1"/>
+          <p:nvPr/>
+        </p:nvSpPr>
+        <p:spPr>
+          <a:xfrm>
+            <a:off x="2375012" y="3754460"/>
+            <a:ext cx="6813494" cy="369332"/>
+          </a:xfrm>
+          <a:prstGeom prst="rect">
+            <a:avLst/>
+          </a:prstGeom>
+          <a:noFill/>
+        </p:spPr>
+        <p:txBody>
+          <a:bodyPr wrap="square" rtlCol="0">
+            <a:spAutoFit/>
+          </a:bodyPr>
+          <a:lstStyle/>
+          <a:p>
+            <a:pPr algn="ctr"/>
+            <a:r>
+              <a:rPr lang="en-US" dirty="0">
+                <a:solidFill>
+                  <a:schemeClr val="accent2">
+                    <a:lumMod val="75000"/>
+                  </a:schemeClr>
+                </a:solidFill>
+                <a:latin typeface="Bebas Neue" panose="020B0606020202050201" pitchFamily="34" charset="0"/>
+              </a:rPr>
+              <a:t>Voltage Values</a:t>
+            </a:r>
+          </a:p>
+        </p:txBody>
+      </p:sp>
+      <p:sp>
+        <p:nvSpPr>
+          <p:cNvPr id="55" name="TextBox 54">
+            <a:extLst>
+              <a:ext uri="{FF2B5EF4-FFF2-40B4-BE49-F238E27FC236}">
+                <a16:creationId xmlns:a16="http://schemas.microsoft.com/office/drawing/2014/main" id="{9FA0B7DD-E0A7-E0A1-0421-27638F9DB05B}"/>
+              </a:ext>
+            </a:extLst>
+          </p:cNvPr>
+          <p:cNvSpPr txBox="1"/>
+          <p:nvPr/>
+        </p:nvSpPr>
+        <p:spPr>
+          <a:xfrm>
+            <a:off x="2375012" y="5539184"/>
+            <a:ext cx="6813494" cy="369332"/>
+          </a:xfrm>
+          <a:prstGeom prst="rect">
+            <a:avLst/>
+          </a:prstGeom>
+          <a:noFill/>
+        </p:spPr>
+        <p:txBody>
+          <a:bodyPr wrap="square" rtlCol="0">
+            <a:spAutoFit/>
+          </a:bodyPr>
+          <a:lstStyle/>
+          <a:p>
+            <a:pPr algn="ctr"/>
+            <a:r>
+              <a:rPr lang="en-US" dirty="0">
+                <a:solidFill>
+                  <a:schemeClr val="accent2">
+                    <a:lumMod val="75000"/>
+                  </a:schemeClr>
+                </a:solidFill>
+                <a:latin typeface="Bebas Neue" panose="020B0606020202050201" pitchFamily="34" charset="0"/>
+              </a:rPr>
+              <a:t>analog Values</a:t>
+            </a:r>
+          </a:p>
+        </p:txBody>
+      </p:sp>
+      <p:cxnSp>
+        <p:nvCxnSpPr>
+          <p:cNvPr id="56" name="Straight Connector 55">
+            <a:extLst>
+              <a:ext uri="{FF2B5EF4-FFF2-40B4-BE49-F238E27FC236}">
+                <a16:creationId xmlns:a16="http://schemas.microsoft.com/office/drawing/2014/main" id="{F4BAAA5A-A714-723B-C1C8-CDD8B6933C31}"/>
+              </a:ext>
+            </a:extLst>
+          </p:cNvPr>
+          <p:cNvCxnSpPr>
+            <a:cxnSpLocks/>
+          </p:cNvCxnSpPr>
+          <p:nvPr/>
+        </p:nvCxnSpPr>
+        <p:spPr>
+          <a:xfrm>
+            <a:off x="2184850" y="4801416"/>
+            <a:ext cx="7141221" cy="0"/>
+          </a:xfrm>
+          <a:prstGeom prst="line">
+            <a:avLst/>
+          </a:prstGeom>
+          <a:ln>
+            <a:solidFill>
+              <a:schemeClr val="accent2">
+                <a:lumMod val="75000"/>
+              </a:schemeClr>
+            </a:solidFill>
+          </a:ln>
+        </p:spPr>
+        <p:style>
+          <a:lnRef idx="1">
+            <a:schemeClr val="accent1"/>
+          </a:lnRef>
+          <a:fillRef idx="0">
+            <a:schemeClr val="accent1"/>
+          </a:fillRef>
+          <a:effectRef idx="0">
+            <a:schemeClr val="accent1"/>
+          </a:effectRef>
+          <a:fontRef idx="minor">
+            <a:schemeClr val="tx1"/>
+          </a:fontRef>
+        </p:style>
+      </p:cxnSp>
+      <p:sp>
+        <p:nvSpPr>
+          <p:cNvPr id="57" name="Freeform: Shape 56">
+            <a:extLst>
+              <a:ext uri="{FF2B5EF4-FFF2-40B4-BE49-F238E27FC236}">
+                <a16:creationId xmlns:a16="http://schemas.microsoft.com/office/drawing/2014/main" id="{B93EF0B8-E777-ABE0-3F61-D28FF221E2AF}"/>
+              </a:ext>
+            </a:extLst>
+          </p:cNvPr>
+          <p:cNvSpPr/>
+          <p:nvPr/>
+        </p:nvSpPr>
+        <p:spPr>
+          <a:xfrm>
+            <a:off x="2450681" y="3904753"/>
+            <a:ext cx="2560320" cy="127321"/>
+          </a:xfrm>
+          <a:custGeom>
+            <a:avLst/>
+            <a:gdLst>
+              <a:gd name="connsiteX0" fmla="*/ 0 w 2494344"/>
+              <a:gd name="connsiteY0" fmla="*/ 127321 h 127321"/>
+              <a:gd name="connsiteX1" fmla="*/ 0 w 2494344"/>
+              <a:gd name="connsiteY1" fmla="*/ 0 h 127321"/>
+              <a:gd name="connsiteX2" fmla="*/ 2494344 w 2494344"/>
+              <a:gd name="connsiteY2" fmla="*/ 0 h 127321"/>
+            </a:gdLst>
+            <a:ahLst/>
+            <a:cxnLst>
+              <a:cxn ang="0">
+                <a:pos x="connsiteX0" y="connsiteY0"/>
+              </a:cxn>
+              <a:cxn ang="0">
+                <a:pos x="connsiteX1" y="connsiteY1"/>
+              </a:cxn>
+              <a:cxn ang="0">
+                <a:pos x="connsiteX2" y="connsiteY2"/>
+              </a:cxn>
+            </a:cxnLst>
+            <a:rect l="l" t="t" r="r" b="b"/>
+            <a:pathLst>
+              <a:path w="2494344" h="127321">
+                <a:moveTo>
+                  <a:pt x="0" y="127321"/>
+                </a:moveTo>
+                <a:lnTo>
+                  <a:pt x="0" y="0"/>
+                </a:lnTo>
+                <a:lnTo>
+                  <a:pt x="2494344" y="0"/>
+                </a:lnTo>
+              </a:path>
+            </a:pathLst>
+          </a:custGeom>
+          <a:noFill/>
+          <a:ln>
+            <a:solidFill>
+              <a:schemeClr val="accent2">
+                <a:lumMod val="75000"/>
+              </a:schemeClr>
+            </a:solidFill>
+          </a:ln>
+        </p:spPr>
+        <p:style>
+          <a:lnRef idx="2">
+            <a:schemeClr val="accent1">
+              <a:shade val="50000"/>
+            </a:schemeClr>
+          </a:lnRef>
+          <a:fillRef idx="1">
+            <a:schemeClr val="accent1"/>
+          </a:fillRef>
+          <a:effectRef idx="0">
+            <a:schemeClr val="accent1"/>
+          </a:effectRef>
+          <a:fontRef idx="minor">
+            <a:schemeClr val="lt1"/>
+          </a:fontRef>
+        </p:style>
+        <p:txBody>
+          <a:bodyPr rtlCol="0" anchor="ctr"/>
+          <a:lstStyle/>
+          <a:p>
+            <a:pPr algn="ctr"/>
+            <a:endParaRPr lang="en-US"/>
+          </a:p>
+        </p:txBody>
+      </p:sp>
+      <p:sp>
+        <p:nvSpPr>
+          <p:cNvPr id="58" name="Freeform: Shape 57">
+            <a:extLst>
+              <a:ext uri="{FF2B5EF4-FFF2-40B4-BE49-F238E27FC236}">
+                <a16:creationId xmlns:a16="http://schemas.microsoft.com/office/drawing/2014/main" id="{AC5ECB9F-659B-009F-58A4-86E59FEB3E27}"/>
+              </a:ext>
+            </a:extLst>
+          </p:cNvPr>
+          <p:cNvSpPr/>
+          <p:nvPr/>
+        </p:nvSpPr>
+        <p:spPr>
+          <a:xfrm flipH="1">
+            <a:off x="6547265" y="3904753"/>
+            <a:ext cx="2560320" cy="127321"/>
+          </a:xfrm>
+          <a:custGeom>
+            <a:avLst/>
+            <a:gdLst>
+              <a:gd name="connsiteX0" fmla="*/ 0 w 2494344"/>
+              <a:gd name="connsiteY0" fmla="*/ 127321 h 127321"/>
+              <a:gd name="connsiteX1" fmla="*/ 0 w 2494344"/>
+              <a:gd name="connsiteY1" fmla="*/ 0 h 127321"/>
+              <a:gd name="connsiteX2" fmla="*/ 2494344 w 2494344"/>
+              <a:gd name="connsiteY2" fmla="*/ 0 h 127321"/>
+            </a:gdLst>
+            <a:ahLst/>
+            <a:cxnLst>
+              <a:cxn ang="0">
+                <a:pos x="connsiteX0" y="connsiteY0"/>
+              </a:cxn>
+              <a:cxn ang="0">
+                <a:pos x="connsiteX1" y="connsiteY1"/>
+              </a:cxn>
+              <a:cxn ang="0">
+                <a:pos x="connsiteX2" y="connsiteY2"/>
+              </a:cxn>
+            </a:cxnLst>
+            <a:rect l="l" t="t" r="r" b="b"/>
+            <a:pathLst>
+              <a:path w="2494344" h="127321">
+                <a:moveTo>
+                  <a:pt x="0" y="127321"/>
+                </a:moveTo>
+                <a:lnTo>
+                  <a:pt x="0" y="0"/>
+                </a:lnTo>
+                <a:lnTo>
+                  <a:pt x="2494344" y="0"/>
+                </a:lnTo>
+              </a:path>
+            </a:pathLst>
+          </a:custGeom>
+          <a:noFill/>
+          <a:ln>
+            <a:solidFill>
+              <a:schemeClr val="accent2">
+                <a:lumMod val="75000"/>
+              </a:schemeClr>
+            </a:solidFill>
+          </a:ln>
+        </p:spPr>
+        <p:style>
+          <a:lnRef idx="2">
+            <a:schemeClr val="accent1">
+              <a:shade val="50000"/>
+            </a:schemeClr>
+          </a:lnRef>
+          <a:fillRef idx="1">
+            <a:schemeClr val="accent1"/>
+          </a:fillRef>
+          <a:effectRef idx="0">
+            <a:schemeClr val="accent1"/>
+          </a:effectRef>
+          <a:fontRef idx="minor">
+            <a:schemeClr val="lt1"/>
+          </a:fontRef>
+        </p:style>
+        <p:txBody>
+          <a:bodyPr rtlCol="0" anchor="ctr"/>
+          <a:lstStyle/>
+          <a:p>
+            <a:pPr algn="ctr"/>
+            <a:endParaRPr lang="en-US"/>
+          </a:p>
+        </p:txBody>
+      </p:sp>
+      <p:sp>
+        <p:nvSpPr>
+          <p:cNvPr id="59" name="Freeform: Shape 58">
+            <a:extLst>
+              <a:ext uri="{FF2B5EF4-FFF2-40B4-BE49-F238E27FC236}">
+                <a16:creationId xmlns:a16="http://schemas.microsoft.com/office/drawing/2014/main" id="{2883D45D-3898-31C8-0D10-FA1F1FC5FF8F}"/>
+              </a:ext>
+            </a:extLst>
+          </p:cNvPr>
+          <p:cNvSpPr/>
+          <p:nvPr/>
+        </p:nvSpPr>
+        <p:spPr>
+          <a:xfrm flipV="1">
+            <a:off x="2450681" y="5639703"/>
+            <a:ext cx="2560320" cy="127321"/>
+          </a:xfrm>
+          <a:custGeom>
+            <a:avLst/>
+            <a:gdLst>
+              <a:gd name="connsiteX0" fmla="*/ 0 w 2494344"/>
+              <a:gd name="connsiteY0" fmla="*/ 127321 h 127321"/>
+              <a:gd name="connsiteX1" fmla="*/ 0 w 2494344"/>
+              <a:gd name="connsiteY1" fmla="*/ 0 h 127321"/>
+              <a:gd name="connsiteX2" fmla="*/ 2494344 w 2494344"/>
+              <a:gd name="connsiteY2" fmla="*/ 0 h 127321"/>
+            </a:gdLst>
+            <a:ahLst/>
+            <a:cxnLst>
+              <a:cxn ang="0">
+                <a:pos x="connsiteX0" y="connsiteY0"/>
+              </a:cxn>
+              <a:cxn ang="0">
+                <a:pos x="connsiteX1" y="connsiteY1"/>
+              </a:cxn>
+              <a:cxn ang="0">
+                <a:pos x="connsiteX2" y="connsiteY2"/>
+              </a:cxn>
+            </a:cxnLst>
+            <a:rect l="l" t="t" r="r" b="b"/>
+            <a:pathLst>
+              <a:path w="2494344" h="127321">
+                <a:moveTo>
+                  <a:pt x="0" y="127321"/>
+                </a:moveTo>
+                <a:lnTo>
+                  <a:pt x="0" y="0"/>
+                </a:lnTo>
+                <a:lnTo>
+                  <a:pt x="2494344" y="0"/>
+                </a:lnTo>
+              </a:path>
+            </a:pathLst>
+          </a:custGeom>
+          <a:noFill/>
+          <a:ln>
+            <a:solidFill>
+              <a:schemeClr val="accent2">
+                <a:lumMod val="75000"/>
+              </a:schemeClr>
+            </a:solidFill>
+          </a:ln>
+        </p:spPr>
+        <p:style>
+          <a:lnRef idx="2">
+            <a:schemeClr val="accent1">
+              <a:shade val="50000"/>
+            </a:schemeClr>
+          </a:lnRef>
+          <a:fillRef idx="1">
+            <a:schemeClr val="accent1"/>
+          </a:fillRef>
+          <a:effectRef idx="0">
+            <a:schemeClr val="accent1"/>
+          </a:effectRef>
+          <a:fontRef idx="minor">
+            <a:schemeClr val="lt1"/>
+          </a:fontRef>
+        </p:style>
+        <p:txBody>
+          <a:bodyPr rtlCol="0" anchor="ctr"/>
+          <a:lstStyle/>
+          <a:p>
+            <a:pPr algn="ctr"/>
+            <a:endParaRPr lang="en-US"/>
+          </a:p>
+        </p:txBody>
+      </p:sp>
+      <p:sp>
+        <p:nvSpPr>
+          <p:cNvPr id="60" name="Freeform: Shape 59">
+            <a:extLst>
+              <a:ext uri="{FF2B5EF4-FFF2-40B4-BE49-F238E27FC236}">
+                <a16:creationId xmlns:a16="http://schemas.microsoft.com/office/drawing/2014/main" id="{AF964CAE-1E42-2664-EF4D-80A4990F3AF4}"/>
+              </a:ext>
+            </a:extLst>
+          </p:cNvPr>
+          <p:cNvSpPr/>
+          <p:nvPr/>
+        </p:nvSpPr>
+        <p:spPr>
+          <a:xfrm flipH="1" flipV="1">
+            <a:off x="6547265" y="5639703"/>
+            <a:ext cx="2560320" cy="127321"/>
+          </a:xfrm>
+          <a:custGeom>
+            <a:avLst/>
+            <a:gdLst>
+              <a:gd name="connsiteX0" fmla="*/ 0 w 2494344"/>
+              <a:gd name="connsiteY0" fmla="*/ 127321 h 127321"/>
+              <a:gd name="connsiteX1" fmla="*/ 0 w 2494344"/>
+              <a:gd name="connsiteY1" fmla="*/ 0 h 127321"/>
+              <a:gd name="connsiteX2" fmla="*/ 2494344 w 2494344"/>
+              <a:gd name="connsiteY2" fmla="*/ 0 h 127321"/>
+            </a:gdLst>
+            <a:ahLst/>
+            <a:cxnLst>
+              <a:cxn ang="0">
+                <a:pos x="connsiteX0" y="connsiteY0"/>
+              </a:cxn>
+              <a:cxn ang="0">
+                <a:pos x="connsiteX1" y="connsiteY1"/>
+              </a:cxn>
+              <a:cxn ang="0">
+                <a:pos x="connsiteX2" y="connsiteY2"/>
+              </a:cxn>
+            </a:cxnLst>
+            <a:rect l="l" t="t" r="r" b="b"/>
+            <a:pathLst>
+              <a:path w="2494344" h="127321">
+                <a:moveTo>
+                  <a:pt x="0" y="127321"/>
+                </a:moveTo>
+                <a:lnTo>
+                  <a:pt x="0" y="0"/>
+                </a:lnTo>
+                <a:lnTo>
+                  <a:pt x="2494344" y="0"/>
+                </a:lnTo>
+              </a:path>
+            </a:pathLst>
+          </a:custGeom>
+          <a:noFill/>
+          <a:ln>
+            <a:solidFill>
+              <a:schemeClr val="accent2">
+                <a:lumMod val="75000"/>
+              </a:schemeClr>
+            </a:solidFill>
+          </a:ln>
+        </p:spPr>
+        <p:style>
+          <a:lnRef idx="2">
+            <a:schemeClr val="accent1">
+              <a:shade val="50000"/>
+            </a:schemeClr>
+          </a:lnRef>
+          <a:fillRef idx="1">
+            <a:schemeClr val="accent1"/>
+          </a:fillRef>
+          <a:effectRef idx="0">
+            <a:schemeClr val="accent1"/>
+          </a:effectRef>
+          <a:fontRef idx="minor">
+            <a:schemeClr val="lt1"/>
+          </a:fontRef>
+        </p:style>
+        <p:txBody>
+          <a:bodyPr rtlCol="0" anchor="ctr"/>
+          <a:lstStyle/>
+          <a:p>
+            <a:pPr algn="ctr"/>
+            <a:endParaRPr lang="en-US"/>
+          </a:p>
+        </p:txBody>
+      </p:sp>
+      <mc:AlternateContent xmlns:mc="http://schemas.openxmlformats.org/markup-compatibility/2006">
+        <mc:Choice xmlns:a14="http://schemas.microsoft.com/office/drawing/2010/main" Requires="a14">
+          <p:sp>
+            <p:nvSpPr>
+              <p:cNvPr id="61" name="TextBox 60">
+                <a:extLst>
+                  <a:ext uri="{FF2B5EF4-FFF2-40B4-BE49-F238E27FC236}">
+                    <a16:creationId xmlns:a16="http://schemas.microsoft.com/office/drawing/2014/main" id="{79766B36-8756-3F8E-4AC9-ABF03CA6626E}"/>
+                  </a:ext>
+                </a:extLst>
+              </p:cNvPr>
+              <p:cNvSpPr txBox="1"/>
+              <p:nvPr/>
+            </p:nvSpPr>
+            <p:spPr>
+              <a:xfrm>
+                <a:off x="9787753" y="4406219"/>
+                <a:ext cx="1714984" cy="2038828"/>
+              </a:xfrm>
+              <a:prstGeom prst="rect">
+                <a:avLst/>
+              </a:prstGeom>
+              <a:noFill/>
+            </p:spPr>
+            <p:txBody>
+              <a:bodyPr wrap="square" lIns="0" tIns="0" rIns="0" bIns="0" rtlCol="0">
+                <a:spAutoFit/>
+              </a:bodyPr>
+              <a:lstStyle/>
+              <a:p>
+                <a:pPr algn="r">
+                  <a:spcAft>
+                    <a:spcPts val="800"/>
+                  </a:spcAft>
+                </a:pPr>
+                <a14:m>
+                  <m:oMathPara xmlns:m="http://schemas.openxmlformats.org/officeDocument/2006/math">
+                    <m:oMathParaPr>
+                      <m:jc m:val="left"/>
+                    </m:oMathParaPr>
+                    <m:oMath xmlns:m="http://schemas.openxmlformats.org/officeDocument/2006/math">
+                      <m:r>
+                        <a:rPr lang="en-US" i="1" smtClean="0">
+                          <a:latin typeface="Cambria Math" panose="02040503050406030204" pitchFamily="18" charset="0"/>
+                        </a:rPr>
+                        <m:t>=</m:t>
+                      </m:r>
+                      <m:f>
+                        <m:fPr>
+                          <m:ctrlPr>
+                            <a:rPr lang="en-US" i="1" smtClean="0">
+                              <a:latin typeface="Cambria Math" panose="02040503050406030204" pitchFamily="18" charset="0"/>
+                            </a:rPr>
+                          </m:ctrlPr>
+                        </m:fPr>
+                        <m:num>
+                          <m:r>
+                            <a:rPr lang="en-US" b="0" i="1" smtClean="0">
+                              <a:latin typeface="Cambria Math" panose="02040503050406030204" pitchFamily="18" charset="0"/>
+                            </a:rPr>
+                            <m:t>3.3</m:t>
+                          </m:r>
+                          <m:r>
+                            <a:rPr lang="en-US" b="0" i="1" smtClean="0">
+                              <a:latin typeface="Cambria Math" panose="02040503050406030204" pitchFamily="18" charset="0"/>
+                            </a:rPr>
+                            <m:t>𝑉</m:t>
+                          </m:r>
+                        </m:num>
+                        <m:den>
+                          <m:r>
+                            <a:rPr lang="en-US" b="0" i="1" smtClean="0">
+                              <a:latin typeface="Cambria Math" panose="02040503050406030204" pitchFamily="18" charset="0"/>
+                            </a:rPr>
+                            <m:t>4095</m:t>
+                          </m:r>
+                        </m:den>
+                      </m:f>
+                    </m:oMath>
+                  </m:oMathPara>
+                </a14:m>
+                <a:endParaRPr lang="en-US" i="1" dirty="0">
+                  <a:latin typeface="Cambria Math" panose="02040503050406030204" pitchFamily="18" charset="0"/>
+                </a:endParaRPr>
+              </a:p>
+              <a:p>
+                <a:pPr algn="r">
+                  <a:spcAft>
+                    <a:spcPts val="800"/>
+                  </a:spcAft>
+                </a:pPr>
+                <a14:m>
+                  <m:oMathPara xmlns:m="http://schemas.openxmlformats.org/officeDocument/2006/math">
+                    <m:oMathParaPr>
+                      <m:jc m:val="left"/>
+                    </m:oMathParaPr>
+                    <m:oMath xmlns:m="http://schemas.openxmlformats.org/officeDocument/2006/math">
+                      <m:r>
+                        <a:rPr lang="en-US" b="0" i="1" smtClean="0">
+                          <a:latin typeface="Cambria Math" panose="02040503050406030204" pitchFamily="18" charset="0"/>
+                        </a:rPr>
+                        <m:t>=0.00</m:t>
+                      </m:r>
+                      <m:r>
+                        <a:rPr lang="en-US" b="0" i="1" smtClean="0">
+                          <a:latin typeface="Cambria Math" panose="02040503050406030204" pitchFamily="18" charset="0"/>
+                        </a:rPr>
+                        <m:t>0806</m:t>
+                      </m:r>
+                      <m:r>
+                        <a:rPr lang="en-US" b="0" i="1" smtClean="0">
+                          <a:latin typeface="Cambria Math" panose="02040503050406030204" pitchFamily="18" charset="0"/>
+                        </a:rPr>
+                        <m:t>𝑉</m:t>
+                      </m:r>
+                    </m:oMath>
+                  </m:oMathPara>
+                </a14:m>
+                <a:endParaRPr lang="en-US" b="0" i="1" dirty="0">
+                  <a:latin typeface="Cambria Math" panose="02040503050406030204" pitchFamily="18" charset="0"/>
+                </a:endParaRPr>
+              </a:p>
+              <a:p>
+                <a:pPr algn="r">
+                  <a:spcAft>
+                    <a:spcPts val="800"/>
+                  </a:spcAft>
+                </a:pPr>
+                <a14:m>
+                  <m:oMathPara xmlns:m="http://schemas.openxmlformats.org/officeDocument/2006/math">
+                    <m:oMathParaPr>
+                      <m:jc m:val="left"/>
+                    </m:oMathParaPr>
+                    <m:oMath xmlns:m="http://schemas.openxmlformats.org/officeDocument/2006/math">
+                      <m:r>
+                        <a:rPr lang="en-US" b="0" i="1" smtClean="0">
+                          <a:latin typeface="Cambria Math" panose="02040503050406030204" pitchFamily="18" charset="0"/>
+                        </a:rPr>
+                        <m:t>=</m:t>
+                      </m:r>
+                      <m:r>
+                        <a:rPr lang="en-US" b="0" i="1" smtClean="0">
+                          <a:latin typeface="Cambria Math" panose="02040503050406030204" pitchFamily="18" charset="0"/>
+                        </a:rPr>
+                        <m:t>0</m:t>
+                      </m:r>
+                      <m:r>
+                        <a:rPr lang="en-US" b="0" i="1" smtClean="0">
+                          <a:latin typeface="Cambria Math" panose="02040503050406030204" pitchFamily="18" charset="0"/>
+                        </a:rPr>
+                        <m:t>.</m:t>
+                      </m:r>
+                      <m:r>
+                        <a:rPr lang="en-US" b="0" i="1" smtClean="0">
+                          <a:latin typeface="Cambria Math" panose="02040503050406030204" pitchFamily="18" charset="0"/>
+                        </a:rPr>
+                        <m:t>81</m:t>
+                      </m:r>
+                      <m:r>
+                        <a:rPr lang="en-US" b="0" i="1" smtClean="0">
+                          <a:latin typeface="Cambria Math" panose="02040503050406030204" pitchFamily="18" charset="0"/>
+                        </a:rPr>
+                        <m:t>𝑚𝑉</m:t>
+                      </m:r>
+                    </m:oMath>
+                  </m:oMathPara>
+                </a14:m>
+                <a:endParaRPr lang="en-US" b="0" dirty="0"/>
+              </a:p>
+              <a:p>
+                <a:pPr algn="r">
+                  <a:spcAft>
+                    <a:spcPts val="800"/>
+                  </a:spcAft>
+                </a:pPr>
+                <a:endParaRPr lang="en-US" b="0" dirty="0"/>
+              </a:p>
+              <a:p>
+                <a:pPr algn="r">
+                  <a:spcAft>
+                    <a:spcPts val="1400"/>
+                  </a:spcAft>
+                </a:pPr>
+                <a:endParaRPr lang="en-US" b="0" dirty="0"/>
+              </a:p>
+            </p:txBody>
+          </p:sp>
+        </mc:Choice>
+        <mc:Fallback>
+          <p:sp>
+            <p:nvSpPr>
+              <p:cNvPr id="61" name="TextBox 60">
+                <a:extLst>
+                  <a:ext uri="{FF2B5EF4-FFF2-40B4-BE49-F238E27FC236}">
+                    <a16:creationId xmlns:a16="http://schemas.microsoft.com/office/drawing/2014/main" id="{79766B36-8756-3F8E-4AC9-ABF03CA6626E}"/>
+                  </a:ext>
+                </a:extLst>
+              </p:cNvPr>
+              <p:cNvSpPr txBox="1">
+                <a:spLocks noRot="1" noChangeAspect="1" noMove="1" noResize="1" noEditPoints="1" noAdjustHandles="1" noChangeArrowheads="1" noChangeShapeType="1" noTextEdit="1"/>
+              </p:cNvSpPr>
+              <p:nvPr/>
+            </p:nvSpPr>
+            <p:spPr>
+              <a:xfrm>
+                <a:off x="9787753" y="4406219"/>
+                <a:ext cx="1714984" cy="2038828"/>
+              </a:xfrm>
+              <a:prstGeom prst="rect">
+                <a:avLst/>
+              </a:prstGeom>
+              <a:blipFill>
+                <a:blip r:embed="rId3"/>
+                <a:stretch>
+                  <a:fillRect/>
+                </a:stretch>
+              </a:blipFill>
+            </p:spPr>
+            <p:txBody>
+              <a:bodyPr/>
+              <a:lstStyle/>
+              <a:p>
+                <a:r>
+                  <a:rPr lang="en-US">
+                    <a:noFill/>
+                  </a:rPr>
+                  <a:t> </a:t>
+                </a:r>
+              </a:p>
+            </p:txBody>
+          </p:sp>
+        </mc:Fallback>
+      </mc:AlternateContent>
+      <p:sp>
+        <p:nvSpPr>
+          <p:cNvPr id="62" name="TextBox 61">
+            <a:extLst>
+              <a:ext uri="{FF2B5EF4-FFF2-40B4-BE49-F238E27FC236}">
+                <a16:creationId xmlns:a16="http://schemas.microsoft.com/office/drawing/2014/main" id="{294B275A-4796-84A8-99D0-C328F6E4419E}"/>
+              </a:ext>
+            </a:extLst>
+          </p:cNvPr>
+          <p:cNvSpPr txBox="1"/>
+          <p:nvPr/>
+        </p:nvSpPr>
+        <p:spPr>
+          <a:xfrm>
+            <a:off x="9721532" y="3834844"/>
+            <a:ext cx="2446773" cy="523220"/>
+          </a:xfrm>
+          <a:prstGeom prst="rect">
+            <a:avLst/>
+          </a:prstGeom>
+          <a:noFill/>
+        </p:spPr>
+        <p:txBody>
+          <a:bodyPr wrap="square" rtlCol="0">
+            <a:spAutoFit/>
+          </a:bodyPr>
+          <a:lstStyle/>
+          <a:p>
+            <a:r>
+              <a:rPr lang="en-US" sz="1600" b="1" dirty="0">
+                <a:latin typeface="Segoe Condensed" panose="020B0606040200020203" pitchFamily="34" charset="0"/>
+              </a:rPr>
+              <a:t>Analog Read Resolution</a:t>
+            </a:r>
+          </a:p>
+          <a:p>
+            <a:r>
+              <a:rPr lang="en-US" sz="1200" dirty="0">
+                <a:latin typeface="Segoe Condensed" panose="020B0606040200020203" pitchFamily="34" charset="0"/>
+              </a:rPr>
+              <a:t>3.3V, 12-bit ADC</a:t>
+            </a:r>
+          </a:p>
+        </p:txBody>
+      </p:sp>
+      <p:sp>
+        <p:nvSpPr>
+          <p:cNvPr id="63" name="TextBox 62">
+            <a:extLst>
+              <a:ext uri="{FF2B5EF4-FFF2-40B4-BE49-F238E27FC236}">
+                <a16:creationId xmlns:a16="http://schemas.microsoft.com/office/drawing/2014/main" id="{D6A529BA-67D2-1C71-DF9A-A355ACE6F918}"/>
+              </a:ext>
+            </a:extLst>
+          </p:cNvPr>
+          <p:cNvSpPr txBox="1"/>
+          <p:nvPr/>
+        </p:nvSpPr>
+        <p:spPr>
+          <a:xfrm>
+            <a:off x="10724770" y="5344079"/>
+            <a:ext cx="1391697" cy="369332"/>
+          </a:xfrm>
+          <a:prstGeom prst="rect">
+            <a:avLst/>
+          </a:prstGeom>
+          <a:noFill/>
+        </p:spPr>
+        <p:txBody>
+          <a:bodyPr wrap="square" rtlCol="0">
+            <a:spAutoFit/>
+          </a:bodyPr>
+          <a:lstStyle/>
+          <a:p>
+            <a:r>
+              <a:rPr lang="en-US" sz="1400" dirty="0">
+                <a:latin typeface="Segoe Condensed" panose="020B0606040200020203" pitchFamily="34" charset="0"/>
+              </a:rPr>
+              <a:t>per</a:t>
+            </a:r>
+            <a:r>
+              <a:rPr lang="en-US" dirty="0"/>
+              <a:t> </a:t>
+            </a:r>
+            <a:r>
+              <a:rPr lang="en-US" sz="1400" dirty="0">
+                <a:latin typeface="Segoe Condensed" panose="020B0606040200020203" pitchFamily="34" charset="0"/>
+              </a:rPr>
+              <a:t>value</a:t>
+            </a:r>
+          </a:p>
+        </p:txBody>
+      </p:sp>
+    </p:spTree>
+    <p:extLst>
+      <p:ext uri="{BB962C8B-B14F-4D97-AF65-F5344CB8AC3E}">
+        <p14:creationId xmlns:p14="http://schemas.microsoft.com/office/powerpoint/2010/main" val="2882764556"/>
       </p:ext>
     </p:extLst>
   </p:cSld>

--- a/arduino/AnalogInput.pptx
+++ b/arduino/AnalogInput.pptx
@@ -13461,66 +13461,6 @@
       </p:sp>
       <p:sp>
         <p:nvSpPr>
-          <p:cNvPr id="3" name="Rectangle: Rounded Corners 2">
-            <a:extLst>
-              <a:ext uri="{FF2B5EF4-FFF2-40B4-BE49-F238E27FC236}">
-                <a16:creationId xmlns:a16="http://schemas.microsoft.com/office/drawing/2014/main" id="{0BC295F2-CD60-A66A-106E-792CD258CFB0}"/>
-              </a:ext>
-            </a:extLst>
-          </p:cNvPr>
-          <p:cNvSpPr/>
-          <p:nvPr/>
-        </p:nvSpPr>
-        <p:spPr>
-          <a:xfrm>
-            <a:off x="9721780" y="3854471"/>
-            <a:ext cx="1969477" cy="1912552"/>
-          </a:xfrm>
-          <a:prstGeom prst="roundRect">
-            <a:avLst>
-              <a:gd name="adj" fmla="val 5736"/>
-            </a:avLst>
-          </a:prstGeom>
-          <a:solidFill>
-            <a:schemeClr val="bg1">
-              <a:lumMod val="95000"/>
-            </a:schemeClr>
-          </a:solidFill>
-          <a:ln w="6350">
-            <a:solidFill>
-              <a:schemeClr val="bg1">
-                <a:lumMod val="50000"/>
-              </a:schemeClr>
-            </a:solidFill>
-          </a:ln>
-        </p:spPr>
-        <p:style>
-          <a:lnRef idx="2">
-            <a:schemeClr val="accent1">
-              <a:shade val="15000"/>
-            </a:schemeClr>
-          </a:lnRef>
-          <a:fillRef idx="1">
-            <a:schemeClr val="accent1"/>
-          </a:fillRef>
-          <a:effectRef idx="0">
-            <a:schemeClr val="accent1"/>
-          </a:effectRef>
-          <a:fontRef idx="minor">
-            <a:schemeClr val="lt1"/>
-          </a:fontRef>
-        </p:style>
-        <p:txBody>
-          <a:bodyPr rtlCol="0" anchor="ctr"/>
-          <a:lstStyle/>
-          <a:p>
-            <a:pPr algn="ctr"/>
-            <a:endParaRPr lang="en-US"/>
-          </a:p>
-        </p:txBody>
-      </p:sp>
-      <p:sp>
-        <p:nvSpPr>
           <p:cNvPr id="35" name="Rectangle 34">
             <a:extLst>
               <a:ext uri="{FF2B5EF4-FFF2-40B4-BE49-F238E27FC236}">
@@ -14855,331 +14795,412 @@
           </a:p>
         </p:txBody>
       </p:sp>
-      <mc:AlternateContent xmlns:mc="http://schemas.openxmlformats.org/markup-compatibility/2006">
-        <mc:Choice xmlns:a14="http://schemas.microsoft.com/office/drawing/2010/main" Requires="a14">
-          <p:sp>
-            <p:nvSpPr>
-              <p:cNvPr id="61" name="TextBox 60">
-                <a:extLst>
-                  <a:ext uri="{FF2B5EF4-FFF2-40B4-BE49-F238E27FC236}">
-                    <a16:creationId xmlns:a16="http://schemas.microsoft.com/office/drawing/2014/main" id="{79766B36-8756-3F8E-4AC9-ABF03CA6626E}"/>
-                  </a:ext>
-                </a:extLst>
-              </p:cNvPr>
-              <p:cNvSpPr txBox="1"/>
-              <p:nvPr/>
-            </p:nvSpPr>
-            <p:spPr>
-              <a:xfrm>
-                <a:off x="9787753" y="4406219"/>
-                <a:ext cx="1714984" cy="2038828"/>
-              </a:xfrm>
-              <a:prstGeom prst="rect">
-                <a:avLst/>
-              </a:prstGeom>
-              <a:noFill/>
-            </p:spPr>
-            <p:txBody>
-              <a:bodyPr wrap="square" lIns="0" tIns="0" rIns="0" bIns="0" rtlCol="0">
-                <a:spAutoFit/>
-              </a:bodyPr>
-              <a:lstStyle/>
-              <a:p>
-                <a:pPr algn="r">
-                  <a:spcAft>
-                    <a:spcPts val="800"/>
-                  </a:spcAft>
-                </a:pPr>
-                <a14:m>
-                  <m:oMathPara xmlns:m="http://schemas.openxmlformats.org/officeDocument/2006/math">
-                    <m:oMathParaPr>
-                      <m:jc m:val="left"/>
-                    </m:oMathParaPr>
-                    <m:oMath xmlns:m="http://schemas.openxmlformats.org/officeDocument/2006/math">
-                      <m:r>
-                        <a:rPr lang="en-US" i="1" smtClean="0">
-                          <a:latin typeface="Cambria Math" panose="02040503050406030204" pitchFamily="18" charset="0"/>
-                        </a:rPr>
-                        <m:t>=</m:t>
-                      </m:r>
-                      <m:f>
-                        <m:fPr>
-                          <m:ctrlPr>
-                            <a:rPr lang="en-US" i="1" smtClean="0">
-                              <a:latin typeface="Cambria Math" panose="02040503050406030204" pitchFamily="18" charset="0"/>
-                            </a:rPr>
-                          </m:ctrlPr>
-                        </m:fPr>
-                        <m:num>
-                          <m:r>
-                            <a:rPr lang="en-US" b="0" i="1" smtClean="0">
-                              <a:latin typeface="Cambria Math" panose="02040503050406030204" pitchFamily="18" charset="0"/>
-                            </a:rPr>
-                            <m:t>3.3</m:t>
-                          </m:r>
-                          <m:r>
-                            <a:rPr lang="en-US" b="0" i="1" smtClean="0">
-                              <a:latin typeface="Cambria Math" panose="02040503050406030204" pitchFamily="18" charset="0"/>
-                            </a:rPr>
-                            <m:t>𝑉</m:t>
-                          </m:r>
-                        </m:num>
-                        <m:den>
-                          <m:r>
-                            <a:rPr lang="en-US" b="0" i="1" smtClean="0">
-                              <a:latin typeface="Cambria Math" panose="02040503050406030204" pitchFamily="18" charset="0"/>
-                            </a:rPr>
-                            <m:t>4095</m:t>
-                          </m:r>
-                        </m:den>
-                      </m:f>
-                    </m:oMath>
-                  </m:oMathPara>
-                </a14:m>
-                <a:endParaRPr lang="en-US" i="1" dirty="0">
-                  <a:latin typeface="Cambria Math" panose="02040503050406030204" pitchFamily="18" charset="0"/>
-                </a:endParaRPr>
-              </a:p>
-              <a:p>
-                <a:pPr algn="r">
-                  <a:spcAft>
-                    <a:spcPts val="800"/>
-                  </a:spcAft>
-                </a:pPr>
-                <a14:m>
-                  <m:oMathPara xmlns:m="http://schemas.openxmlformats.org/officeDocument/2006/math">
-                    <m:oMathParaPr>
-                      <m:jc m:val="left"/>
-                    </m:oMathParaPr>
-                    <m:oMath xmlns:m="http://schemas.openxmlformats.org/officeDocument/2006/math">
-                      <m:r>
-                        <a:rPr lang="en-US" b="0" i="1" smtClean="0">
-                          <a:latin typeface="Cambria Math" panose="02040503050406030204" pitchFamily="18" charset="0"/>
-                        </a:rPr>
-                        <m:t>=0.00</m:t>
-                      </m:r>
-                      <m:r>
-                        <a:rPr lang="en-US" b="0" i="1" smtClean="0">
-                          <a:latin typeface="Cambria Math" panose="02040503050406030204" pitchFamily="18" charset="0"/>
-                        </a:rPr>
-                        <m:t>0806</m:t>
-                      </m:r>
-                      <m:r>
-                        <a:rPr lang="en-US" b="0" i="1" smtClean="0">
-                          <a:latin typeface="Cambria Math" panose="02040503050406030204" pitchFamily="18" charset="0"/>
-                        </a:rPr>
-                        <m:t>𝑉</m:t>
-                      </m:r>
-                    </m:oMath>
-                  </m:oMathPara>
-                </a14:m>
-                <a:endParaRPr lang="en-US" b="0" i="1" dirty="0">
-                  <a:latin typeface="Cambria Math" panose="02040503050406030204" pitchFamily="18" charset="0"/>
-                </a:endParaRPr>
-              </a:p>
-              <a:p>
-                <a:pPr algn="r">
-                  <a:spcAft>
-                    <a:spcPts val="800"/>
-                  </a:spcAft>
-                </a:pPr>
-                <a14:m>
-                  <m:oMathPara xmlns:m="http://schemas.openxmlformats.org/officeDocument/2006/math">
-                    <m:oMathParaPr>
-                      <m:jc m:val="left"/>
-                    </m:oMathParaPr>
-                    <m:oMath xmlns:m="http://schemas.openxmlformats.org/officeDocument/2006/math">
-                      <m:r>
-                        <a:rPr lang="en-US" b="0" i="1" smtClean="0">
-                          <a:latin typeface="Cambria Math" panose="02040503050406030204" pitchFamily="18" charset="0"/>
-                        </a:rPr>
-                        <m:t>=</m:t>
-                      </m:r>
-                      <m:r>
-                        <a:rPr lang="en-US" b="0" i="1" smtClean="0">
-                          <a:latin typeface="Cambria Math" panose="02040503050406030204" pitchFamily="18" charset="0"/>
-                        </a:rPr>
-                        <m:t>0</m:t>
-                      </m:r>
-                      <m:r>
-                        <a:rPr lang="en-US" b="0" i="1" smtClean="0">
-                          <a:latin typeface="Cambria Math" panose="02040503050406030204" pitchFamily="18" charset="0"/>
-                        </a:rPr>
-                        <m:t>.</m:t>
-                      </m:r>
-                      <m:r>
-                        <a:rPr lang="en-US" b="0" i="1" smtClean="0">
-                          <a:latin typeface="Cambria Math" panose="02040503050406030204" pitchFamily="18" charset="0"/>
-                        </a:rPr>
-                        <m:t>81</m:t>
-                      </m:r>
-                      <m:r>
-                        <a:rPr lang="en-US" b="0" i="1" smtClean="0">
-                          <a:latin typeface="Cambria Math" panose="02040503050406030204" pitchFamily="18" charset="0"/>
-                        </a:rPr>
-                        <m:t>𝑚𝑉</m:t>
-                      </m:r>
-                    </m:oMath>
-                  </m:oMathPara>
-                </a14:m>
-                <a:endParaRPr lang="en-US" b="0" dirty="0"/>
-              </a:p>
-              <a:p>
-                <a:pPr algn="r">
-                  <a:spcAft>
-                    <a:spcPts val="800"/>
-                  </a:spcAft>
-                </a:pPr>
-                <a:endParaRPr lang="en-US" b="0" dirty="0"/>
-              </a:p>
-              <a:p>
-                <a:pPr algn="r">
-                  <a:spcAft>
-                    <a:spcPts val="1400"/>
-                  </a:spcAft>
-                </a:pPr>
-                <a:endParaRPr lang="en-US" b="0" dirty="0"/>
-              </a:p>
-            </p:txBody>
-          </p:sp>
-        </mc:Choice>
-        <mc:Fallback>
-          <p:sp>
-            <p:nvSpPr>
-              <p:cNvPr id="61" name="TextBox 60">
-                <a:extLst>
-                  <a:ext uri="{FF2B5EF4-FFF2-40B4-BE49-F238E27FC236}">
-                    <a16:creationId xmlns:a16="http://schemas.microsoft.com/office/drawing/2014/main" id="{79766B36-8756-3F8E-4AC9-ABF03CA6626E}"/>
-                  </a:ext>
-                </a:extLst>
-              </p:cNvPr>
-              <p:cNvSpPr txBox="1">
-                <a:spLocks noRot="1" noChangeAspect="1" noMove="1" noResize="1" noEditPoints="1" noAdjustHandles="1" noChangeArrowheads="1" noChangeShapeType="1" noTextEdit="1"/>
-              </p:cNvSpPr>
-              <p:nvPr/>
-            </p:nvSpPr>
-            <p:spPr>
-              <a:xfrm>
-                <a:off x="9787753" y="4406219"/>
-                <a:ext cx="1714984" cy="2038828"/>
-              </a:xfrm>
-              <a:prstGeom prst="rect">
-                <a:avLst/>
-              </a:prstGeom>
-              <a:blipFill>
-                <a:blip r:embed="rId3"/>
-                <a:stretch>
-                  <a:fillRect/>
-                </a:stretch>
-              </a:blipFill>
-            </p:spPr>
-            <p:txBody>
-              <a:bodyPr/>
-              <a:lstStyle/>
-              <a:p>
-                <a:r>
-                  <a:rPr lang="en-US">
-                    <a:noFill/>
-                  </a:rPr>
-                  <a:t> </a:t>
-                </a:r>
-              </a:p>
-            </p:txBody>
-          </p:sp>
-        </mc:Fallback>
-      </mc:AlternateContent>
-      <p:sp>
-        <p:nvSpPr>
-          <p:cNvPr id="62" name="TextBox 61">
-            <a:extLst>
-              <a:ext uri="{FF2B5EF4-FFF2-40B4-BE49-F238E27FC236}">
-                <a16:creationId xmlns:a16="http://schemas.microsoft.com/office/drawing/2014/main" id="{294B275A-4796-84A8-99D0-C328F6E4419E}"/>
-              </a:ext>
-            </a:extLst>
-          </p:cNvPr>
-          <p:cNvSpPr txBox="1"/>
-          <p:nvPr/>
-        </p:nvSpPr>
-        <p:spPr>
+      <p:grpSp>
+        <p:nvGrpSpPr>
+          <p:cNvPr id="31" name="Group 30">
+            <a:extLst>
+              <a:ext uri="{FF2B5EF4-FFF2-40B4-BE49-F238E27FC236}">
+                <a16:creationId xmlns:a16="http://schemas.microsoft.com/office/drawing/2014/main" id="{76962A6A-97D2-B824-C7ED-0DE26587B3B1}"/>
+              </a:ext>
+            </a:extLst>
+          </p:cNvPr>
+          <p:cNvGrpSpPr/>
+          <p:nvPr/>
+        </p:nvGrpSpPr>
+        <p:grpSpPr>
           <a:xfrm>
             <a:off x="9721532" y="3834844"/>
-            <a:ext cx="2446773" cy="523220"/>
-          </a:xfrm>
-          <a:prstGeom prst="rect">
-            <a:avLst/>
-          </a:prstGeom>
-          <a:noFill/>
-        </p:spPr>
-        <p:txBody>
-          <a:bodyPr wrap="square" rtlCol="0">
-            <a:spAutoFit/>
-          </a:bodyPr>
-          <a:lstStyle/>
-          <a:p>
-            <a:r>
-              <a:rPr lang="en-US" sz="1600" b="1" dirty="0">
-                <a:latin typeface="Segoe Condensed" panose="020B0606040200020203" pitchFamily="34" charset="0"/>
-              </a:rPr>
-              <a:t>Analog Read Resolution</a:t>
-            </a:r>
-          </a:p>
-          <a:p>
-            <a:r>
-              <a:rPr lang="en-US" sz="1200" dirty="0">
-                <a:latin typeface="Segoe Condensed" panose="020B0606040200020203" pitchFamily="34" charset="0"/>
-              </a:rPr>
-              <a:t>3.3V, 12-bit ADC</a:t>
-            </a:r>
-          </a:p>
-        </p:txBody>
-      </p:sp>
-      <p:sp>
-        <p:nvSpPr>
-          <p:cNvPr id="63" name="TextBox 62">
-            <a:extLst>
-              <a:ext uri="{FF2B5EF4-FFF2-40B4-BE49-F238E27FC236}">
-                <a16:creationId xmlns:a16="http://schemas.microsoft.com/office/drawing/2014/main" id="{D6A529BA-67D2-1C71-DF9A-A355ACE6F918}"/>
-              </a:ext>
-            </a:extLst>
-          </p:cNvPr>
-          <p:cNvSpPr txBox="1"/>
-          <p:nvPr/>
-        </p:nvSpPr>
-        <p:spPr>
-          <a:xfrm>
-            <a:off x="10724770" y="5344079"/>
-            <a:ext cx="1391697" cy="369332"/>
-          </a:xfrm>
-          <a:prstGeom prst="rect">
-            <a:avLst/>
-          </a:prstGeom>
-          <a:noFill/>
-        </p:spPr>
-        <p:txBody>
-          <a:bodyPr wrap="square" rtlCol="0">
-            <a:spAutoFit/>
-          </a:bodyPr>
-          <a:lstStyle/>
-          <a:p>
-            <a:r>
-              <a:rPr lang="en-US" sz="1400" dirty="0">
-                <a:latin typeface="Segoe Condensed" panose="020B0606040200020203" pitchFamily="34" charset="0"/>
-              </a:rPr>
-              <a:t>per</a:t>
-            </a:r>
-            <a:r>
-              <a:rPr lang="en-US" dirty="0"/>
-              <a:t> </a:t>
-            </a:r>
-            <a:r>
-              <a:rPr lang="en-US" sz="1400" dirty="0">
-                <a:latin typeface="Segoe Condensed" panose="020B0606040200020203" pitchFamily="34" charset="0"/>
-              </a:rPr>
-              <a:t>value</a:t>
-            </a:r>
-          </a:p>
-        </p:txBody>
-      </p:sp>
+            <a:ext cx="2446773" cy="2610203"/>
+            <a:chOff x="9721532" y="3834844"/>
+            <a:chExt cx="2446773" cy="2610203"/>
+          </a:xfrm>
+        </p:grpSpPr>
+        <p:sp>
+          <p:nvSpPr>
+            <p:cNvPr id="3" name="Rectangle: Rounded Corners 2">
+              <a:extLst>
+                <a:ext uri="{FF2B5EF4-FFF2-40B4-BE49-F238E27FC236}">
+                  <a16:creationId xmlns:a16="http://schemas.microsoft.com/office/drawing/2014/main" id="{0BC295F2-CD60-A66A-106E-792CD258CFB0}"/>
+                </a:ext>
+              </a:extLst>
+            </p:cNvPr>
+            <p:cNvSpPr/>
+            <p:nvPr/>
+          </p:nvSpPr>
+          <p:spPr>
+            <a:xfrm>
+              <a:off x="9721780" y="3854471"/>
+              <a:ext cx="1969477" cy="1912552"/>
+            </a:xfrm>
+            <a:prstGeom prst="roundRect">
+              <a:avLst>
+                <a:gd name="adj" fmla="val 5736"/>
+              </a:avLst>
+            </a:prstGeom>
+            <a:solidFill>
+              <a:schemeClr val="bg1">
+                <a:lumMod val="95000"/>
+              </a:schemeClr>
+            </a:solidFill>
+            <a:ln w="6350">
+              <a:solidFill>
+                <a:schemeClr val="bg1">
+                  <a:lumMod val="50000"/>
+                </a:schemeClr>
+              </a:solidFill>
+            </a:ln>
+          </p:spPr>
+          <p:style>
+            <a:lnRef idx="2">
+              <a:schemeClr val="accent1">
+                <a:shade val="15000"/>
+              </a:schemeClr>
+            </a:lnRef>
+            <a:fillRef idx="1">
+              <a:schemeClr val="accent1"/>
+            </a:fillRef>
+            <a:effectRef idx="0">
+              <a:schemeClr val="accent1"/>
+            </a:effectRef>
+            <a:fontRef idx="minor">
+              <a:schemeClr val="lt1"/>
+            </a:fontRef>
+          </p:style>
+          <p:txBody>
+            <a:bodyPr rtlCol="0" anchor="ctr"/>
+            <a:lstStyle/>
+            <a:p>
+              <a:pPr algn="ctr"/>
+              <a:endParaRPr lang="en-US"/>
+            </a:p>
+          </p:txBody>
+        </p:sp>
+        <mc:AlternateContent xmlns:mc="http://schemas.openxmlformats.org/markup-compatibility/2006">
+          <mc:Choice xmlns:a14="http://schemas.microsoft.com/office/drawing/2010/main" Requires="a14">
+            <p:sp>
+              <p:nvSpPr>
+                <p:cNvPr id="61" name="TextBox 60">
+                  <a:extLst>
+                    <a:ext uri="{FF2B5EF4-FFF2-40B4-BE49-F238E27FC236}">
+                      <a16:creationId xmlns:a16="http://schemas.microsoft.com/office/drawing/2014/main" id="{79766B36-8756-3F8E-4AC9-ABF03CA6626E}"/>
+                    </a:ext>
+                  </a:extLst>
+                </p:cNvPr>
+                <p:cNvSpPr txBox="1"/>
+                <p:nvPr/>
+              </p:nvSpPr>
+              <p:spPr>
+                <a:xfrm>
+                  <a:off x="9787753" y="4406219"/>
+                  <a:ext cx="1714984" cy="2038828"/>
+                </a:xfrm>
+                <a:prstGeom prst="rect">
+                  <a:avLst/>
+                </a:prstGeom>
+                <a:noFill/>
+              </p:spPr>
+              <p:txBody>
+                <a:bodyPr wrap="square" lIns="0" tIns="0" rIns="0" bIns="0" rtlCol="0">
+                  <a:spAutoFit/>
+                </a:bodyPr>
+                <a:lstStyle/>
+                <a:p>
+                  <a:pPr algn="r">
+                    <a:spcAft>
+                      <a:spcPts val="800"/>
+                    </a:spcAft>
+                  </a:pPr>
+                  <a14:m>
+                    <m:oMathPara xmlns:m="http://schemas.openxmlformats.org/officeDocument/2006/math">
+                      <m:oMathParaPr>
+                        <m:jc m:val="left"/>
+                      </m:oMathParaPr>
+                      <m:oMath xmlns:m="http://schemas.openxmlformats.org/officeDocument/2006/math">
+                        <m:r>
+                          <a:rPr lang="en-US" i="1" smtClean="0">
+                            <a:latin typeface="Cambria Math" panose="02040503050406030204" pitchFamily="18" charset="0"/>
+                          </a:rPr>
+                          <m:t>=</m:t>
+                        </m:r>
+                        <m:f>
+                          <m:fPr>
+                            <m:ctrlPr>
+                              <a:rPr lang="en-US" i="1" smtClean="0">
+                                <a:latin typeface="Cambria Math" panose="02040503050406030204" pitchFamily="18" charset="0"/>
+                              </a:rPr>
+                            </m:ctrlPr>
+                          </m:fPr>
+                          <m:num>
+                            <m:r>
+                              <a:rPr lang="en-US" b="0" i="1" smtClean="0">
+                                <a:latin typeface="Cambria Math" panose="02040503050406030204" pitchFamily="18" charset="0"/>
+                              </a:rPr>
+                              <m:t>3.3</m:t>
+                            </m:r>
+                            <m:r>
+                              <a:rPr lang="en-US" b="0" i="1" smtClean="0">
+                                <a:latin typeface="Cambria Math" panose="02040503050406030204" pitchFamily="18" charset="0"/>
+                              </a:rPr>
+                              <m:t>𝑉</m:t>
+                            </m:r>
+                          </m:num>
+                          <m:den>
+                            <m:r>
+                              <a:rPr lang="en-US" b="0" i="1" smtClean="0">
+                                <a:latin typeface="Cambria Math" panose="02040503050406030204" pitchFamily="18" charset="0"/>
+                              </a:rPr>
+                              <m:t>4095</m:t>
+                            </m:r>
+                          </m:den>
+                        </m:f>
+                      </m:oMath>
+                    </m:oMathPara>
+                  </a14:m>
+                  <a:endParaRPr lang="en-US" i="1" dirty="0">
+                    <a:latin typeface="Cambria Math" panose="02040503050406030204" pitchFamily="18" charset="0"/>
+                  </a:endParaRPr>
+                </a:p>
+                <a:p>
+                  <a:pPr algn="r">
+                    <a:spcAft>
+                      <a:spcPts val="800"/>
+                    </a:spcAft>
+                  </a:pPr>
+                  <a14:m>
+                    <m:oMathPara xmlns:m="http://schemas.openxmlformats.org/officeDocument/2006/math">
+                      <m:oMathParaPr>
+                        <m:jc m:val="left"/>
+                      </m:oMathParaPr>
+                      <m:oMath xmlns:m="http://schemas.openxmlformats.org/officeDocument/2006/math">
+                        <m:r>
+                          <a:rPr lang="en-US" b="0" i="1" smtClean="0">
+                            <a:latin typeface="Cambria Math" panose="02040503050406030204" pitchFamily="18" charset="0"/>
+                          </a:rPr>
+                          <m:t>=0.00</m:t>
+                        </m:r>
+                        <m:r>
+                          <a:rPr lang="en-US" b="0" i="1" smtClean="0">
+                            <a:latin typeface="Cambria Math" panose="02040503050406030204" pitchFamily="18" charset="0"/>
+                          </a:rPr>
+                          <m:t>0806</m:t>
+                        </m:r>
+                        <m:r>
+                          <a:rPr lang="en-US" b="0" i="1" smtClean="0">
+                            <a:latin typeface="Cambria Math" panose="02040503050406030204" pitchFamily="18" charset="0"/>
+                          </a:rPr>
+                          <m:t>𝑉</m:t>
+                        </m:r>
+                      </m:oMath>
+                    </m:oMathPara>
+                  </a14:m>
+                  <a:endParaRPr lang="en-US" b="0" i="1" dirty="0">
+                    <a:latin typeface="Cambria Math" panose="02040503050406030204" pitchFamily="18" charset="0"/>
+                  </a:endParaRPr>
+                </a:p>
+                <a:p>
+                  <a:pPr algn="r">
+                    <a:spcAft>
+                      <a:spcPts val="800"/>
+                    </a:spcAft>
+                  </a:pPr>
+                  <a14:m>
+                    <m:oMathPara xmlns:m="http://schemas.openxmlformats.org/officeDocument/2006/math">
+                      <m:oMathParaPr>
+                        <m:jc m:val="left"/>
+                      </m:oMathParaPr>
+                      <m:oMath xmlns:m="http://schemas.openxmlformats.org/officeDocument/2006/math">
+                        <m:r>
+                          <a:rPr lang="en-US" b="0" i="1" smtClean="0">
+                            <a:latin typeface="Cambria Math" panose="02040503050406030204" pitchFamily="18" charset="0"/>
+                          </a:rPr>
+                          <m:t>=</m:t>
+                        </m:r>
+                        <m:r>
+                          <a:rPr lang="en-US" b="0" i="1" smtClean="0">
+                            <a:latin typeface="Cambria Math" panose="02040503050406030204" pitchFamily="18" charset="0"/>
+                          </a:rPr>
+                          <m:t>0</m:t>
+                        </m:r>
+                        <m:r>
+                          <a:rPr lang="en-US" b="0" i="1" smtClean="0">
+                            <a:latin typeface="Cambria Math" panose="02040503050406030204" pitchFamily="18" charset="0"/>
+                          </a:rPr>
+                          <m:t>.</m:t>
+                        </m:r>
+                        <m:r>
+                          <a:rPr lang="en-US" b="0" i="1" smtClean="0">
+                            <a:latin typeface="Cambria Math" panose="02040503050406030204" pitchFamily="18" charset="0"/>
+                          </a:rPr>
+                          <m:t>81</m:t>
+                        </m:r>
+                        <m:r>
+                          <a:rPr lang="en-US" b="0" i="1" smtClean="0">
+                            <a:latin typeface="Cambria Math" panose="02040503050406030204" pitchFamily="18" charset="0"/>
+                          </a:rPr>
+                          <m:t>𝑚𝑉</m:t>
+                        </m:r>
+                      </m:oMath>
+                    </m:oMathPara>
+                  </a14:m>
+                  <a:endParaRPr lang="en-US" b="0" dirty="0"/>
+                </a:p>
+                <a:p>
+                  <a:pPr algn="r">
+                    <a:spcAft>
+                      <a:spcPts val="800"/>
+                    </a:spcAft>
+                  </a:pPr>
+                  <a:endParaRPr lang="en-US" b="0" dirty="0"/>
+                </a:p>
+                <a:p>
+                  <a:pPr algn="r">
+                    <a:spcAft>
+                      <a:spcPts val="1400"/>
+                    </a:spcAft>
+                  </a:pPr>
+                  <a:endParaRPr lang="en-US" b="0" dirty="0"/>
+                </a:p>
+              </p:txBody>
+            </p:sp>
+          </mc:Choice>
+          <mc:Fallback>
+            <p:sp>
+              <p:nvSpPr>
+                <p:cNvPr id="61" name="TextBox 60">
+                  <a:extLst>
+                    <a:ext uri="{FF2B5EF4-FFF2-40B4-BE49-F238E27FC236}">
+                      <a16:creationId xmlns:a16="http://schemas.microsoft.com/office/drawing/2014/main" id="{79766B36-8756-3F8E-4AC9-ABF03CA6626E}"/>
+                    </a:ext>
+                  </a:extLst>
+                </p:cNvPr>
+                <p:cNvSpPr txBox="1">
+                  <a:spLocks noRot="1" noChangeAspect="1" noMove="1" noResize="1" noEditPoints="1" noAdjustHandles="1" noChangeArrowheads="1" noChangeShapeType="1" noTextEdit="1"/>
+                </p:cNvSpPr>
+                <p:nvPr/>
+              </p:nvSpPr>
+              <p:spPr>
+                <a:xfrm>
+                  <a:off x="9787753" y="4406219"/>
+                  <a:ext cx="1714984" cy="2038828"/>
+                </a:xfrm>
+                <a:prstGeom prst="rect">
+                  <a:avLst/>
+                </a:prstGeom>
+                <a:blipFill>
+                  <a:blip r:embed="rId3"/>
+                  <a:stretch>
+                    <a:fillRect/>
+                  </a:stretch>
+                </a:blipFill>
+              </p:spPr>
+              <p:txBody>
+                <a:bodyPr/>
+                <a:lstStyle/>
+                <a:p>
+                  <a:r>
+                    <a:rPr lang="en-US">
+                      <a:noFill/>
+                    </a:rPr>
+                    <a:t> </a:t>
+                  </a:r>
+                </a:p>
+              </p:txBody>
+            </p:sp>
+          </mc:Fallback>
+        </mc:AlternateContent>
+        <p:sp>
+          <p:nvSpPr>
+            <p:cNvPr id="62" name="TextBox 61">
+              <a:extLst>
+                <a:ext uri="{FF2B5EF4-FFF2-40B4-BE49-F238E27FC236}">
+                  <a16:creationId xmlns:a16="http://schemas.microsoft.com/office/drawing/2014/main" id="{294B275A-4796-84A8-99D0-C328F6E4419E}"/>
+                </a:ext>
+              </a:extLst>
+            </p:cNvPr>
+            <p:cNvSpPr txBox="1"/>
+            <p:nvPr/>
+          </p:nvSpPr>
+          <p:spPr>
+            <a:xfrm>
+              <a:off x="9721532" y="3834844"/>
+              <a:ext cx="2446773" cy="523220"/>
+            </a:xfrm>
+            <a:prstGeom prst="rect">
+              <a:avLst/>
+            </a:prstGeom>
+            <a:noFill/>
+          </p:spPr>
+          <p:txBody>
+            <a:bodyPr wrap="square" rtlCol="0">
+              <a:spAutoFit/>
+            </a:bodyPr>
+            <a:lstStyle/>
+            <a:p>
+              <a:r>
+                <a:rPr lang="en-US" sz="1600" b="1" dirty="0">
+                  <a:latin typeface="Segoe Condensed" panose="020B0606040200020203" pitchFamily="34" charset="0"/>
+                </a:rPr>
+                <a:t>Analog Read Resolution</a:t>
+              </a:r>
+            </a:p>
+            <a:p>
+              <a:r>
+                <a:rPr lang="en-US" sz="1200" dirty="0">
+                  <a:latin typeface="Segoe Condensed" panose="020B0606040200020203" pitchFamily="34" charset="0"/>
+                </a:rPr>
+                <a:t>3.3V, 12-bit ADC</a:t>
+              </a:r>
+            </a:p>
+          </p:txBody>
+        </p:sp>
+        <p:sp>
+          <p:nvSpPr>
+            <p:cNvPr id="63" name="TextBox 62">
+              <a:extLst>
+                <a:ext uri="{FF2B5EF4-FFF2-40B4-BE49-F238E27FC236}">
+                  <a16:creationId xmlns:a16="http://schemas.microsoft.com/office/drawing/2014/main" id="{D6A529BA-67D2-1C71-DF9A-A355ACE6F918}"/>
+                </a:ext>
+              </a:extLst>
+            </p:cNvPr>
+            <p:cNvSpPr txBox="1"/>
+            <p:nvPr/>
+          </p:nvSpPr>
+          <p:spPr>
+            <a:xfrm>
+              <a:off x="10724770" y="5344079"/>
+              <a:ext cx="1391697" cy="369332"/>
+            </a:xfrm>
+            <a:prstGeom prst="rect">
+              <a:avLst/>
+            </a:prstGeom>
+            <a:noFill/>
+          </p:spPr>
+          <p:txBody>
+            <a:bodyPr wrap="square" rtlCol="0">
+              <a:spAutoFit/>
+            </a:bodyPr>
+            <a:lstStyle/>
+            <a:p>
+              <a:r>
+                <a:rPr lang="en-US" sz="1400" dirty="0">
+                  <a:latin typeface="Segoe Condensed" panose="020B0606040200020203" pitchFamily="34" charset="0"/>
+                </a:rPr>
+                <a:t>per</a:t>
+              </a:r>
+              <a:r>
+                <a:rPr lang="en-US" dirty="0"/>
+                <a:t> </a:t>
+              </a:r>
+              <a:r>
+                <a:rPr lang="en-US" sz="1400" dirty="0">
+                  <a:latin typeface="Segoe Condensed" panose="020B0606040200020203" pitchFamily="34" charset="0"/>
+                </a:rPr>
+                <a:t>value</a:t>
+              </a:r>
+            </a:p>
+          </p:txBody>
+        </p:sp>
+      </p:grpSp>
     </p:spTree>
     <p:extLst>
       <p:ext uri="{BB962C8B-B14F-4D97-AF65-F5344CB8AC3E}">
